--- a/1-2/CB1501010/Introduction to Electrical and Electronic Engineering/002/EE_ch2_BasicLaws.pptx
+++ b/1-2/CB1501010/Introduction to Electrical and Electronic Engineering/002/EE_ch2_BasicLaws.pptx
@@ -467,11 +467,6 @@
         </p:txBody>
       </p:sp>
     </p:spTree>
-    <p:extLst>
-      <p:ext uri="{BB962C8B-B14F-4D97-AF65-F5344CB8AC3E}">
-        <p14:creationId xmlns:p14="http://schemas.microsoft.com/office/powerpoint/2010/main" val="1"/>
-      </p:ext>
-    </p:extLst>
   </p:cSld>
   <p:clrMap bg1="lt1" tx1="dk1" bg2="lt2" tx2="dk2" accent1="accent1" accent2="accent2" accent3="accent3" accent4="accent4" accent5="accent5" accent6="accent6" hlink="hlink" folHlink="folHlink"/>
 </p:handoutMaster>
@@ -675,35 +670,35 @@
           <a:p>
             <a:pPr lvl="0"/>
             <a:r>
-              <a:rPr lang="ko-KR" altLang="en-US" noProof="0"/>
+              <a:rPr lang="ko-KR" altLang="en-US" noProof="0" smtClean="0"/>
               <a:t>마스터 텍스트 스타일을 편집합니다</a:t>
             </a:r>
           </a:p>
           <a:p>
             <a:pPr lvl="1"/>
             <a:r>
-              <a:rPr lang="ko-KR" altLang="en-US" noProof="0"/>
+              <a:rPr lang="ko-KR" altLang="en-US" noProof="0" smtClean="0"/>
               <a:t>둘째 수준</a:t>
             </a:r>
           </a:p>
           <a:p>
             <a:pPr lvl="2"/>
             <a:r>
-              <a:rPr lang="ko-KR" altLang="en-US" noProof="0"/>
+              <a:rPr lang="ko-KR" altLang="en-US" noProof="0" smtClean="0"/>
               <a:t>셋째 수준</a:t>
             </a:r>
           </a:p>
           <a:p>
             <a:pPr lvl="3"/>
             <a:r>
-              <a:rPr lang="ko-KR" altLang="en-US" noProof="0"/>
+              <a:rPr lang="ko-KR" altLang="en-US" noProof="0" smtClean="0"/>
               <a:t>넷째 수준</a:t>
             </a:r>
           </a:p>
           <a:p>
             <a:pPr lvl="4"/>
             <a:r>
-              <a:rPr lang="ko-KR" altLang="en-US" noProof="0"/>
+              <a:rPr lang="ko-KR" altLang="en-US" noProof="0" smtClean="0"/>
               <a:t>다섯째 수준</a:t>
             </a:r>
           </a:p>
@@ -1107,7 +1102,7 @@
             <a:pPr eaLnBrk="1" latinLnBrk="1" hangingPunct="1">
               <a:defRPr/>
             </a:pPr>
-            <a:endParaRPr lang="ko-KR" altLang="ko-KR" sz="1800">
+            <a:endParaRPr lang="ko-KR" altLang="ko-KR" sz="1800" smtClean="0">
               <a:solidFill>
                 <a:schemeClr val="bg1"/>
               </a:solidFill>
@@ -1432,14 +1427,14 @@
               <a:defRPr/>
             </a:pPr>
             <a:r>
-              <a:rPr lang="en-US" altLang="ko-KR" sz="1600" i="1">
+              <a:rPr lang="en-US" altLang="ko-KR" sz="1600" i="1" smtClean="0">
                 <a:solidFill>
                   <a:schemeClr val="bg1"/>
                 </a:solidFill>
               </a:rPr>
               <a:t>Pusan National University </a:t>
             </a:r>
-            <a:endParaRPr lang="en-US" altLang="ko-KR" sz="1000">
+            <a:endParaRPr lang="en-US" altLang="ko-KR" sz="1000" smtClean="0">
               <a:solidFill>
                 <a:schemeClr val="bg1"/>
               </a:solidFill>
@@ -1926,7 +1921,7 @@
               <a:defRPr/>
             </a:pPr>
             <a:r>
-              <a:rPr lang="en-US" altLang="ko-KR" sz="3400" i="1">
+              <a:rPr lang="en-US" altLang="ko-KR" sz="3400" i="1" smtClean="0">
                 <a:solidFill>
                   <a:srgbClr val="99CC00"/>
                 </a:solidFill>
@@ -2093,7 +2088,7 @@
               <a:defRPr/>
             </a:pPr>
             <a:r>
-              <a:rPr lang="en-US" altLang="ko-KR" sz="4600" i="1">
+              <a:rPr lang="en-US" altLang="ko-KR" sz="4600" i="1" smtClean="0">
                 <a:latin typeface="Arial Black" pitchFamily="34" charset="0"/>
               </a:rPr>
               <a:t>PNU</a:t>
@@ -2257,7 +2252,7 @@
               <a:defRPr/>
             </a:pPr>
             <a:r>
-              <a:rPr lang="en-US" altLang="ko-KR" sz="1600" i="1">
+              <a:rPr lang="en-US" altLang="ko-KR" sz="1600" i="1" smtClean="0">
                 <a:solidFill>
                   <a:schemeClr val="bg2"/>
                 </a:solidFill>
@@ -2266,7 +2261,7 @@
               <a:t> </a:t>
             </a:r>
             <a:r>
-              <a:rPr lang="ko-KR" altLang="en-US" sz="1600" i="1">
+              <a:rPr lang="ko-KR" altLang="en-US" sz="1600" i="1" smtClean="0">
                 <a:solidFill>
                   <a:schemeClr val="bg2"/>
                 </a:solidFill>
@@ -2390,18 +2385,7 @@
   <p:clrMapOvr>
     <a:masterClrMapping/>
   </p:clrMapOvr>
-  <mc:AlternateContent xmlns:mc="http://schemas.openxmlformats.org/markup-compatibility/2006">
-    <mc:Choice xmlns:p159="http://schemas.microsoft.com/office/powerpoint/2015/09/main" Requires="p159">
-      <p:transition spd="slow">
-        <p159:morph option="byChar"/>
-      </p:transition>
-    </mc:Choice>
-    <mc:Fallback>
-      <p:transition spd="slow">
-        <p:fade/>
-      </p:transition>
-    </mc:Fallback>
-  </mc:AlternateContent>
+  <p:transition spd="med"/>
 </p:sldLayout>
 </file>
 
@@ -2443,9 +2427,10 @@
           <a:lstStyle/>
           <a:p>
             <a:r>
-              <a:rPr lang="ko-KR" altLang="en-US"/>
+              <a:rPr lang="ko-KR" altLang="en-US" smtClean="0"/>
               <a:t>마스터 제목 스타일 편집</a:t>
             </a:r>
+            <a:endParaRPr lang="ko-KR" altLang="en-US"/>
           </a:p>
         </p:txBody>
       </p:sp>
@@ -2471,37 +2456,38 @@
           <a:p>
             <a:pPr lvl="0"/>
             <a:r>
-              <a:rPr lang="ko-KR" altLang="en-US"/>
+              <a:rPr lang="ko-KR" altLang="en-US" smtClean="0"/>
               <a:t>마스터 텍스트 스타일을 편집합니다</a:t>
             </a:r>
           </a:p>
           <a:p>
             <a:pPr lvl="1"/>
             <a:r>
-              <a:rPr lang="ko-KR" altLang="en-US"/>
+              <a:rPr lang="ko-KR" altLang="en-US" smtClean="0"/>
               <a:t>둘째 수준</a:t>
             </a:r>
           </a:p>
           <a:p>
             <a:pPr lvl="2"/>
             <a:r>
-              <a:rPr lang="ko-KR" altLang="en-US"/>
+              <a:rPr lang="ko-KR" altLang="en-US" smtClean="0"/>
               <a:t>셋째 수준</a:t>
             </a:r>
           </a:p>
           <a:p>
             <a:pPr lvl="3"/>
             <a:r>
-              <a:rPr lang="ko-KR" altLang="en-US"/>
+              <a:rPr lang="ko-KR" altLang="en-US" smtClean="0"/>
               <a:t>넷째 수준</a:t>
             </a:r>
           </a:p>
           <a:p>
             <a:pPr lvl="4"/>
             <a:r>
-              <a:rPr lang="ko-KR" altLang="en-US"/>
+              <a:rPr lang="ko-KR" altLang="en-US" smtClean="0"/>
               <a:t>다섯째 수준</a:t>
             </a:r>
+            <a:endParaRPr lang="ko-KR" altLang="en-US"/>
           </a:p>
         </p:txBody>
       </p:sp>
@@ -2515,18 +2501,7 @@
   <p:clrMapOvr>
     <a:masterClrMapping/>
   </p:clrMapOvr>
-  <mc:AlternateContent xmlns:mc="http://schemas.openxmlformats.org/markup-compatibility/2006">
-    <mc:Choice xmlns:p159="http://schemas.microsoft.com/office/powerpoint/2015/09/main" Requires="p159">
-      <p:transition spd="slow">
-        <p159:morph option="byChar"/>
-      </p:transition>
-    </mc:Choice>
-    <mc:Fallback>
-      <p:transition spd="slow">
-        <p:fade/>
-      </p:transition>
-    </mc:Fallback>
-  </mc:AlternateContent>
+  <p:transition spd="med"/>
 </p:sldLayout>
 </file>
 
@@ -2568,9 +2543,10 @@
           <a:lstStyle/>
           <a:p>
             <a:r>
-              <a:rPr lang="ko-KR" altLang="en-US"/>
+              <a:rPr lang="ko-KR" altLang="en-US" smtClean="0"/>
               <a:t>마스터 제목 스타일 편집</a:t>
             </a:r>
+            <a:endParaRPr lang="ko-KR" altLang="en-US"/>
           </a:p>
         </p:txBody>
       </p:sp>
@@ -2596,37 +2572,38 @@
           <a:p>
             <a:pPr lvl="0"/>
             <a:r>
-              <a:rPr lang="ko-KR" altLang="en-US"/>
+              <a:rPr lang="ko-KR" altLang="en-US" smtClean="0"/>
               <a:t>마스터 텍스트 스타일을 편집합니다</a:t>
             </a:r>
           </a:p>
           <a:p>
             <a:pPr lvl="1"/>
             <a:r>
-              <a:rPr lang="ko-KR" altLang="en-US"/>
+              <a:rPr lang="ko-KR" altLang="en-US" smtClean="0"/>
               <a:t>둘째 수준</a:t>
             </a:r>
           </a:p>
           <a:p>
             <a:pPr lvl="2"/>
             <a:r>
-              <a:rPr lang="ko-KR" altLang="en-US"/>
+              <a:rPr lang="ko-KR" altLang="en-US" smtClean="0"/>
               <a:t>셋째 수준</a:t>
             </a:r>
           </a:p>
           <a:p>
             <a:pPr lvl="3"/>
             <a:r>
-              <a:rPr lang="ko-KR" altLang="en-US"/>
+              <a:rPr lang="ko-KR" altLang="en-US" smtClean="0"/>
               <a:t>넷째 수준</a:t>
             </a:r>
           </a:p>
           <a:p>
             <a:pPr lvl="4"/>
             <a:r>
-              <a:rPr lang="ko-KR" altLang="en-US"/>
+              <a:rPr lang="ko-KR" altLang="en-US" smtClean="0"/>
               <a:t>다섯째 수준</a:t>
             </a:r>
+            <a:endParaRPr lang="ko-KR" altLang="en-US"/>
           </a:p>
         </p:txBody>
       </p:sp>
@@ -2652,37 +2629,38 @@
           <a:p>
             <a:pPr lvl="0"/>
             <a:r>
-              <a:rPr lang="ko-KR" altLang="en-US"/>
+              <a:rPr lang="ko-KR" altLang="en-US" smtClean="0"/>
               <a:t>마스터 텍스트 스타일을 편집합니다</a:t>
             </a:r>
           </a:p>
           <a:p>
             <a:pPr lvl="1"/>
             <a:r>
-              <a:rPr lang="ko-KR" altLang="en-US"/>
+              <a:rPr lang="ko-KR" altLang="en-US" smtClean="0"/>
               <a:t>둘째 수준</a:t>
             </a:r>
           </a:p>
           <a:p>
             <a:pPr lvl="2"/>
             <a:r>
-              <a:rPr lang="ko-KR" altLang="en-US"/>
+              <a:rPr lang="ko-KR" altLang="en-US" smtClean="0"/>
               <a:t>셋째 수준</a:t>
             </a:r>
           </a:p>
           <a:p>
             <a:pPr lvl="3"/>
             <a:r>
-              <a:rPr lang="ko-KR" altLang="en-US"/>
+              <a:rPr lang="ko-KR" altLang="en-US" smtClean="0"/>
               <a:t>넷째 수준</a:t>
             </a:r>
           </a:p>
           <a:p>
             <a:pPr lvl="4"/>
             <a:r>
-              <a:rPr lang="ko-KR" altLang="en-US"/>
+              <a:rPr lang="ko-KR" altLang="en-US" smtClean="0"/>
               <a:t>다섯째 수준</a:t>
             </a:r>
+            <a:endParaRPr lang="ko-KR" altLang="en-US"/>
           </a:p>
         </p:txBody>
       </p:sp>
@@ -2696,18 +2674,7 @@
   <p:clrMapOvr>
     <a:masterClrMapping/>
   </p:clrMapOvr>
-  <mc:AlternateContent xmlns:mc="http://schemas.openxmlformats.org/markup-compatibility/2006">
-    <mc:Choice xmlns:p159="http://schemas.microsoft.com/office/powerpoint/2015/09/main" Requires="p159">
-      <p:transition spd="slow">
-        <p159:morph option="byChar"/>
-      </p:transition>
-    </mc:Choice>
-    <mc:Fallback>
-      <p:transition spd="slow">
-        <p:fade/>
-      </p:transition>
-    </mc:Fallback>
-  </mc:AlternateContent>
+  <p:transition spd="med"/>
 </p:sldLayout>
 </file>
 
@@ -2749,9 +2716,10 @@
           <a:lstStyle/>
           <a:p>
             <a:r>
-              <a:rPr lang="ko-KR" altLang="en-US"/>
+              <a:rPr lang="ko-KR" altLang="en-US" smtClean="0"/>
               <a:t>마스터 제목 스타일 편집</a:t>
             </a:r>
+            <a:endParaRPr lang="ko-KR" altLang="en-US"/>
           </a:p>
         </p:txBody>
       </p:sp>
@@ -2777,37 +2745,38 @@
           <a:p>
             <a:pPr lvl="0"/>
             <a:r>
-              <a:rPr lang="ko-KR" altLang="en-US"/>
+              <a:rPr lang="ko-KR" altLang="en-US" smtClean="0"/>
               <a:t>마스터 텍스트 스타일을 편집합니다</a:t>
             </a:r>
           </a:p>
           <a:p>
             <a:pPr lvl="1"/>
             <a:r>
-              <a:rPr lang="ko-KR" altLang="en-US"/>
+              <a:rPr lang="ko-KR" altLang="en-US" smtClean="0"/>
               <a:t>둘째 수준</a:t>
             </a:r>
           </a:p>
           <a:p>
             <a:pPr lvl="2"/>
             <a:r>
-              <a:rPr lang="ko-KR" altLang="en-US"/>
+              <a:rPr lang="ko-KR" altLang="en-US" smtClean="0"/>
               <a:t>셋째 수준</a:t>
             </a:r>
           </a:p>
           <a:p>
             <a:pPr lvl="3"/>
             <a:r>
-              <a:rPr lang="ko-KR" altLang="en-US"/>
+              <a:rPr lang="ko-KR" altLang="en-US" smtClean="0"/>
               <a:t>넷째 수준</a:t>
             </a:r>
           </a:p>
           <a:p>
             <a:pPr lvl="4"/>
             <a:r>
-              <a:rPr lang="ko-KR" altLang="en-US"/>
+              <a:rPr lang="ko-KR" altLang="en-US" smtClean="0"/>
               <a:t>다섯째 수준</a:t>
             </a:r>
+            <a:endParaRPr lang="ko-KR" altLang="en-US"/>
           </a:p>
         </p:txBody>
       </p:sp>
@@ -2833,37 +2802,38 @@
           <a:p>
             <a:pPr lvl="0"/>
             <a:r>
-              <a:rPr lang="ko-KR" altLang="en-US"/>
+              <a:rPr lang="ko-KR" altLang="en-US" smtClean="0"/>
               <a:t>마스터 텍스트 스타일을 편집합니다</a:t>
             </a:r>
           </a:p>
           <a:p>
             <a:pPr lvl="1"/>
             <a:r>
-              <a:rPr lang="ko-KR" altLang="en-US"/>
+              <a:rPr lang="ko-KR" altLang="en-US" smtClean="0"/>
               <a:t>둘째 수준</a:t>
             </a:r>
           </a:p>
           <a:p>
             <a:pPr lvl="2"/>
             <a:r>
-              <a:rPr lang="ko-KR" altLang="en-US"/>
+              <a:rPr lang="ko-KR" altLang="en-US" smtClean="0"/>
               <a:t>셋째 수준</a:t>
             </a:r>
           </a:p>
           <a:p>
             <a:pPr lvl="3"/>
             <a:r>
-              <a:rPr lang="ko-KR" altLang="en-US"/>
+              <a:rPr lang="ko-KR" altLang="en-US" smtClean="0"/>
               <a:t>넷째 수준</a:t>
             </a:r>
           </a:p>
           <a:p>
             <a:pPr lvl="4"/>
             <a:r>
-              <a:rPr lang="ko-KR" altLang="en-US"/>
+              <a:rPr lang="ko-KR" altLang="en-US" smtClean="0"/>
               <a:t>다섯째 수준</a:t>
             </a:r>
+            <a:endParaRPr lang="ko-KR" altLang="en-US"/>
           </a:p>
         </p:txBody>
       </p:sp>
@@ -2889,37 +2859,38 @@
           <a:p>
             <a:pPr lvl="0"/>
             <a:r>
-              <a:rPr lang="ko-KR" altLang="en-US"/>
+              <a:rPr lang="ko-KR" altLang="en-US" smtClean="0"/>
               <a:t>마스터 텍스트 스타일을 편집합니다</a:t>
             </a:r>
           </a:p>
           <a:p>
             <a:pPr lvl="1"/>
             <a:r>
-              <a:rPr lang="ko-KR" altLang="en-US"/>
+              <a:rPr lang="ko-KR" altLang="en-US" smtClean="0"/>
               <a:t>둘째 수준</a:t>
             </a:r>
           </a:p>
           <a:p>
             <a:pPr lvl="2"/>
             <a:r>
-              <a:rPr lang="ko-KR" altLang="en-US"/>
+              <a:rPr lang="ko-KR" altLang="en-US" smtClean="0"/>
               <a:t>셋째 수준</a:t>
             </a:r>
           </a:p>
           <a:p>
             <a:pPr lvl="3"/>
             <a:r>
-              <a:rPr lang="ko-KR" altLang="en-US"/>
+              <a:rPr lang="ko-KR" altLang="en-US" smtClean="0"/>
               <a:t>넷째 수준</a:t>
             </a:r>
           </a:p>
           <a:p>
             <a:pPr lvl="4"/>
             <a:r>
-              <a:rPr lang="ko-KR" altLang="en-US"/>
+              <a:rPr lang="ko-KR" altLang="en-US" smtClean="0"/>
               <a:t>다섯째 수준</a:t>
             </a:r>
+            <a:endParaRPr lang="ko-KR" altLang="en-US"/>
           </a:p>
         </p:txBody>
       </p:sp>
@@ -2933,18 +2904,7 @@
   <p:clrMapOvr>
     <a:masterClrMapping/>
   </p:clrMapOvr>
-  <mc:AlternateContent xmlns:mc="http://schemas.openxmlformats.org/markup-compatibility/2006">
-    <mc:Choice xmlns:p159="http://schemas.microsoft.com/office/powerpoint/2015/09/main" Requires="p159">
-      <p:transition spd="slow">
-        <p159:morph option="byChar"/>
-      </p:transition>
-    </mc:Choice>
-    <mc:Fallback>
-      <p:transition spd="slow">
-        <p:fade/>
-      </p:transition>
-    </mc:Fallback>
-  </mc:AlternateContent>
+  <p:transition spd="med"/>
 </p:sldLayout>
 </file>
 
@@ -2986,9 +2946,10 @@
           <a:lstStyle/>
           <a:p>
             <a:r>
-              <a:rPr lang="ko-KR" altLang="en-US"/>
+              <a:rPr lang="ko-KR" altLang="en-US" smtClean="0"/>
               <a:t>마스터 제목 스타일 편집</a:t>
             </a:r>
+            <a:endParaRPr lang="ko-KR" altLang="en-US"/>
           </a:p>
         </p:txBody>
       </p:sp>
@@ -3050,9 +3011,10 @@
           </a:lstStyle>
           <a:p>
             <a:r>
-              <a:rPr lang="ko-KR" altLang="en-US"/>
+              <a:rPr lang="ko-KR" altLang="en-US" smtClean="0"/>
               <a:t>마스터 부제목 스타일 편집</a:t>
             </a:r>
+            <a:endParaRPr lang="ko-KR" altLang="en-US"/>
           </a:p>
         </p:txBody>
       </p:sp>
@@ -3066,18 +3028,7 @@
   <p:clrMapOvr>
     <a:masterClrMapping/>
   </p:clrMapOvr>
-  <mc:AlternateContent xmlns:mc="http://schemas.openxmlformats.org/markup-compatibility/2006">
-    <mc:Choice xmlns:p159="http://schemas.microsoft.com/office/powerpoint/2015/09/main" Requires="p159">
-      <p:transition spd="slow">
-        <p159:morph option="byChar"/>
-      </p:transition>
-    </mc:Choice>
-    <mc:Fallback>
-      <p:transition spd="slow">
-        <p:fade/>
-      </p:transition>
-    </mc:Fallback>
-  </mc:AlternateContent>
+  <p:transition spd="med"/>
 </p:sldLayout>
 </file>
 
@@ -3114,9 +3065,10 @@
           <a:lstStyle/>
           <a:p>
             <a:r>
-              <a:rPr lang="ko-KR" altLang="en-US"/>
+              <a:rPr lang="ko-KR" altLang="en-US" smtClean="0"/>
               <a:t>마스터 제목 스타일 편집</a:t>
             </a:r>
+            <a:endParaRPr lang="ko-KR" altLang="en-US"/>
           </a:p>
         </p:txBody>
       </p:sp>
@@ -3137,37 +3089,38 @@
           <a:p>
             <a:pPr lvl="0"/>
             <a:r>
-              <a:rPr lang="ko-KR" altLang="en-US"/>
+              <a:rPr lang="ko-KR" altLang="en-US" smtClean="0"/>
               <a:t>마스터 텍스트 스타일을 편집합니다</a:t>
             </a:r>
           </a:p>
           <a:p>
             <a:pPr lvl="1"/>
             <a:r>
-              <a:rPr lang="ko-KR" altLang="en-US"/>
+              <a:rPr lang="ko-KR" altLang="en-US" smtClean="0"/>
               <a:t>둘째 수준</a:t>
             </a:r>
           </a:p>
           <a:p>
             <a:pPr lvl="2"/>
             <a:r>
-              <a:rPr lang="ko-KR" altLang="en-US"/>
+              <a:rPr lang="ko-KR" altLang="en-US" smtClean="0"/>
               <a:t>셋째 수준</a:t>
             </a:r>
           </a:p>
           <a:p>
             <a:pPr lvl="3"/>
             <a:r>
-              <a:rPr lang="ko-KR" altLang="en-US"/>
+              <a:rPr lang="ko-KR" altLang="en-US" smtClean="0"/>
               <a:t>넷째 수준</a:t>
             </a:r>
           </a:p>
           <a:p>
             <a:pPr lvl="4"/>
             <a:r>
-              <a:rPr lang="ko-KR" altLang="en-US"/>
+              <a:rPr lang="ko-KR" altLang="en-US" smtClean="0"/>
               <a:t>다섯째 수준</a:t>
             </a:r>
+            <a:endParaRPr lang="ko-KR" altLang="en-US"/>
           </a:p>
         </p:txBody>
       </p:sp>
@@ -3181,18 +3134,7 @@
   <p:clrMapOvr>
     <a:masterClrMapping/>
   </p:clrMapOvr>
-  <mc:AlternateContent xmlns:mc="http://schemas.openxmlformats.org/markup-compatibility/2006">
-    <mc:Choice xmlns:p159="http://schemas.microsoft.com/office/powerpoint/2015/09/main" Requires="p159">
-      <p:transition spd="slow">
-        <p159:morph option="byChar"/>
-      </p:transition>
-    </mc:Choice>
-    <mc:Fallback>
-      <p:transition spd="slow">
-        <p:fade/>
-      </p:transition>
-    </mc:Fallback>
-  </mc:AlternateContent>
+  <p:transition spd="med"/>
 </p:sldLayout>
 </file>
 
@@ -3238,9 +3180,10 @@
           </a:lstStyle>
           <a:p>
             <a:r>
-              <a:rPr lang="ko-KR" altLang="en-US"/>
+              <a:rPr lang="ko-KR" altLang="en-US" smtClean="0"/>
               <a:t>마스터 제목 스타일 편집</a:t>
             </a:r>
+            <a:endParaRPr lang="ko-KR" altLang="en-US"/>
           </a:p>
         </p:txBody>
       </p:sp>
@@ -3303,7 +3246,7 @@
           <a:p>
             <a:pPr lvl="0"/>
             <a:r>
-              <a:rPr lang="ko-KR" altLang="en-US"/>
+              <a:rPr lang="ko-KR" altLang="en-US" smtClean="0"/>
               <a:t>마스터 텍스트 스타일을 편집합니다</a:t>
             </a:r>
           </a:p>
@@ -3319,18 +3262,7 @@
   <p:clrMapOvr>
     <a:masterClrMapping/>
   </p:clrMapOvr>
-  <mc:AlternateContent xmlns:mc="http://schemas.openxmlformats.org/markup-compatibility/2006">
-    <mc:Choice xmlns:p159="http://schemas.microsoft.com/office/powerpoint/2015/09/main" Requires="p159">
-      <p:transition spd="slow">
-        <p159:morph option="byChar"/>
-      </p:transition>
-    </mc:Choice>
-    <mc:Fallback>
-      <p:transition spd="slow">
-        <p:fade/>
-      </p:transition>
-    </mc:Fallback>
-  </mc:AlternateContent>
+  <p:transition spd="med"/>
 </p:sldLayout>
 </file>
 
@@ -3367,9 +3299,10 @@
           <a:lstStyle/>
           <a:p>
             <a:r>
-              <a:rPr lang="ko-KR" altLang="en-US"/>
+              <a:rPr lang="ko-KR" altLang="en-US" smtClean="0"/>
               <a:t>마스터 제목 스타일 편집</a:t>
             </a:r>
+            <a:endParaRPr lang="ko-KR" altLang="en-US"/>
           </a:p>
         </p:txBody>
       </p:sp>
@@ -3423,37 +3356,38 @@
           <a:p>
             <a:pPr lvl="0"/>
             <a:r>
-              <a:rPr lang="ko-KR" altLang="en-US"/>
+              <a:rPr lang="ko-KR" altLang="en-US" smtClean="0"/>
               <a:t>마스터 텍스트 스타일을 편집합니다</a:t>
             </a:r>
           </a:p>
           <a:p>
             <a:pPr lvl="1"/>
             <a:r>
-              <a:rPr lang="ko-KR" altLang="en-US"/>
+              <a:rPr lang="ko-KR" altLang="en-US" smtClean="0"/>
               <a:t>둘째 수준</a:t>
             </a:r>
           </a:p>
           <a:p>
             <a:pPr lvl="2"/>
             <a:r>
-              <a:rPr lang="ko-KR" altLang="en-US"/>
+              <a:rPr lang="ko-KR" altLang="en-US" smtClean="0"/>
               <a:t>셋째 수준</a:t>
             </a:r>
           </a:p>
           <a:p>
             <a:pPr lvl="3"/>
             <a:r>
-              <a:rPr lang="ko-KR" altLang="en-US"/>
+              <a:rPr lang="ko-KR" altLang="en-US" smtClean="0"/>
               <a:t>넷째 수준</a:t>
             </a:r>
           </a:p>
           <a:p>
             <a:pPr lvl="4"/>
             <a:r>
-              <a:rPr lang="ko-KR" altLang="en-US"/>
+              <a:rPr lang="ko-KR" altLang="en-US" smtClean="0"/>
               <a:t>다섯째 수준</a:t>
             </a:r>
+            <a:endParaRPr lang="ko-KR" altLang="en-US"/>
           </a:p>
         </p:txBody>
       </p:sp>
@@ -3507,37 +3441,38 @@
           <a:p>
             <a:pPr lvl="0"/>
             <a:r>
-              <a:rPr lang="ko-KR" altLang="en-US"/>
+              <a:rPr lang="ko-KR" altLang="en-US" smtClean="0"/>
               <a:t>마스터 텍스트 스타일을 편집합니다</a:t>
             </a:r>
           </a:p>
           <a:p>
             <a:pPr lvl="1"/>
             <a:r>
-              <a:rPr lang="ko-KR" altLang="en-US"/>
+              <a:rPr lang="ko-KR" altLang="en-US" smtClean="0"/>
               <a:t>둘째 수준</a:t>
             </a:r>
           </a:p>
           <a:p>
             <a:pPr lvl="2"/>
             <a:r>
-              <a:rPr lang="ko-KR" altLang="en-US"/>
+              <a:rPr lang="ko-KR" altLang="en-US" smtClean="0"/>
               <a:t>셋째 수준</a:t>
             </a:r>
           </a:p>
           <a:p>
             <a:pPr lvl="3"/>
             <a:r>
-              <a:rPr lang="ko-KR" altLang="en-US"/>
+              <a:rPr lang="ko-KR" altLang="en-US" smtClean="0"/>
               <a:t>넷째 수준</a:t>
             </a:r>
           </a:p>
           <a:p>
             <a:pPr lvl="4"/>
             <a:r>
-              <a:rPr lang="ko-KR" altLang="en-US"/>
+              <a:rPr lang="ko-KR" altLang="en-US" smtClean="0"/>
               <a:t>다섯째 수준</a:t>
             </a:r>
+            <a:endParaRPr lang="ko-KR" altLang="en-US"/>
           </a:p>
         </p:txBody>
       </p:sp>
@@ -3551,18 +3486,7 @@
   <p:clrMapOvr>
     <a:masterClrMapping/>
   </p:clrMapOvr>
-  <mc:AlternateContent xmlns:mc="http://schemas.openxmlformats.org/markup-compatibility/2006">
-    <mc:Choice xmlns:p159="http://schemas.microsoft.com/office/powerpoint/2015/09/main" Requires="p159">
-      <p:transition spd="slow">
-        <p159:morph option="byChar"/>
-      </p:transition>
-    </mc:Choice>
-    <mc:Fallback>
-      <p:transition spd="slow">
-        <p:fade/>
-      </p:transition>
-    </mc:Fallback>
-  </mc:AlternateContent>
+  <p:transition spd="med"/>
 </p:sldLayout>
 </file>
 
@@ -3608,9 +3532,10 @@
           </a:lstStyle>
           <a:p>
             <a:r>
-              <a:rPr lang="ko-KR" altLang="en-US"/>
+              <a:rPr lang="ko-KR" altLang="en-US" smtClean="0"/>
               <a:t>마스터 제목 스타일 편집</a:t>
             </a:r>
+            <a:endParaRPr lang="ko-KR" altLang="en-US"/>
           </a:p>
         </p:txBody>
       </p:sp>
@@ -3673,7 +3598,7 @@
           <a:p>
             <a:pPr lvl="0"/>
             <a:r>
-              <a:rPr lang="ko-KR" altLang="en-US"/>
+              <a:rPr lang="ko-KR" altLang="en-US" smtClean="0"/>
               <a:t>마스터 텍스트 스타일을 편집합니다</a:t>
             </a:r>
           </a:p>
@@ -3729,37 +3654,38 @@
           <a:p>
             <a:pPr lvl="0"/>
             <a:r>
-              <a:rPr lang="ko-KR" altLang="en-US"/>
+              <a:rPr lang="ko-KR" altLang="en-US" smtClean="0"/>
               <a:t>마스터 텍스트 스타일을 편집합니다</a:t>
             </a:r>
           </a:p>
           <a:p>
             <a:pPr lvl="1"/>
             <a:r>
-              <a:rPr lang="ko-KR" altLang="en-US"/>
+              <a:rPr lang="ko-KR" altLang="en-US" smtClean="0"/>
               <a:t>둘째 수준</a:t>
             </a:r>
           </a:p>
           <a:p>
             <a:pPr lvl="2"/>
             <a:r>
-              <a:rPr lang="ko-KR" altLang="en-US"/>
+              <a:rPr lang="ko-KR" altLang="en-US" smtClean="0"/>
               <a:t>셋째 수준</a:t>
             </a:r>
           </a:p>
           <a:p>
             <a:pPr lvl="3"/>
             <a:r>
-              <a:rPr lang="ko-KR" altLang="en-US"/>
+              <a:rPr lang="ko-KR" altLang="en-US" smtClean="0"/>
               <a:t>넷째 수준</a:t>
             </a:r>
           </a:p>
           <a:p>
             <a:pPr lvl="4"/>
             <a:r>
-              <a:rPr lang="ko-KR" altLang="en-US"/>
+              <a:rPr lang="ko-KR" altLang="en-US" smtClean="0"/>
               <a:t>다섯째 수준</a:t>
             </a:r>
+            <a:endParaRPr lang="ko-KR" altLang="en-US"/>
           </a:p>
         </p:txBody>
       </p:sp>
@@ -3822,7 +3748,7 @@
           <a:p>
             <a:pPr lvl="0"/>
             <a:r>
-              <a:rPr lang="ko-KR" altLang="en-US"/>
+              <a:rPr lang="ko-KR" altLang="en-US" smtClean="0"/>
               <a:t>마스터 텍스트 스타일을 편집합니다</a:t>
             </a:r>
           </a:p>
@@ -3878,37 +3804,38 @@
           <a:p>
             <a:pPr lvl="0"/>
             <a:r>
-              <a:rPr lang="ko-KR" altLang="en-US"/>
+              <a:rPr lang="ko-KR" altLang="en-US" smtClean="0"/>
               <a:t>마스터 텍스트 스타일을 편집합니다</a:t>
             </a:r>
           </a:p>
           <a:p>
             <a:pPr lvl="1"/>
             <a:r>
-              <a:rPr lang="ko-KR" altLang="en-US"/>
+              <a:rPr lang="ko-KR" altLang="en-US" smtClean="0"/>
               <a:t>둘째 수준</a:t>
             </a:r>
           </a:p>
           <a:p>
             <a:pPr lvl="2"/>
             <a:r>
-              <a:rPr lang="ko-KR" altLang="en-US"/>
+              <a:rPr lang="ko-KR" altLang="en-US" smtClean="0"/>
               <a:t>셋째 수준</a:t>
             </a:r>
           </a:p>
           <a:p>
             <a:pPr lvl="3"/>
             <a:r>
-              <a:rPr lang="ko-KR" altLang="en-US"/>
+              <a:rPr lang="ko-KR" altLang="en-US" smtClean="0"/>
               <a:t>넷째 수준</a:t>
             </a:r>
           </a:p>
           <a:p>
             <a:pPr lvl="4"/>
             <a:r>
-              <a:rPr lang="ko-KR" altLang="en-US"/>
+              <a:rPr lang="ko-KR" altLang="en-US" smtClean="0"/>
               <a:t>다섯째 수준</a:t>
             </a:r>
+            <a:endParaRPr lang="ko-KR" altLang="en-US"/>
           </a:p>
         </p:txBody>
       </p:sp>
@@ -3922,18 +3849,7 @@
   <p:clrMapOvr>
     <a:masterClrMapping/>
   </p:clrMapOvr>
-  <mc:AlternateContent xmlns:mc="http://schemas.openxmlformats.org/markup-compatibility/2006">
-    <mc:Choice xmlns:p159="http://schemas.microsoft.com/office/powerpoint/2015/09/main" Requires="p159">
-      <p:transition spd="slow">
-        <p159:morph option="byChar"/>
-      </p:transition>
-    </mc:Choice>
-    <mc:Fallback>
-      <p:transition spd="slow">
-        <p:fade/>
-      </p:transition>
-    </mc:Fallback>
-  </mc:AlternateContent>
+  <p:transition spd="med"/>
 </p:sldLayout>
 </file>
 
@@ -3970,9 +3886,10 @@
           <a:lstStyle/>
           <a:p>
             <a:r>
-              <a:rPr lang="ko-KR" altLang="en-US"/>
+              <a:rPr lang="ko-KR" altLang="en-US" smtClean="0"/>
               <a:t>마스터 제목 스타일 편집</a:t>
             </a:r>
+            <a:endParaRPr lang="ko-KR" altLang="en-US"/>
           </a:p>
         </p:txBody>
       </p:sp>
@@ -3986,18 +3903,7 @@
   <p:clrMapOvr>
     <a:masterClrMapping/>
   </p:clrMapOvr>
-  <mc:AlternateContent xmlns:mc="http://schemas.openxmlformats.org/markup-compatibility/2006">
-    <mc:Choice xmlns:p159="http://schemas.microsoft.com/office/powerpoint/2015/09/main" Requires="p159">
-      <p:transition spd="slow">
-        <p159:morph option="byChar"/>
-      </p:transition>
-    </mc:Choice>
-    <mc:Fallback>
-      <p:transition spd="slow">
-        <p:fade/>
-      </p:transition>
-    </mc:Fallback>
-  </mc:AlternateContent>
+  <p:transition spd="med"/>
 </p:sldLayout>
 </file>
 
@@ -4028,18 +3934,7 @@
   <p:clrMapOvr>
     <a:masterClrMapping/>
   </p:clrMapOvr>
-  <mc:AlternateContent xmlns:mc="http://schemas.openxmlformats.org/markup-compatibility/2006">
-    <mc:Choice xmlns:p159="http://schemas.microsoft.com/office/powerpoint/2015/09/main" Requires="p159">
-      <p:transition spd="slow">
-        <p159:morph option="byChar"/>
-      </p:transition>
-    </mc:Choice>
-    <mc:Fallback>
-      <p:transition spd="slow">
-        <p:fade/>
-      </p:transition>
-    </mc:Fallback>
-  </mc:AlternateContent>
+  <p:transition spd="med"/>
 </p:sldLayout>
 </file>
 
@@ -4116,9 +4011,10 @@
           </a:lstStyle>
           <a:p>
             <a:r>
-              <a:rPr lang="ko-KR" altLang="en-US"/>
+              <a:rPr lang="ko-KR" altLang="en-US" smtClean="0"/>
               <a:t>마스터 제목 스타일 편집</a:t>
             </a:r>
+            <a:endParaRPr lang="ko-KR" altLang="en-US"/>
           </a:p>
         </p:txBody>
       </p:sp>
@@ -4175,37 +4071,38 @@
           <a:p>
             <a:pPr lvl="0"/>
             <a:r>
-              <a:rPr lang="ko-KR" altLang="en-US" dirty="0"/>
+              <a:rPr lang="ko-KR" altLang="en-US" dirty="0" smtClean="0"/>
               <a:t>마스터 텍스트 스타일을 편집합니다</a:t>
             </a:r>
           </a:p>
           <a:p>
             <a:pPr lvl="1"/>
             <a:r>
-              <a:rPr lang="ko-KR" altLang="en-US" dirty="0"/>
+              <a:rPr lang="ko-KR" altLang="en-US" dirty="0" smtClean="0"/>
               <a:t>둘째 수준</a:t>
             </a:r>
           </a:p>
           <a:p>
             <a:pPr lvl="2"/>
             <a:r>
-              <a:rPr lang="ko-KR" altLang="en-US" dirty="0"/>
+              <a:rPr lang="ko-KR" altLang="en-US" dirty="0" smtClean="0"/>
               <a:t>셋째 수준</a:t>
             </a:r>
           </a:p>
           <a:p>
             <a:pPr lvl="3"/>
             <a:r>
-              <a:rPr lang="ko-KR" altLang="en-US" dirty="0"/>
+              <a:rPr lang="ko-KR" altLang="en-US" dirty="0" smtClean="0"/>
               <a:t>넷째 수준</a:t>
             </a:r>
           </a:p>
           <a:p>
             <a:pPr lvl="4"/>
             <a:r>
-              <a:rPr lang="ko-KR" altLang="en-US" dirty="0"/>
+              <a:rPr lang="ko-KR" altLang="en-US" dirty="0" smtClean="0"/>
               <a:t>다섯째 수준</a:t>
             </a:r>
+            <a:endParaRPr lang="ko-KR" altLang="en-US" dirty="0"/>
           </a:p>
         </p:txBody>
       </p:sp>
@@ -4219,18 +4116,7 @@
   <p:clrMapOvr>
     <a:masterClrMapping/>
   </p:clrMapOvr>
-  <mc:AlternateContent xmlns:mc="http://schemas.openxmlformats.org/markup-compatibility/2006">
-    <mc:Choice xmlns:p159="http://schemas.microsoft.com/office/powerpoint/2015/09/main" Requires="p159">
-      <p:transition spd="slow">
-        <p159:morph option="byChar"/>
-      </p:transition>
-    </mc:Choice>
-    <mc:Fallback>
-      <p:transition spd="slow">
-        <p:fade/>
-      </p:transition>
-    </mc:Fallback>
-  </mc:AlternateContent>
+  <p:transition spd="med"/>
 </p:sldLayout>
 </file>
 
@@ -4276,9 +4162,10 @@
           </a:lstStyle>
           <a:p>
             <a:r>
-              <a:rPr lang="ko-KR" altLang="en-US"/>
+              <a:rPr lang="ko-KR" altLang="en-US" smtClean="0"/>
               <a:t>마스터 제목 스타일 편집</a:t>
             </a:r>
+            <a:endParaRPr lang="ko-KR" altLang="en-US"/>
           </a:p>
         </p:txBody>
       </p:sp>
@@ -4332,37 +4219,38 @@
           <a:p>
             <a:pPr lvl="0"/>
             <a:r>
-              <a:rPr lang="ko-KR" altLang="en-US"/>
+              <a:rPr lang="ko-KR" altLang="en-US" smtClean="0"/>
               <a:t>마스터 텍스트 스타일을 편집합니다</a:t>
             </a:r>
           </a:p>
           <a:p>
             <a:pPr lvl="1"/>
             <a:r>
-              <a:rPr lang="ko-KR" altLang="en-US"/>
+              <a:rPr lang="ko-KR" altLang="en-US" smtClean="0"/>
               <a:t>둘째 수준</a:t>
             </a:r>
           </a:p>
           <a:p>
             <a:pPr lvl="2"/>
             <a:r>
-              <a:rPr lang="ko-KR" altLang="en-US"/>
+              <a:rPr lang="ko-KR" altLang="en-US" smtClean="0"/>
               <a:t>셋째 수준</a:t>
             </a:r>
           </a:p>
           <a:p>
             <a:pPr lvl="3"/>
             <a:r>
-              <a:rPr lang="ko-KR" altLang="en-US"/>
+              <a:rPr lang="ko-KR" altLang="en-US" smtClean="0"/>
               <a:t>넷째 수준</a:t>
             </a:r>
           </a:p>
           <a:p>
             <a:pPr lvl="4"/>
             <a:r>
-              <a:rPr lang="ko-KR" altLang="en-US"/>
+              <a:rPr lang="ko-KR" altLang="en-US" smtClean="0"/>
               <a:t>다섯째 수준</a:t>
             </a:r>
+            <a:endParaRPr lang="ko-KR" altLang="en-US"/>
           </a:p>
         </p:txBody>
       </p:sp>
@@ -4425,7 +4313,7 @@
           <a:p>
             <a:pPr lvl="0"/>
             <a:r>
-              <a:rPr lang="ko-KR" altLang="en-US"/>
+              <a:rPr lang="ko-KR" altLang="en-US" smtClean="0"/>
               <a:t>마스터 텍스트 스타일을 편집합니다</a:t>
             </a:r>
           </a:p>
@@ -4441,18 +4329,7 @@
   <p:clrMapOvr>
     <a:masterClrMapping/>
   </p:clrMapOvr>
-  <mc:AlternateContent xmlns:mc="http://schemas.openxmlformats.org/markup-compatibility/2006">
-    <mc:Choice xmlns:p159="http://schemas.microsoft.com/office/powerpoint/2015/09/main" Requires="p159">
-      <p:transition spd="slow">
-        <p159:morph option="byChar"/>
-      </p:transition>
-    </mc:Choice>
-    <mc:Fallback>
-      <p:transition spd="slow">
-        <p:fade/>
-      </p:transition>
-    </mc:Fallback>
-  </mc:AlternateContent>
+  <p:transition spd="med"/>
 </p:sldLayout>
 </file>
 
@@ -4498,9 +4375,10 @@
           </a:lstStyle>
           <a:p>
             <a:r>
-              <a:rPr lang="ko-KR" altLang="en-US"/>
+              <a:rPr lang="ko-KR" altLang="en-US" smtClean="0"/>
               <a:t>마스터 제목 스타일 편집</a:t>
             </a:r>
+            <a:endParaRPr lang="ko-KR" altLang="en-US"/>
           </a:p>
         </p:txBody>
       </p:sp>
@@ -4562,7 +4440,7 @@
           </a:lstStyle>
           <a:p>
             <a:pPr lvl="0"/>
-            <a:endParaRPr lang="ko-KR" altLang="en-US" noProof="0"/>
+            <a:endParaRPr lang="ko-KR" altLang="en-US" noProof="0" smtClean="0"/>
           </a:p>
         </p:txBody>
       </p:sp>
@@ -4625,7 +4503,7 @@
           <a:p>
             <a:pPr lvl="0"/>
             <a:r>
-              <a:rPr lang="ko-KR" altLang="en-US"/>
+              <a:rPr lang="ko-KR" altLang="en-US" smtClean="0"/>
               <a:t>마스터 텍스트 스타일을 편집합니다</a:t>
             </a:r>
           </a:p>
@@ -4641,18 +4519,7 @@
   <p:clrMapOvr>
     <a:masterClrMapping/>
   </p:clrMapOvr>
-  <mc:AlternateContent xmlns:mc="http://schemas.openxmlformats.org/markup-compatibility/2006">
-    <mc:Choice xmlns:p159="http://schemas.microsoft.com/office/powerpoint/2015/09/main" Requires="p159">
-      <p:transition spd="slow">
-        <p159:morph option="byChar"/>
-      </p:transition>
-    </mc:Choice>
-    <mc:Fallback>
-      <p:transition spd="slow">
-        <p:fade/>
-      </p:transition>
-    </mc:Fallback>
-  </mc:AlternateContent>
+  <p:transition spd="med"/>
 </p:sldLayout>
 </file>
 
@@ -4689,9 +4556,10 @@
           <a:lstStyle/>
           <a:p>
             <a:r>
-              <a:rPr lang="ko-KR" altLang="en-US"/>
+              <a:rPr lang="ko-KR" altLang="en-US" smtClean="0"/>
               <a:t>마스터 제목 스타일 편집</a:t>
             </a:r>
+            <a:endParaRPr lang="ko-KR" altLang="en-US"/>
           </a:p>
         </p:txBody>
       </p:sp>
@@ -4712,37 +4580,38 @@
           <a:p>
             <a:pPr lvl="0"/>
             <a:r>
-              <a:rPr lang="ko-KR" altLang="en-US"/>
+              <a:rPr lang="ko-KR" altLang="en-US" smtClean="0"/>
               <a:t>마스터 텍스트 스타일을 편집합니다</a:t>
             </a:r>
           </a:p>
           <a:p>
             <a:pPr lvl="1"/>
             <a:r>
-              <a:rPr lang="ko-KR" altLang="en-US"/>
+              <a:rPr lang="ko-KR" altLang="en-US" smtClean="0"/>
               <a:t>둘째 수준</a:t>
             </a:r>
           </a:p>
           <a:p>
             <a:pPr lvl="2"/>
             <a:r>
-              <a:rPr lang="ko-KR" altLang="en-US"/>
+              <a:rPr lang="ko-KR" altLang="en-US" smtClean="0"/>
               <a:t>셋째 수준</a:t>
             </a:r>
           </a:p>
           <a:p>
             <a:pPr lvl="3"/>
             <a:r>
-              <a:rPr lang="ko-KR" altLang="en-US"/>
+              <a:rPr lang="ko-KR" altLang="en-US" smtClean="0"/>
               <a:t>넷째 수준</a:t>
             </a:r>
           </a:p>
           <a:p>
             <a:pPr lvl="4"/>
             <a:r>
-              <a:rPr lang="ko-KR" altLang="en-US"/>
+              <a:rPr lang="ko-KR" altLang="en-US" smtClean="0"/>
               <a:t>다섯째 수준</a:t>
             </a:r>
+            <a:endParaRPr lang="ko-KR" altLang="en-US"/>
           </a:p>
         </p:txBody>
       </p:sp>
@@ -4756,18 +4625,7 @@
   <p:clrMapOvr>
     <a:masterClrMapping/>
   </p:clrMapOvr>
-  <mc:AlternateContent xmlns:mc="http://schemas.openxmlformats.org/markup-compatibility/2006">
-    <mc:Choice xmlns:p159="http://schemas.microsoft.com/office/powerpoint/2015/09/main" Requires="p159">
-      <p:transition spd="slow">
-        <p159:morph option="byChar"/>
-      </p:transition>
-    </mc:Choice>
-    <mc:Fallback>
-      <p:transition spd="slow">
-        <p:fade/>
-      </p:transition>
-    </mc:Fallback>
-  </mc:AlternateContent>
+  <p:transition spd="med"/>
 </p:sldLayout>
 </file>
 
@@ -4809,9 +4667,10 @@
           <a:lstStyle/>
           <a:p>
             <a:r>
-              <a:rPr lang="ko-KR" altLang="en-US"/>
+              <a:rPr lang="ko-KR" altLang="en-US" smtClean="0"/>
               <a:t>마스터 제목 스타일 편집</a:t>
             </a:r>
+            <a:endParaRPr lang="ko-KR" altLang="en-US"/>
           </a:p>
         </p:txBody>
       </p:sp>
@@ -4837,37 +4696,38 @@
           <a:p>
             <a:pPr lvl="0"/>
             <a:r>
-              <a:rPr lang="ko-KR" altLang="en-US"/>
+              <a:rPr lang="ko-KR" altLang="en-US" smtClean="0"/>
               <a:t>마스터 텍스트 스타일을 편집합니다</a:t>
             </a:r>
           </a:p>
           <a:p>
             <a:pPr lvl="1"/>
             <a:r>
-              <a:rPr lang="ko-KR" altLang="en-US"/>
+              <a:rPr lang="ko-KR" altLang="en-US" smtClean="0"/>
               <a:t>둘째 수준</a:t>
             </a:r>
           </a:p>
           <a:p>
             <a:pPr lvl="2"/>
             <a:r>
-              <a:rPr lang="ko-KR" altLang="en-US"/>
+              <a:rPr lang="ko-KR" altLang="en-US" smtClean="0"/>
               <a:t>셋째 수준</a:t>
             </a:r>
           </a:p>
           <a:p>
             <a:pPr lvl="3"/>
             <a:r>
-              <a:rPr lang="ko-KR" altLang="en-US"/>
+              <a:rPr lang="ko-KR" altLang="en-US" smtClean="0"/>
               <a:t>넷째 수준</a:t>
             </a:r>
           </a:p>
           <a:p>
             <a:pPr lvl="4"/>
             <a:r>
-              <a:rPr lang="ko-KR" altLang="en-US"/>
+              <a:rPr lang="ko-KR" altLang="en-US" smtClean="0"/>
               <a:t>다섯째 수준</a:t>
             </a:r>
+            <a:endParaRPr lang="ko-KR" altLang="en-US"/>
           </a:p>
         </p:txBody>
       </p:sp>
@@ -4881,18 +4741,7 @@
   <p:clrMapOvr>
     <a:masterClrMapping/>
   </p:clrMapOvr>
-  <mc:AlternateContent xmlns:mc="http://schemas.openxmlformats.org/markup-compatibility/2006">
-    <mc:Choice xmlns:p159="http://schemas.microsoft.com/office/powerpoint/2015/09/main" Requires="p159">
-      <p:transition spd="slow">
-        <p159:morph option="byChar"/>
-      </p:transition>
-    </mc:Choice>
-    <mc:Fallback>
-      <p:transition spd="slow">
-        <p:fade/>
-      </p:transition>
-    </mc:Fallback>
-  </mc:AlternateContent>
+  <p:transition spd="med"/>
 </p:sldLayout>
 </file>
 
@@ -4938,9 +4787,10 @@
           </a:lstStyle>
           <a:p>
             <a:r>
-              <a:rPr lang="ko-KR" altLang="en-US"/>
+              <a:rPr lang="ko-KR" altLang="en-US" smtClean="0"/>
               <a:t>마스터 제목 스타일 편집</a:t>
             </a:r>
+            <a:endParaRPr lang="ko-KR" altLang="en-US"/>
           </a:p>
         </p:txBody>
       </p:sp>
@@ -5003,7 +4853,7 @@
           <a:p>
             <a:pPr lvl="0"/>
             <a:r>
-              <a:rPr lang="ko-KR" altLang="en-US"/>
+              <a:rPr lang="ko-KR" altLang="en-US" smtClean="0"/>
               <a:t>마스터 텍스트 스타일을 편집합니다</a:t>
             </a:r>
           </a:p>
@@ -5019,18 +4869,7 @@
   <p:clrMapOvr>
     <a:masterClrMapping/>
   </p:clrMapOvr>
-  <mc:AlternateContent xmlns:mc="http://schemas.openxmlformats.org/markup-compatibility/2006">
-    <mc:Choice xmlns:p159="http://schemas.microsoft.com/office/powerpoint/2015/09/main" Requires="p159">
-      <p:transition spd="slow">
-        <p159:morph option="byChar"/>
-      </p:transition>
-    </mc:Choice>
-    <mc:Fallback>
-      <p:transition spd="slow">
-        <p:fade/>
-      </p:transition>
-    </mc:Fallback>
-  </mc:AlternateContent>
+  <p:transition spd="med"/>
 </p:sldLayout>
 </file>
 
@@ -5067,9 +4906,10 @@
           <a:lstStyle/>
           <a:p>
             <a:r>
-              <a:rPr lang="ko-KR" altLang="en-US"/>
+              <a:rPr lang="ko-KR" altLang="en-US" smtClean="0"/>
               <a:t>마스터 제목 스타일 편집</a:t>
             </a:r>
+            <a:endParaRPr lang="ko-KR" altLang="en-US"/>
           </a:p>
         </p:txBody>
       </p:sp>
@@ -5123,37 +4963,38 @@
           <a:p>
             <a:pPr lvl="0"/>
             <a:r>
-              <a:rPr lang="ko-KR" altLang="en-US"/>
+              <a:rPr lang="ko-KR" altLang="en-US" smtClean="0"/>
               <a:t>마스터 텍스트 스타일을 편집합니다</a:t>
             </a:r>
           </a:p>
           <a:p>
             <a:pPr lvl="1"/>
             <a:r>
-              <a:rPr lang="ko-KR" altLang="en-US"/>
+              <a:rPr lang="ko-KR" altLang="en-US" smtClean="0"/>
               <a:t>둘째 수준</a:t>
             </a:r>
           </a:p>
           <a:p>
             <a:pPr lvl="2"/>
             <a:r>
-              <a:rPr lang="ko-KR" altLang="en-US"/>
+              <a:rPr lang="ko-KR" altLang="en-US" smtClean="0"/>
               <a:t>셋째 수준</a:t>
             </a:r>
           </a:p>
           <a:p>
             <a:pPr lvl="3"/>
             <a:r>
-              <a:rPr lang="ko-KR" altLang="en-US"/>
+              <a:rPr lang="ko-KR" altLang="en-US" smtClean="0"/>
               <a:t>넷째 수준</a:t>
             </a:r>
           </a:p>
           <a:p>
             <a:pPr lvl="4"/>
             <a:r>
-              <a:rPr lang="ko-KR" altLang="en-US"/>
+              <a:rPr lang="ko-KR" altLang="en-US" smtClean="0"/>
               <a:t>다섯째 수준</a:t>
             </a:r>
+            <a:endParaRPr lang="ko-KR" altLang="en-US"/>
           </a:p>
         </p:txBody>
       </p:sp>
@@ -5207,37 +5048,38 @@
           <a:p>
             <a:pPr lvl="0"/>
             <a:r>
-              <a:rPr lang="ko-KR" altLang="en-US"/>
+              <a:rPr lang="ko-KR" altLang="en-US" smtClean="0"/>
               <a:t>마스터 텍스트 스타일을 편집합니다</a:t>
             </a:r>
           </a:p>
           <a:p>
             <a:pPr lvl="1"/>
             <a:r>
-              <a:rPr lang="ko-KR" altLang="en-US"/>
+              <a:rPr lang="ko-KR" altLang="en-US" smtClean="0"/>
               <a:t>둘째 수준</a:t>
             </a:r>
           </a:p>
           <a:p>
             <a:pPr lvl="2"/>
             <a:r>
-              <a:rPr lang="ko-KR" altLang="en-US"/>
+              <a:rPr lang="ko-KR" altLang="en-US" smtClean="0"/>
               <a:t>셋째 수준</a:t>
             </a:r>
           </a:p>
           <a:p>
             <a:pPr lvl="3"/>
             <a:r>
-              <a:rPr lang="ko-KR" altLang="en-US"/>
+              <a:rPr lang="ko-KR" altLang="en-US" smtClean="0"/>
               <a:t>넷째 수준</a:t>
             </a:r>
           </a:p>
           <a:p>
             <a:pPr lvl="4"/>
             <a:r>
-              <a:rPr lang="ko-KR" altLang="en-US"/>
+              <a:rPr lang="ko-KR" altLang="en-US" smtClean="0"/>
               <a:t>다섯째 수준</a:t>
             </a:r>
+            <a:endParaRPr lang="ko-KR" altLang="en-US"/>
           </a:p>
         </p:txBody>
       </p:sp>
@@ -5251,18 +5093,7 @@
   <p:clrMapOvr>
     <a:masterClrMapping/>
   </p:clrMapOvr>
-  <mc:AlternateContent xmlns:mc="http://schemas.openxmlformats.org/markup-compatibility/2006">
-    <mc:Choice xmlns:p159="http://schemas.microsoft.com/office/powerpoint/2015/09/main" Requires="p159">
-      <p:transition spd="slow">
-        <p159:morph option="byChar"/>
-      </p:transition>
-    </mc:Choice>
-    <mc:Fallback>
-      <p:transition spd="slow">
-        <p:fade/>
-      </p:transition>
-    </mc:Fallback>
-  </mc:AlternateContent>
+  <p:transition spd="med"/>
 </p:sldLayout>
 </file>
 
@@ -5299,9 +5130,10 @@
           <a:lstStyle/>
           <a:p>
             <a:r>
-              <a:rPr lang="ko-KR" altLang="en-US"/>
+              <a:rPr lang="ko-KR" altLang="en-US" smtClean="0"/>
               <a:t>마스터 제목 스타일 편집</a:t>
             </a:r>
+            <a:endParaRPr lang="ko-KR" altLang="en-US"/>
           </a:p>
         </p:txBody>
       </p:sp>
@@ -5315,18 +5147,7 @@
   <p:clrMapOvr>
     <a:masterClrMapping/>
   </p:clrMapOvr>
-  <mc:AlternateContent xmlns:mc="http://schemas.openxmlformats.org/markup-compatibility/2006">
-    <mc:Choice xmlns:p159="http://schemas.microsoft.com/office/powerpoint/2015/09/main" Requires="p159">
-      <p:transition spd="slow">
-        <p159:morph option="byChar"/>
-      </p:transition>
-    </mc:Choice>
-    <mc:Fallback>
-      <p:transition spd="slow">
-        <p:fade/>
-      </p:transition>
-    </mc:Fallback>
-  </mc:AlternateContent>
+  <p:transition spd="med"/>
 </p:sldLayout>
 </file>
 
@@ -5357,18 +5178,7 @@
   <p:clrMapOvr>
     <a:masterClrMapping/>
   </p:clrMapOvr>
-  <mc:AlternateContent xmlns:mc="http://schemas.openxmlformats.org/markup-compatibility/2006">
-    <mc:Choice xmlns:p159="http://schemas.microsoft.com/office/powerpoint/2015/09/main" Requires="p159">
-      <p:transition spd="slow">
-        <p159:morph option="byChar"/>
-      </p:transition>
-    </mc:Choice>
-    <mc:Fallback>
-      <p:transition spd="slow">
-        <p:fade/>
-      </p:transition>
-    </mc:Fallback>
-  </mc:AlternateContent>
+  <p:transition spd="med"/>
 </p:sldLayout>
 </file>
 
@@ -5414,9 +5224,10 @@
           </a:lstStyle>
           <a:p>
             <a:r>
-              <a:rPr lang="ko-KR" altLang="en-US"/>
+              <a:rPr lang="ko-KR" altLang="en-US" smtClean="0"/>
               <a:t>마스터 제목 스타일 편집</a:t>
             </a:r>
+            <a:endParaRPr lang="ko-KR" altLang="en-US"/>
           </a:p>
         </p:txBody>
       </p:sp>
@@ -5470,37 +5281,38 @@
           <a:p>
             <a:pPr lvl="0"/>
             <a:r>
-              <a:rPr lang="ko-KR" altLang="en-US"/>
+              <a:rPr lang="ko-KR" altLang="en-US" smtClean="0"/>
               <a:t>마스터 텍스트 스타일을 편집합니다</a:t>
             </a:r>
           </a:p>
           <a:p>
             <a:pPr lvl="1"/>
             <a:r>
-              <a:rPr lang="ko-KR" altLang="en-US"/>
+              <a:rPr lang="ko-KR" altLang="en-US" smtClean="0"/>
               <a:t>둘째 수준</a:t>
             </a:r>
           </a:p>
           <a:p>
             <a:pPr lvl="2"/>
             <a:r>
-              <a:rPr lang="ko-KR" altLang="en-US"/>
+              <a:rPr lang="ko-KR" altLang="en-US" smtClean="0"/>
               <a:t>셋째 수준</a:t>
             </a:r>
           </a:p>
           <a:p>
             <a:pPr lvl="3"/>
             <a:r>
-              <a:rPr lang="ko-KR" altLang="en-US"/>
+              <a:rPr lang="ko-KR" altLang="en-US" smtClean="0"/>
               <a:t>넷째 수준</a:t>
             </a:r>
           </a:p>
           <a:p>
             <a:pPr lvl="4"/>
             <a:r>
-              <a:rPr lang="ko-KR" altLang="en-US"/>
+              <a:rPr lang="ko-KR" altLang="en-US" smtClean="0"/>
               <a:t>다섯째 수준</a:t>
             </a:r>
+            <a:endParaRPr lang="ko-KR" altLang="en-US"/>
           </a:p>
         </p:txBody>
       </p:sp>
@@ -5563,7 +5375,7 @@
           <a:p>
             <a:pPr lvl="0"/>
             <a:r>
-              <a:rPr lang="ko-KR" altLang="en-US"/>
+              <a:rPr lang="ko-KR" altLang="en-US" smtClean="0"/>
               <a:t>마스터 텍스트 스타일을 편집합니다</a:t>
             </a:r>
           </a:p>
@@ -5579,18 +5391,7 @@
   <p:clrMapOvr>
     <a:masterClrMapping/>
   </p:clrMapOvr>
-  <mc:AlternateContent xmlns:mc="http://schemas.openxmlformats.org/markup-compatibility/2006">
-    <mc:Choice xmlns:p159="http://schemas.microsoft.com/office/powerpoint/2015/09/main" Requires="p159">
-      <p:transition spd="slow">
-        <p159:morph option="byChar"/>
-      </p:transition>
-    </mc:Choice>
-    <mc:Fallback>
-      <p:transition spd="slow">
-        <p:fade/>
-      </p:transition>
-    </mc:Fallback>
-  </mc:AlternateContent>
+  <p:transition spd="med"/>
 </p:sldLayout>
 </file>
 
@@ -5636,9 +5437,10 @@
           </a:lstStyle>
           <a:p>
             <a:r>
-              <a:rPr lang="ko-KR" altLang="en-US"/>
+              <a:rPr lang="ko-KR" altLang="en-US" smtClean="0"/>
               <a:t>마스터 제목 스타일 편집</a:t>
             </a:r>
+            <a:endParaRPr lang="ko-KR" altLang="en-US"/>
           </a:p>
         </p:txBody>
       </p:sp>
@@ -5700,7 +5502,7 @@
           </a:lstStyle>
           <a:p>
             <a:pPr lvl="0"/>
-            <a:endParaRPr lang="ko-KR" altLang="en-US" noProof="0"/>
+            <a:endParaRPr lang="ko-KR" altLang="en-US" noProof="0" smtClean="0"/>
           </a:p>
         </p:txBody>
       </p:sp>
@@ -5763,7 +5565,7 @@
           <a:p>
             <a:pPr lvl="0"/>
             <a:r>
-              <a:rPr lang="ko-KR" altLang="en-US"/>
+              <a:rPr lang="ko-KR" altLang="en-US" smtClean="0"/>
               <a:t>마스터 텍스트 스타일을 편집합니다</a:t>
             </a:r>
           </a:p>
@@ -5779,18 +5581,7 @@
   <p:clrMapOvr>
     <a:masterClrMapping/>
   </p:clrMapOvr>
-  <mc:AlternateContent xmlns:mc="http://schemas.openxmlformats.org/markup-compatibility/2006">
-    <mc:Choice xmlns:p159="http://schemas.microsoft.com/office/powerpoint/2015/09/main" Requires="p159">
-      <p:transition spd="slow">
-        <p159:morph option="byChar"/>
-      </p:transition>
-    </mc:Choice>
-    <mc:Fallback>
-      <p:transition spd="slow">
-        <p:fade/>
-      </p:transition>
-    </mc:Fallback>
-  </mc:AlternateContent>
+  <p:transition spd="med"/>
 </p:sldLayout>
 </file>
 
@@ -5832,9 +5623,10 @@
           <a:lstStyle/>
           <a:p>
             <a:r>
-              <a:rPr lang="ko-KR" altLang="en-US"/>
+              <a:rPr lang="ko-KR" altLang="en-US" smtClean="0"/>
               <a:t>마스터 제목 스타일 편집</a:t>
             </a:r>
+            <a:endParaRPr lang="ko-KR" altLang="en-US"/>
           </a:p>
         </p:txBody>
       </p:sp>
@@ -5855,37 +5647,38 @@
           <a:p>
             <a:pPr lvl="0"/>
             <a:r>
-              <a:rPr lang="ko-KR" altLang="en-US"/>
+              <a:rPr lang="ko-KR" altLang="en-US" smtClean="0"/>
               <a:t>마스터 텍스트 스타일을 편집합니다</a:t>
             </a:r>
           </a:p>
           <a:p>
             <a:pPr lvl="1"/>
             <a:r>
-              <a:rPr lang="ko-KR" altLang="en-US"/>
+              <a:rPr lang="ko-KR" altLang="en-US" smtClean="0"/>
               <a:t>둘째 수준</a:t>
             </a:r>
           </a:p>
           <a:p>
             <a:pPr lvl="2"/>
             <a:r>
-              <a:rPr lang="ko-KR" altLang="en-US"/>
+              <a:rPr lang="ko-KR" altLang="en-US" smtClean="0"/>
               <a:t>셋째 수준</a:t>
             </a:r>
           </a:p>
           <a:p>
             <a:pPr lvl="3"/>
             <a:r>
-              <a:rPr lang="ko-KR" altLang="en-US"/>
+              <a:rPr lang="ko-KR" altLang="en-US" smtClean="0"/>
               <a:t>넷째 수준</a:t>
             </a:r>
           </a:p>
           <a:p>
             <a:pPr lvl="4"/>
             <a:r>
-              <a:rPr lang="ko-KR" altLang="en-US"/>
+              <a:rPr lang="ko-KR" altLang="en-US" smtClean="0"/>
               <a:t>다섯째 수준</a:t>
             </a:r>
+            <a:endParaRPr lang="ko-KR" altLang="en-US"/>
           </a:p>
         </p:txBody>
       </p:sp>
@@ -5899,18 +5692,7 @@
   <p:clrMapOvr>
     <a:masterClrMapping/>
   </p:clrMapOvr>
-  <mc:AlternateContent xmlns:mc="http://schemas.openxmlformats.org/markup-compatibility/2006">
-    <mc:Choice xmlns:p159="http://schemas.microsoft.com/office/powerpoint/2015/09/main" Requires="p159">
-      <p:transition spd="slow">
-        <p159:morph option="byChar"/>
-      </p:transition>
-    </mc:Choice>
-    <mc:Fallback>
-      <p:transition spd="slow">
-        <p:fade/>
-      </p:transition>
-    </mc:Fallback>
-  </mc:AlternateContent>
+  <p:transition spd="med"/>
 </p:sldLayout>
 </file>
 
@@ -6087,7 +5869,7 @@
             <a:pPr algn="ctr" eaLnBrk="1" latinLnBrk="1" hangingPunct="1">
               <a:defRPr/>
             </a:pPr>
-            <a:endParaRPr lang="ko-KR" altLang="ko-KR" sz="1800">
+            <a:endParaRPr lang="ko-KR" altLang="ko-KR" sz="1800" smtClean="0">
               <a:solidFill>
                 <a:schemeClr val="bg1"/>
               </a:solidFill>
@@ -6147,7 +5929,7 @@
           <a:p>
             <a:pPr lvl="0"/>
             <a:r>
-              <a:rPr lang="ko-KR" altLang="en-US"/>
+              <a:rPr lang="ko-KR" altLang="en-US" smtClean="0"/>
               <a:t>마스터 제목 스타일 편집</a:t>
             </a:r>
           </a:p>
@@ -6205,42 +5987,42 @@
           <a:p>
             <a:pPr lvl="0"/>
             <a:r>
-              <a:rPr lang="en-US" altLang="ko-KR"/>
+              <a:rPr lang="en-US" altLang="ko-KR" smtClean="0"/>
               <a:t>1</a:t>
             </a:r>
-            <a:endParaRPr lang="ko-KR" altLang="en-US"/>
+            <a:endParaRPr lang="ko-KR" altLang="en-US" smtClean="0"/>
           </a:p>
           <a:p>
             <a:pPr lvl="1"/>
             <a:r>
-              <a:rPr lang="en-US" altLang="ko-KR"/>
+              <a:rPr lang="en-US" altLang="ko-KR" smtClean="0"/>
               <a:t>2</a:t>
             </a:r>
-            <a:endParaRPr lang="ko-KR" altLang="en-US"/>
+            <a:endParaRPr lang="ko-KR" altLang="en-US" smtClean="0"/>
           </a:p>
           <a:p>
             <a:pPr lvl="2"/>
             <a:r>
-              <a:rPr lang="en-US" altLang="ko-KR"/>
+              <a:rPr lang="en-US" altLang="ko-KR" smtClean="0"/>
               <a:t>3</a:t>
             </a:r>
-            <a:endParaRPr lang="ko-KR" altLang="en-US"/>
+            <a:endParaRPr lang="ko-KR" altLang="en-US" smtClean="0"/>
           </a:p>
           <a:p>
             <a:pPr lvl="3"/>
             <a:r>
-              <a:rPr lang="en-US" altLang="ko-KR"/>
+              <a:rPr lang="en-US" altLang="ko-KR" smtClean="0"/>
               <a:t>4</a:t>
             </a:r>
-            <a:endParaRPr lang="ko-KR" altLang="en-US"/>
+            <a:endParaRPr lang="ko-KR" altLang="en-US" smtClean="0"/>
           </a:p>
           <a:p>
             <a:pPr lvl="4"/>
             <a:r>
-              <a:rPr lang="en-US" altLang="ko-KR"/>
+              <a:rPr lang="en-US" altLang="ko-KR" smtClean="0"/>
               <a:t>5</a:t>
             </a:r>
-            <a:endParaRPr lang="ko-KR" altLang="en-US"/>
+            <a:endParaRPr lang="ko-KR" altLang="en-US" smtClean="0"/>
           </a:p>
         </p:txBody>
       </p:sp>
@@ -6393,7 +6175,7 @@
               <a:defRPr/>
             </a:pPr>
             <a:r>
-              <a:rPr lang="en-US" altLang="ko-KR" sz="1200">
+              <a:rPr lang="en-US" altLang="ko-KR" sz="1200" smtClean="0">
                 <a:solidFill>
                   <a:schemeClr val="bg1"/>
                 </a:solidFill>
@@ -6402,7 +6184,7 @@
               </a:rPr>
               <a:t>      Advanced Broadcasting &amp; Communications Lab.</a:t>
             </a:r>
-            <a:endParaRPr lang="en-US" altLang="ko-KR" sz="1800">
+            <a:endParaRPr lang="en-US" altLang="ko-KR" sz="1800" smtClean="0">
               <a:solidFill>
                 <a:schemeClr val="bg1"/>
               </a:solidFill>
@@ -6579,7 +6361,7 @@
               </a:pPr>
               <a:t>‹#›</a:t>
             </a:fld>
-            <a:endParaRPr lang="en-US" altLang="ko-KR" sz="1200">
+            <a:endParaRPr lang="en-US" altLang="ko-KR" sz="1200" smtClean="0">
               <a:solidFill>
                 <a:schemeClr val="bg1"/>
               </a:solidFill>
@@ -7072,7 +6854,7 @@
                 <a:defRPr/>
               </a:pPr>
               <a:r>
-                <a:rPr lang="en-US" altLang="ko-KR" sz="1600" i="1">
+                <a:rPr lang="en-US" altLang="ko-KR" sz="1600" i="1" smtClean="0">
                   <a:solidFill>
                     <a:srgbClr val="99CC00"/>
                   </a:solidFill>
@@ -7239,7 +7021,7 @@
                 <a:defRPr/>
               </a:pPr>
               <a:r>
-                <a:rPr lang="en-US" altLang="ko-KR" sz="2200" i="1">
+                <a:rPr lang="en-US" altLang="ko-KR" sz="2200" i="1" smtClean="0">
                   <a:solidFill>
                     <a:schemeClr val="bg1"/>
                   </a:solidFill>
@@ -7406,7 +7188,7 @@
                 <a:defRPr/>
               </a:pPr>
               <a:r>
-                <a:rPr lang="ko-KR" altLang="en-US" sz="900" i="1">
+                <a:rPr lang="ko-KR" altLang="en-US" sz="900" i="1" smtClean="0">
                   <a:solidFill>
                     <a:schemeClr val="bg1"/>
                   </a:solidFill>
@@ -7415,7 +7197,7 @@
                 <a:t>세계로</a:t>
               </a:r>
               <a:r>
-                <a:rPr lang="ko-KR" altLang="en-US" sz="900" i="1">
+                <a:rPr lang="ko-KR" altLang="en-US" sz="900" i="1" smtClean="0">
                   <a:solidFill>
                     <a:schemeClr val="bg2"/>
                   </a:solidFill>
@@ -7424,7 +7206,7 @@
                 <a:t> </a:t>
               </a:r>
               <a:r>
-                <a:rPr lang="ko-KR" altLang="en-US" sz="900" i="1">
+                <a:rPr lang="ko-KR" altLang="en-US" sz="900" i="1" smtClean="0">
                   <a:solidFill>
                     <a:schemeClr val="bg1"/>
                   </a:solidFill>
@@ -7453,18 +7235,14 @@
     <p:sldLayoutId id="2147484488" r:id="rId11"/>
     <p:sldLayoutId id="2147484489" r:id="rId12"/>
   </p:sldLayoutIdLst>
-  <mc:AlternateContent xmlns:mc="http://schemas.openxmlformats.org/markup-compatibility/2006">
-    <mc:Choice xmlns:p159="http://schemas.microsoft.com/office/powerpoint/2015/09/main" Requires="p159">
-      <p:transition spd="slow">
-        <p159:morph option="byChar"/>
-      </p:transition>
-    </mc:Choice>
-    <mc:Fallback>
-      <p:transition spd="slow">
-        <p:fade/>
-      </p:transition>
-    </mc:Fallback>
-  </mc:AlternateContent>
+  <p:transition spd="med"/>
+  <p:timing>
+    <p:tnLst>
+      <p:par>
+        <p:cTn id="1" dur="indefinite" restart="never" nodeType="tmRoot"/>
+      </p:par>
+    </p:tnLst>
+  </p:timing>
   <p:txStyles>
     <p:titleStyle>
       <a:lvl1pPr algn="r" rtl="0" eaLnBrk="0" fontAlgn="base" latinLnBrk="1" hangingPunct="0">
@@ -8032,14 +7810,14 @@
               <a:defRPr/>
             </a:pPr>
             <a:r>
-              <a:rPr lang="en-US" altLang="ko-KR" sz="1200">
+              <a:rPr lang="en-US" altLang="ko-KR" sz="1200" smtClean="0">
                 <a:solidFill>
                   <a:schemeClr val="bg1"/>
                 </a:solidFill>
               </a:rPr>
               <a:t>Broadcasting &amp; Communication Systems Lab.</a:t>
             </a:r>
-            <a:endParaRPr lang="en-US" altLang="ko-KR" sz="1800">
+            <a:endParaRPr lang="en-US" altLang="ko-KR" sz="1800" smtClean="0">
               <a:solidFill>
                 <a:schemeClr val="bg1"/>
               </a:solidFill>
@@ -8214,7 +7992,7 @@
               </a:pPr>
               <a:t>‹#›</a:t>
             </a:fld>
-            <a:endParaRPr lang="en-US" altLang="ko-KR" sz="1200">
+            <a:endParaRPr lang="en-US" altLang="ko-KR" sz="1200" smtClean="0">
               <a:solidFill>
                 <a:schemeClr val="bg1"/>
               </a:solidFill>
@@ -8456,7 +8234,7 @@
             <a:pPr algn="r" eaLnBrk="1" latinLnBrk="1" hangingPunct="1">
               <a:defRPr/>
             </a:pPr>
-            <a:endParaRPr lang="ko-KR" altLang="ko-KR" sz="1000">
+            <a:endParaRPr lang="ko-KR" altLang="ko-KR" sz="1000" smtClean="0">
               <a:solidFill>
                 <a:schemeClr val="bg1"/>
               </a:solidFill>
@@ -8785,42 +8563,42 @@
           <a:p>
             <a:pPr lvl="0"/>
             <a:r>
-              <a:rPr lang="ko-KR" altLang="en-US"/>
+              <a:rPr lang="ko-KR" altLang="en-US" smtClean="0"/>
               <a:t>마스터 텍스트 스타일을 편집합니다</a:t>
             </a:r>
           </a:p>
           <a:p>
             <a:pPr lvl="1"/>
             <a:r>
-              <a:rPr lang="ko-KR" altLang="en-US"/>
+              <a:rPr lang="ko-KR" altLang="en-US" smtClean="0"/>
               <a:t>둘째 수준</a:t>
             </a:r>
           </a:p>
           <a:p>
             <a:pPr lvl="2"/>
             <a:r>
-              <a:rPr lang="ko-KR" altLang="en-US"/>
+              <a:rPr lang="ko-KR" altLang="en-US" smtClean="0"/>
               <a:t>셋째 수준</a:t>
             </a:r>
           </a:p>
           <a:p>
             <a:pPr lvl="3"/>
             <a:r>
-              <a:rPr lang="ko-KR" altLang="en-US"/>
+              <a:rPr lang="ko-KR" altLang="en-US" smtClean="0"/>
               <a:t>넷째 수준</a:t>
             </a:r>
           </a:p>
           <a:p>
             <a:pPr lvl="4"/>
             <a:r>
-              <a:rPr lang="ko-KR" altLang="en-US"/>
+              <a:rPr lang="ko-KR" altLang="en-US" smtClean="0"/>
               <a:t>다섯째 수준</a:t>
             </a:r>
             <a:r>
-              <a:rPr lang="en-US" altLang="ko-KR"/>
+              <a:rPr lang="en-US" altLang="ko-KR" smtClean="0"/>
               <a:t>z</a:t>
             </a:r>
-            <a:endParaRPr lang="ko-KR" altLang="en-US"/>
+            <a:endParaRPr lang="ko-KR" altLang="en-US" smtClean="0"/>
           </a:p>
         </p:txBody>
       </p:sp>
@@ -8876,7 +8654,7 @@
           <a:p>
             <a:pPr lvl="0"/>
             <a:r>
-              <a:rPr lang="en-US" altLang="ko-KR"/>
+              <a:rPr lang="en-US" altLang="ko-KR" smtClean="0"/>
               <a:t>Contents</a:t>
             </a:r>
           </a:p>
@@ -9044,7 +8822,7 @@
               <a:defRPr/>
             </a:pPr>
             <a:r>
-              <a:rPr lang="ko-KR" altLang="en-US" sz="2000" i="0">
+              <a:rPr lang="ko-KR" altLang="en-US" sz="2000" i="0" smtClean="0">
                 <a:solidFill>
                   <a:schemeClr val="bg1"/>
                 </a:solidFill>
@@ -9053,6 +8831,13 @@
               </a:rPr>
               <a:t>마스터 제목 스타일 편집</a:t>
             </a:r>
+            <a:endParaRPr lang="ko-KR" altLang="en-US" sz="2000" i="0">
+              <a:solidFill>
+                <a:schemeClr val="bg1"/>
+              </a:solidFill>
+              <a:latin typeface="Arial Black" pitchFamily="34" charset="0"/>
+              <a:ea typeface="HY견고딕" pitchFamily="18" charset="-127"/>
+            </a:endParaRPr>
           </a:p>
         </p:txBody>
       </p:sp>
@@ -9228,7 +9013,7 @@
                 <a:defRPr/>
               </a:pPr>
               <a:r>
-                <a:rPr lang="en-US" altLang="ko-KR" sz="1600" i="1">
+                <a:rPr lang="en-US" altLang="ko-KR" sz="1600" i="1" smtClean="0">
                   <a:solidFill>
                     <a:srgbClr val="99CC00"/>
                   </a:solidFill>
@@ -9395,7 +9180,7 @@
                 <a:defRPr/>
               </a:pPr>
               <a:r>
-                <a:rPr lang="en-US" altLang="ko-KR" sz="2200" i="1">
+                <a:rPr lang="en-US" altLang="ko-KR" sz="2200" i="1" smtClean="0">
                   <a:solidFill>
                     <a:schemeClr val="bg1"/>
                   </a:solidFill>
@@ -9562,7 +9347,7 @@
                 <a:defRPr/>
               </a:pPr>
               <a:r>
-                <a:rPr lang="ko-KR" altLang="en-US" sz="900" i="1">
+                <a:rPr lang="ko-KR" altLang="en-US" sz="900" i="1" smtClean="0">
                   <a:solidFill>
                     <a:schemeClr val="bg1"/>
                   </a:solidFill>
@@ -9571,7 +9356,7 @@
                 <a:t>세계로</a:t>
               </a:r>
               <a:r>
-                <a:rPr lang="ko-KR" altLang="en-US" sz="900" i="1">
+                <a:rPr lang="ko-KR" altLang="en-US" sz="900" i="1" smtClean="0">
                   <a:solidFill>
                     <a:schemeClr val="bg2"/>
                   </a:solidFill>
@@ -9580,7 +9365,7 @@
                 <a:t> </a:t>
               </a:r>
               <a:r>
-                <a:rPr lang="ko-KR" altLang="en-US" sz="900" i="1">
+                <a:rPr lang="ko-KR" altLang="en-US" sz="900" i="1" smtClean="0">
                   <a:solidFill>
                     <a:schemeClr val="bg1"/>
                   </a:solidFill>
@@ -9608,18 +9393,14 @@
     <p:sldLayoutId id="2147484499" r:id="rId10"/>
     <p:sldLayoutId id="2147484500" r:id="rId11"/>
   </p:sldLayoutIdLst>
-  <mc:AlternateContent xmlns:mc="http://schemas.openxmlformats.org/markup-compatibility/2006">
-    <mc:Choice xmlns:p159="http://schemas.microsoft.com/office/powerpoint/2015/09/main" Requires="p159">
-      <p:transition spd="slow">
-        <p159:morph option="byChar"/>
-      </p:transition>
-    </mc:Choice>
-    <mc:Fallback>
-      <p:transition spd="slow">
-        <p:fade/>
-      </p:transition>
-    </mc:Fallback>
-  </mc:AlternateContent>
+  <p:transition spd="med"/>
+  <p:timing>
+    <p:tnLst>
+      <p:par>
+        <p:cTn id="1" dur="indefinite" restart="never" nodeType="tmRoot"/>
+      </p:par>
+    </p:tnLst>
+  </p:timing>
   <p:txStyles>
     <p:titleStyle>
       <a:lvl1pPr algn="l" rtl="0" eaLnBrk="0" fontAlgn="base" latinLnBrk="1" hangingPunct="0">
@@ -10086,7 +9867,7 @@
                 <a:latin typeface="Arial Black" panose="020B0A04020102020204" pitchFamily="34" charset="0"/>
               </a:rPr>
             </a:br>
-            <a:endParaRPr lang="en-US" altLang="ko-KR" sz="2800" b="0" dirty="0">
+            <a:endParaRPr lang="en-US" altLang="ko-KR" sz="2800" b="0" dirty="0" smtClean="0">
               <a:solidFill>
                 <a:srgbClr val="A50021"/>
               </a:solidFill>
@@ -10123,7 +9904,7 @@
               </a:lnSpc>
             </a:pPr>
             <a:r>
-              <a:rPr lang="en-US" altLang="ko-KR" dirty="0"/>
+              <a:rPr lang="en-US" altLang="ko-KR" dirty="0" smtClean="0"/>
               <a:t>Chapter 2 – </a:t>
             </a:r>
           </a:p>
@@ -10134,7 +9915,7 @@
               </a:lnSpc>
             </a:pPr>
             <a:r>
-              <a:rPr lang="en-US" altLang="ko-KR" dirty="0"/>
+              <a:rPr lang="en-US" altLang="ko-KR" dirty="0" smtClean="0"/>
               <a:t>The Basic Laws of Circuit Analysis</a:t>
             </a:r>
           </a:p>
@@ -10144,7 +9925,7 @@
                 <a:spcPct val="90000"/>
               </a:lnSpc>
             </a:pPr>
-            <a:endParaRPr lang="en-US" altLang="ko-KR" sz="3200" dirty="0"/>
+            <a:endParaRPr lang="en-US" altLang="ko-KR" sz="3200" dirty="0" smtClean="0"/>
           </a:p>
         </p:txBody>
       </p:sp>
@@ -10153,18 +9934,14 @@
   <p:clrMapOvr>
     <a:masterClrMapping/>
   </p:clrMapOvr>
-  <mc:AlternateContent xmlns:mc="http://schemas.openxmlformats.org/markup-compatibility/2006">
-    <mc:Choice xmlns:p159="http://schemas.microsoft.com/office/powerpoint/2015/09/main" Requires="p159">
-      <p:transition spd="slow">
-        <p159:morph option="byChar"/>
-      </p:transition>
-    </mc:Choice>
-    <mc:Fallback>
-      <p:transition spd="slow">
-        <p:fade/>
-      </p:transition>
-    </mc:Fallback>
-  </mc:AlternateContent>
+  <p:transition spd="med"/>
+  <p:timing>
+    <p:tnLst>
+      <p:par>
+        <p:cTn id="1" dur="indefinite" restart="never" nodeType="tmRoot"/>
+      </p:par>
+    </p:tnLst>
+  </p:timing>
 </p:sld>
 </file>
 
@@ -10225,12 +10002,12 @@
           <a:lstStyle/>
           <a:p>
             <a:r>
-              <a:rPr lang="en-US" altLang="ko-KR" sz="2400" dirty="0">
+              <a:rPr lang="en-US" altLang="ko-KR" sz="2400" dirty="0" smtClean="0">
                 <a:ea typeface="굴림" panose="020B0600000101010101" pitchFamily="50" charset="-127"/>
               </a:rPr>
               <a:t>Kirchhoff’s Law</a:t>
             </a:r>
-            <a:endParaRPr lang="ko-KR" altLang="en-US" sz="2400" dirty="0"/>
+            <a:endParaRPr lang="ko-KR" altLang="en-US" sz="2400" dirty="0" smtClean="0"/>
           </a:p>
         </p:txBody>
       </p:sp>
@@ -10260,7 +10037,7 @@
               <a:defRPr/>
             </a:pPr>
             <a:r>
-              <a:rPr lang="en-US" altLang="ko-KR" sz="2800" b="1" dirty="0">
+              <a:rPr lang="en-US" altLang="ko-KR" sz="2800" b="1" dirty="0" smtClean="0">
                 <a:solidFill>
                   <a:srgbClr val="0070C0"/>
                 </a:solidFill>
@@ -10274,13 +10051,13 @@
               <a:defRPr/>
             </a:pPr>
             <a:r>
-              <a:rPr lang="en-US" altLang="ko-KR" sz="1800" b="1" dirty="0">
+              <a:rPr lang="en-US" altLang="ko-KR" sz="1800" b="1" dirty="0" smtClean="0">
                 <a:ea typeface="굴림" charset="-127"/>
               </a:rPr>
               <a:t>A</a:t>
             </a:r>
             <a:r>
-              <a:rPr lang="en-US" altLang="ko-KR" sz="1800" b="1" i="1" dirty="0">
+              <a:rPr lang="en-US" altLang="ko-KR" sz="1800" b="1" i="1" dirty="0" smtClean="0">
                 <a:ea typeface="굴림" charset="-127"/>
               </a:rPr>
               <a:t> </a:t>
@@ -10304,7 +10081,13 @@
               <a:rPr lang="en-US" altLang="ko-KR" sz="1800" b="1" dirty="0">
                 <a:ea typeface="굴림" charset="-127"/>
               </a:rPr>
-              <a:t>is the point of connection between two or more elements.</a:t>
+              <a:t>is the point of connection between two or more </a:t>
+            </a:r>
+            <a:r>
+              <a:rPr lang="en-US" altLang="ko-KR" sz="1800" b="1" dirty="0" smtClean="0">
+                <a:ea typeface="굴림" charset="-127"/>
+              </a:rPr>
+              <a:t>elements.</a:t>
             </a:r>
           </a:p>
           <a:p>
@@ -10312,7 +10095,7 @@
               <a:defRPr/>
             </a:pPr>
             <a:r>
-              <a:rPr lang="en-US" altLang="ko-KR" sz="1600" b="1" dirty="0">
+              <a:rPr lang="en-US" altLang="ko-KR" sz="1600" b="1" dirty="0" smtClean="0">
                 <a:ea typeface="굴림" charset="-127"/>
               </a:rPr>
               <a:t>5 nodes, labeled A through E</a:t>
@@ -10341,7 +10124,13 @@
               <a:rPr lang="en-US" altLang="ko-KR" sz="1800" b="1" dirty="0">
                 <a:ea typeface="굴림" charset="-127"/>
               </a:rPr>
-              <a:t> is any closed path through the network in which no node is traversed more than once.</a:t>
+              <a:t> is any closed path </a:t>
+            </a:r>
+            <a:r>
+              <a:rPr lang="en-US" altLang="ko-KR" sz="1800" b="1" dirty="0" smtClean="0">
+                <a:ea typeface="굴림" charset="-127"/>
+              </a:rPr>
+              <a:t>through the network in which no node is traversed more than once.</a:t>
             </a:r>
           </a:p>
           <a:p>
@@ -10349,7 +10138,7 @@
               <a:defRPr/>
             </a:pPr>
             <a:r>
-              <a:rPr lang="en-US" altLang="ko-KR" sz="1600" b="1" dirty="0">
+              <a:rPr lang="en-US" altLang="ko-KR" sz="1600" b="1" dirty="0" smtClean="0">
                 <a:ea typeface="굴림" charset="-127"/>
               </a:rPr>
               <a:t>ACEBA and BCDEB are loops and ACDECA is not a loop</a:t>
@@ -10360,13 +10149,13 @@
               <a:defRPr/>
             </a:pPr>
             <a:r>
-              <a:rPr lang="en-US" altLang="ko-KR" sz="1800" b="1" dirty="0">
+              <a:rPr lang="en-US" altLang="ko-KR" sz="1800" b="1" dirty="0" smtClean="0">
                 <a:ea typeface="굴림" charset="-127"/>
               </a:rPr>
               <a:t>A </a:t>
             </a:r>
             <a:r>
-              <a:rPr lang="en-US" altLang="ko-KR" sz="1800" b="1" i="1" dirty="0">
+              <a:rPr lang="en-US" altLang="ko-KR" sz="1800" b="1" i="1" dirty="0" smtClean="0">
                 <a:solidFill>
                   <a:srgbClr val="A50021"/>
                 </a:solidFill>
@@ -10375,13 +10164,13 @@
               <a:t>mesh</a:t>
             </a:r>
             <a:r>
-              <a:rPr lang="en-US" altLang="ko-KR" sz="1800" b="1" dirty="0">
+              <a:rPr lang="en-US" altLang="ko-KR" sz="1800" b="1" dirty="0" smtClean="0">
                 <a:ea typeface="굴림" charset="-127"/>
               </a:rPr>
               <a:t> is defined as a loop that does not contain another loop. “</a:t>
             </a:r>
             <a:r>
-              <a:rPr lang="en-US" altLang="ko-KR" sz="1800" b="1" i="1" dirty="0">
+              <a:rPr lang="en-US" altLang="ko-KR" sz="1800" b="1" i="1" dirty="0" smtClean="0">
                 <a:solidFill>
                   <a:srgbClr val="A50021"/>
                 </a:solidFill>
@@ -10390,29 +10179,35 @@
               <a:t>Windowpane</a:t>
             </a:r>
             <a:r>
-              <a:rPr lang="en-US" altLang="ko-KR" sz="1800" b="1" dirty="0">
+              <a:rPr lang="en-US" altLang="ko-KR" sz="1800" b="1" dirty="0" smtClean="0">
                 <a:ea typeface="굴림" charset="-127"/>
               </a:rPr>
               <a:t>”</a:t>
             </a:r>
+            <a:endParaRPr lang="en-US" altLang="ko-KR" sz="1800" b="1" dirty="0">
+              <a:ea typeface="굴림" charset="-127"/>
+            </a:endParaRPr>
           </a:p>
           <a:p>
             <a:pPr lvl="1">
               <a:defRPr/>
             </a:pPr>
             <a:r>
-              <a:rPr lang="en-US" altLang="ko-KR" sz="1600" b="1" dirty="0">
+              <a:rPr lang="en-US" altLang="ko-KR" sz="1600" b="1" dirty="0" smtClean="0">
                 <a:ea typeface="굴림" charset="-127"/>
               </a:rPr>
               <a:t>ACDA and CDEC are meshes and ADECA is not a mesh</a:t>
             </a:r>
+            <a:endParaRPr lang="en-US" altLang="ko-KR" sz="1600" b="1" dirty="0">
+              <a:ea typeface="굴림" charset="-127"/>
+            </a:endParaRPr>
           </a:p>
           <a:p>
             <a:pPr>
               <a:defRPr/>
             </a:pPr>
             <a:r>
-              <a:rPr lang="en-US" altLang="ko-KR" sz="1800" b="1" dirty="0">
+              <a:rPr lang="en-US" altLang="ko-KR" sz="1800" b="1" dirty="0" smtClean="0">
                 <a:ea typeface="굴림" charset="-127"/>
               </a:rPr>
               <a:t>A </a:t>
@@ -10427,7 +10222,7 @@
               <a:t>branch </a:t>
             </a:r>
             <a:r>
-              <a:rPr lang="en-US" altLang="ko-KR" sz="1800" b="1" dirty="0">
+              <a:rPr lang="en-US" altLang="ko-KR" sz="1800" b="1" dirty="0" smtClean="0">
                 <a:ea typeface="굴림" charset="-127"/>
               </a:rPr>
               <a:t>is any element connected between two nodes.</a:t>
@@ -10438,17 +10233,20 @@
               <a:defRPr/>
             </a:pPr>
             <a:r>
-              <a:rPr lang="en-US" altLang="ko-KR" sz="1600" b="1" dirty="0">
+              <a:rPr lang="en-US" altLang="ko-KR" sz="1600" b="1" dirty="0" smtClean="0">
                 <a:ea typeface="굴림" charset="-127"/>
               </a:rPr>
               <a:t>8 branches.</a:t>
             </a:r>
+            <a:endParaRPr lang="en-US" altLang="ko-KR" sz="1600" b="1" dirty="0">
+              <a:ea typeface="굴림" charset="-127"/>
+            </a:endParaRPr>
           </a:p>
           <a:p>
             <a:pPr>
               <a:defRPr/>
             </a:pPr>
-            <a:endParaRPr lang="en-US" altLang="ko-KR" sz="1800" dirty="0">
+            <a:endParaRPr lang="en-US" altLang="ko-KR" sz="1800" dirty="0" smtClean="0">
               <a:ea typeface="굴림" pitchFamily="50" charset="-127"/>
             </a:endParaRPr>
           </a:p>
@@ -10456,7 +10254,7 @@
             <a:pPr eaLnBrk="1" hangingPunct="1">
               <a:defRPr/>
             </a:pPr>
-            <a:endParaRPr lang="en-US" altLang="ko-KR" sz="1800" dirty="0">
+            <a:endParaRPr lang="en-US" altLang="ko-KR" sz="1800" dirty="0" smtClean="0">
               <a:ea typeface="굴림" pitchFamily="50" charset="-127"/>
             </a:endParaRPr>
           </a:p>
@@ -10464,7 +10262,7 @@
             <a:pPr eaLnBrk="1" hangingPunct="1">
               <a:defRPr/>
             </a:pPr>
-            <a:endParaRPr lang="en-US" altLang="ko-KR" sz="1200" dirty="0">
+            <a:endParaRPr lang="en-US" altLang="ko-KR" sz="1200" dirty="0" smtClean="0">
               <a:ea typeface="굴림" pitchFamily="50" charset="-127"/>
             </a:endParaRPr>
           </a:p>
@@ -10472,7 +10270,7 @@
             <a:pPr>
               <a:defRPr/>
             </a:pPr>
-            <a:endParaRPr lang="en-US" altLang="ko-KR" sz="1800" dirty="0"/>
+            <a:endParaRPr lang="en-US" altLang="ko-KR" sz="1800" dirty="0" smtClean="0"/>
           </a:p>
         </p:txBody>
       </p:sp>
@@ -10505,18 +10303,14 @@
   <p:clrMapOvr>
     <a:masterClrMapping/>
   </p:clrMapOvr>
-  <mc:AlternateContent xmlns:mc="http://schemas.openxmlformats.org/markup-compatibility/2006">
-    <mc:Choice xmlns:p159="http://schemas.microsoft.com/office/powerpoint/2015/09/main" Requires="p159">
-      <p:transition spd="slow">
-        <p159:morph option="byChar"/>
-      </p:transition>
-    </mc:Choice>
-    <mc:Fallback>
-      <p:transition spd="slow">
-        <p:fade/>
-      </p:transition>
-    </mc:Fallback>
-  </mc:AlternateContent>
+  <p:transition spd="med"/>
+  <p:timing>
+    <p:tnLst>
+      <p:par>
+        <p:cTn id="1" dur="indefinite" restart="never" nodeType="tmRoot"/>
+      </p:par>
+    </p:tnLst>
+  </p:timing>
 </p:sld>
 </file>
 
@@ -10553,12 +10347,12 @@
           <a:lstStyle/>
           <a:p>
             <a:r>
-              <a:rPr lang="en-US" altLang="ko-KR" sz="2400" dirty="0">
+              <a:rPr lang="en-US" altLang="ko-KR" sz="2400" dirty="0" smtClean="0">
                 <a:ea typeface="굴림" panose="020B0600000101010101" pitchFamily="50" charset="-127"/>
               </a:rPr>
               <a:t>Kirchhoff’s Law</a:t>
             </a:r>
-            <a:endParaRPr lang="ko-KR" altLang="en-US" sz="2400" dirty="0"/>
+            <a:endParaRPr lang="ko-KR" altLang="en-US" sz="2400" dirty="0" smtClean="0"/>
           </a:p>
         </p:txBody>
       </p:sp>
@@ -10588,7 +10382,7 @@
               <a:defRPr/>
             </a:pPr>
             <a:r>
-              <a:rPr lang="en-US" altLang="ko-KR" sz="2800" b="1" dirty="0">
+              <a:rPr lang="en-US" altLang="ko-KR" sz="2800" b="1" dirty="0" smtClean="0">
                 <a:solidFill>
                   <a:srgbClr val="0070C0"/>
                 </a:solidFill>
@@ -10644,13 +10438,13 @@
               <a:defRPr/>
             </a:pPr>
             <a:r>
-              <a:rPr lang="en-US" altLang="ko-KR" b="1" dirty="0">
+              <a:rPr lang="en-US" altLang="ko-KR" b="1" dirty="0" smtClean="0">
                 <a:ea typeface="굴림" panose="020B0600000101010101" pitchFamily="50" charset="-127"/>
               </a:rPr>
               <a:t>Kirchhoff’s Current law (</a:t>
             </a:r>
             <a:r>
-              <a:rPr lang="en-US" altLang="ko-KR" b="1" i="1" dirty="0">
+              <a:rPr lang="en-US" altLang="ko-KR" b="1" i="1" dirty="0" smtClean="0">
                 <a:solidFill>
                   <a:srgbClr val="A50021"/>
                 </a:solidFill>
@@ -10659,24 +10453,33 @@
               <a:t>KCL</a:t>
             </a:r>
             <a:r>
+              <a:rPr lang="en-US" altLang="ko-KR" b="1" dirty="0" smtClean="0">
+                <a:ea typeface="굴림" panose="020B0600000101010101" pitchFamily="50" charset="-127"/>
+              </a:rPr>
+              <a:t>)</a:t>
+            </a:r>
+            <a:endParaRPr lang="en-US" altLang="ko-KR" b="1" dirty="0">
+              <a:ea typeface="굴림" panose="020B0600000101010101" pitchFamily="50" charset="-127"/>
+            </a:endParaRPr>
+          </a:p>
+          <a:p>
+            <a:pPr lvl="1">
+              <a:defRPr/>
+            </a:pPr>
+            <a:r>
               <a:rPr lang="en-US" altLang="ko-KR" b="1" dirty="0">
                 <a:ea typeface="굴림" panose="020B0600000101010101" pitchFamily="50" charset="-127"/>
               </a:rPr>
-              <a:t>)</a:t>
-            </a:r>
-          </a:p>
-          <a:p>
-            <a:pPr lvl="1">
-              <a:defRPr/>
-            </a:pPr>
-            <a:r>
-              <a:rPr lang="en-US" altLang="ko-KR" b="1" dirty="0">
+              <a:t>Kirchhoff’s </a:t>
+            </a:r>
+            <a:r>
+              <a:rPr lang="en-US" altLang="ko-KR" b="1" dirty="0" smtClean="0">
                 <a:ea typeface="굴림" panose="020B0600000101010101" pitchFamily="50" charset="-127"/>
               </a:rPr>
-              <a:t>Kirchhoff’s Voltage law (</a:t>
-            </a:r>
-            <a:r>
-              <a:rPr lang="en-US" altLang="ko-KR" b="1" i="1" dirty="0">
+              <a:t>Voltage law (</a:t>
+            </a:r>
+            <a:r>
+              <a:rPr lang="en-US" altLang="ko-KR" b="1" i="1" dirty="0" smtClean="0">
                 <a:solidFill>
                   <a:srgbClr val="A50021"/>
                 </a:solidFill>
@@ -10685,17 +10488,20 @@
               <a:t>KVL</a:t>
             </a:r>
             <a:r>
-              <a:rPr lang="en-US" altLang="ko-KR" b="1" dirty="0">
+              <a:rPr lang="en-US" altLang="ko-KR" b="1" dirty="0" smtClean="0">
                 <a:ea typeface="굴림" panose="020B0600000101010101" pitchFamily="50" charset="-127"/>
               </a:rPr>
               <a:t>)</a:t>
             </a:r>
+            <a:endParaRPr lang="en-US" altLang="ko-KR" b="1" dirty="0">
+              <a:ea typeface="굴림" panose="020B0600000101010101" pitchFamily="50" charset="-127"/>
+            </a:endParaRPr>
           </a:p>
           <a:p>
             <a:pPr eaLnBrk="1" hangingPunct="1">
               <a:defRPr/>
             </a:pPr>
-            <a:endParaRPr lang="en-US" altLang="ko-KR" dirty="0">
+            <a:endParaRPr lang="en-US" altLang="ko-KR" dirty="0" smtClean="0">
               <a:ea typeface="굴림" pitchFamily="50" charset="-127"/>
             </a:endParaRPr>
           </a:p>
@@ -10703,7 +10509,7 @@
             <a:pPr eaLnBrk="1" hangingPunct="1">
               <a:defRPr/>
             </a:pPr>
-            <a:endParaRPr lang="en-US" altLang="ko-KR" sz="1600" dirty="0">
+            <a:endParaRPr lang="en-US" altLang="ko-KR" sz="1600" dirty="0" smtClean="0">
               <a:ea typeface="굴림" pitchFamily="50" charset="-127"/>
             </a:endParaRPr>
           </a:p>
@@ -10711,7 +10517,7 @@
             <a:pPr>
               <a:defRPr/>
             </a:pPr>
-            <a:endParaRPr lang="en-US" altLang="ko-KR" dirty="0"/>
+            <a:endParaRPr lang="en-US" altLang="ko-KR" dirty="0" smtClean="0"/>
           </a:p>
         </p:txBody>
       </p:sp>
@@ -10725,18 +10531,14 @@
   <p:clrMapOvr>
     <a:masterClrMapping/>
   </p:clrMapOvr>
-  <mc:AlternateContent xmlns:mc="http://schemas.openxmlformats.org/markup-compatibility/2006">
-    <mc:Choice xmlns:p159="http://schemas.microsoft.com/office/powerpoint/2015/09/main" Requires="p159">
-      <p:transition spd="slow">
-        <p159:morph option="byChar"/>
-      </p:transition>
-    </mc:Choice>
-    <mc:Fallback>
-      <p:transition spd="slow">
-        <p:fade/>
-      </p:transition>
-    </mc:Fallback>
-  </mc:AlternateContent>
+  <p:transition spd="med"/>
+  <p:timing>
+    <p:tnLst>
+      <p:par>
+        <p:cTn id="1" dur="indefinite" restart="never" nodeType="tmRoot"/>
+      </p:par>
+    </p:tnLst>
+  </p:timing>
 </p:sld>
 </file>
 
@@ -10773,12 +10575,12 @@
           <a:lstStyle/>
           <a:p>
             <a:r>
-              <a:rPr lang="en-US" altLang="ko-KR" sz="2400" dirty="0">
+              <a:rPr lang="en-US" altLang="ko-KR" sz="2400" dirty="0" smtClean="0">
                 <a:ea typeface="굴림" panose="020B0600000101010101" pitchFamily="50" charset="-127"/>
               </a:rPr>
               <a:t>Kirchhoff’s Law</a:t>
             </a:r>
-            <a:endParaRPr lang="ko-KR" altLang="en-US" sz="2400" dirty="0"/>
+            <a:endParaRPr lang="ko-KR" altLang="en-US" sz="2400" dirty="0" smtClean="0"/>
           </a:p>
         </p:txBody>
       </p:sp>
@@ -10808,7 +10610,7 @@
               <a:defRPr/>
             </a:pPr>
             <a:r>
-              <a:rPr lang="en-US" altLang="ko-KR" sz="2800" b="1" dirty="0">
+              <a:rPr lang="en-US" altLang="ko-KR" sz="2800" b="1" dirty="0" smtClean="0">
                 <a:solidFill>
                   <a:srgbClr val="0070C0"/>
                 </a:solidFill>
@@ -10842,7 +10644,7 @@
               <a:defRPr/>
             </a:pPr>
             <a:r>
-              <a:rPr lang="en-US" altLang="ko-KR" b="1" dirty="0">
+              <a:rPr lang="en-US" altLang="ko-KR" b="1" dirty="0" smtClean="0">
                 <a:ea typeface="굴림" panose="020B0600000101010101" pitchFamily="50" charset="-127"/>
               </a:rPr>
               <a:t>the </a:t>
@@ -10854,24 +10656,16 @@
                 </a:solidFill>
                 <a:ea typeface="굴림" panose="020B0600000101010101" pitchFamily="50" charset="-127"/>
               </a:rPr>
-              <a:t>algebraic sum of currents entering a node is zero</a:t>
-            </a:r>
-            <a:r>
-              <a:rPr lang="en-US" altLang="ko-KR" b="1" dirty="0">
+              <a:t>algebraic </a:t>
+            </a:r>
+            <a:r>
+              <a:rPr lang="en-US" altLang="ko-KR" b="1" i="1" dirty="0" smtClean="0">
+                <a:solidFill>
+                  <a:srgbClr val="A50021"/>
+                </a:solidFill>
                 <a:ea typeface="굴림" panose="020B0600000101010101" pitchFamily="50" charset="-127"/>
               </a:rPr>
-              <a:t>.</a:t>
-            </a:r>
-          </a:p>
-          <a:p>
-            <a:pPr>
-              <a:defRPr/>
-            </a:pPr>
-            <a:r>
-              <a:rPr lang="en-US" altLang="ko-KR" b="1" dirty="0">
-                <a:ea typeface="굴림" panose="020B0600000101010101" pitchFamily="50" charset="-127"/>
-              </a:rPr>
-              <a:t>the </a:t>
+              <a:t>sum of </a:t>
             </a:r>
             <a:r>
               <a:rPr lang="en-US" altLang="ko-KR" b="1" i="1" dirty="0">
@@ -10880,10 +10674,28 @@
                 </a:solidFill>
                 <a:ea typeface="굴림" panose="020B0600000101010101" pitchFamily="50" charset="-127"/>
               </a:rPr>
-              <a:t>algebraic sum of currents leaving a node is zero</a:t>
-            </a:r>
-            <a:r>
-              <a:rPr lang="en-US" altLang="ko-KR" b="1" dirty="0">
+              <a:t>currents entering a node </a:t>
+            </a:r>
+            <a:r>
+              <a:rPr lang="en-US" altLang="ko-KR" b="1" i="1" dirty="0" smtClean="0">
+                <a:solidFill>
+                  <a:srgbClr val="A50021"/>
+                </a:solidFill>
+                <a:ea typeface="굴림" panose="020B0600000101010101" pitchFamily="50" charset="-127"/>
+              </a:rPr>
+              <a:t>is </a:t>
+            </a:r>
+            <a:r>
+              <a:rPr lang="en-US" altLang="ko-KR" b="1" i="1" dirty="0">
+                <a:solidFill>
+                  <a:srgbClr val="A50021"/>
+                </a:solidFill>
+                <a:ea typeface="굴림" panose="020B0600000101010101" pitchFamily="50" charset="-127"/>
+              </a:rPr>
+              <a:t>zero</a:t>
+            </a:r>
+            <a:r>
+              <a:rPr lang="en-US" altLang="ko-KR" b="1" dirty="0" smtClean="0">
                 <a:ea typeface="굴림" panose="020B0600000101010101" pitchFamily="50" charset="-127"/>
               </a:rPr>
               <a:t>.</a:t>
@@ -10900,7 +10712,51 @@
               <a:t>the </a:t>
             </a:r>
             <a:r>
-              <a:rPr lang="en-US" altLang="ko-KR" b="1" dirty="0">
+              <a:rPr lang="en-US" altLang="ko-KR" b="1" i="1" dirty="0">
+                <a:solidFill>
+                  <a:srgbClr val="A50021"/>
+                </a:solidFill>
+                <a:ea typeface="굴림" panose="020B0600000101010101" pitchFamily="50" charset="-127"/>
+              </a:rPr>
+              <a:t>algebraic sum of currents </a:t>
+            </a:r>
+            <a:r>
+              <a:rPr lang="en-US" altLang="ko-KR" b="1" i="1" dirty="0" smtClean="0">
+                <a:solidFill>
+                  <a:srgbClr val="A50021"/>
+                </a:solidFill>
+                <a:ea typeface="굴림" panose="020B0600000101010101" pitchFamily="50" charset="-127"/>
+              </a:rPr>
+              <a:t>leaving a </a:t>
+            </a:r>
+            <a:r>
+              <a:rPr lang="en-US" altLang="ko-KR" b="1" i="1" dirty="0">
+                <a:solidFill>
+                  <a:srgbClr val="A50021"/>
+                </a:solidFill>
+                <a:ea typeface="굴림" panose="020B0600000101010101" pitchFamily="50" charset="-127"/>
+              </a:rPr>
+              <a:t>node is zero</a:t>
+            </a:r>
+            <a:r>
+              <a:rPr lang="en-US" altLang="ko-KR" b="1" dirty="0" smtClean="0">
+                <a:ea typeface="굴림" panose="020B0600000101010101" pitchFamily="50" charset="-127"/>
+              </a:rPr>
+              <a:t>.</a:t>
+            </a:r>
+          </a:p>
+          <a:p>
+            <a:pPr>
+              <a:defRPr/>
+            </a:pPr>
+            <a:r>
+              <a:rPr lang="en-US" altLang="ko-KR" b="1" dirty="0" smtClean="0">
+                <a:ea typeface="굴림" panose="020B0600000101010101" pitchFamily="50" charset="-127"/>
+              </a:rPr>
+              <a:t>the </a:t>
+            </a:r>
+            <a:r>
+              <a:rPr lang="en-US" altLang="ko-KR" b="1" dirty="0" smtClean="0">
                 <a:solidFill>
                   <a:srgbClr val="A50021"/>
                 </a:solidFill>
@@ -10909,44 +10765,53 @@
               <a:t>currents entering a node must be equal to the currents leaving the node</a:t>
             </a:r>
             <a:r>
+              <a:rPr lang="en-US" altLang="ko-KR" b="1" dirty="0" smtClean="0">
+                <a:ea typeface="굴림" panose="020B0600000101010101" pitchFamily="50" charset="-127"/>
+              </a:rPr>
+              <a:t>.</a:t>
+            </a:r>
+            <a:endParaRPr lang="en-US" altLang="ko-KR" b="1" dirty="0">
+              <a:ea typeface="굴림" panose="020B0600000101010101" pitchFamily="50" charset="-127"/>
+            </a:endParaRPr>
+          </a:p>
+          <a:p>
+            <a:pPr>
+              <a:defRPr/>
+            </a:pPr>
+            <a:r>
+              <a:rPr lang="en-US" altLang="ko-KR" b="1" dirty="0" smtClean="0">
+                <a:ea typeface="굴림" panose="020B0600000101010101" pitchFamily="50" charset="-127"/>
+              </a:rPr>
+              <a:t>It </a:t>
+            </a:r>
+            <a:r>
               <a:rPr lang="en-US" altLang="ko-KR" b="1" dirty="0">
                 <a:ea typeface="굴림" panose="020B0600000101010101" pitchFamily="50" charset="-127"/>
               </a:rPr>
-              <a:t>.</a:t>
-            </a:r>
+              <a:t>can be expressed as:</a:t>
+            </a:r>
+          </a:p>
+          <a:p>
+            <a:pPr eaLnBrk="1" hangingPunct="1">
+              <a:defRPr/>
+            </a:pPr>
+            <a:endParaRPr lang="en-US" altLang="ko-KR" dirty="0" smtClean="0">
+              <a:ea typeface="굴림" pitchFamily="50" charset="-127"/>
+            </a:endParaRPr>
+          </a:p>
+          <a:p>
+            <a:pPr eaLnBrk="1" hangingPunct="1">
+              <a:defRPr/>
+            </a:pPr>
+            <a:endParaRPr lang="en-US" altLang="ko-KR" sz="1600" dirty="0" smtClean="0">
+              <a:ea typeface="굴림" pitchFamily="50" charset="-127"/>
+            </a:endParaRPr>
           </a:p>
           <a:p>
             <a:pPr>
               <a:defRPr/>
             </a:pPr>
-            <a:r>
-              <a:rPr lang="en-US" altLang="ko-KR" b="1" dirty="0">
-                <a:ea typeface="굴림" panose="020B0600000101010101" pitchFamily="50" charset="-127"/>
-              </a:rPr>
-              <a:t>It can be expressed as:</a:t>
-            </a:r>
-          </a:p>
-          <a:p>
-            <a:pPr eaLnBrk="1" hangingPunct="1">
-              <a:defRPr/>
-            </a:pPr>
-            <a:endParaRPr lang="en-US" altLang="ko-KR" dirty="0">
-              <a:ea typeface="굴림" pitchFamily="50" charset="-127"/>
-            </a:endParaRPr>
-          </a:p>
-          <a:p>
-            <a:pPr eaLnBrk="1" hangingPunct="1">
-              <a:defRPr/>
-            </a:pPr>
-            <a:endParaRPr lang="en-US" altLang="ko-KR" sz="1600" dirty="0">
-              <a:ea typeface="굴림" pitchFamily="50" charset="-127"/>
-            </a:endParaRPr>
-          </a:p>
-          <a:p>
-            <a:pPr>
-              <a:defRPr/>
-            </a:pPr>
-            <a:endParaRPr lang="en-US" altLang="ko-KR" dirty="0"/>
+            <a:endParaRPr lang="en-US" altLang="ko-KR" dirty="0" smtClean="0"/>
           </a:p>
         </p:txBody>
       </p:sp>
@@ -10972,12 +10837,12 @@
           <a:graphicData uri="http://schemas.openxmlformats.org/presentationml/2006/ole">
             <mc:AlternateContent xmlns:mc="http://schemas.openxmlformats.org/markup-compatibility/2006">
               <mc:Choice xmlns:v="urn:schemas-microsoft-com:vml" Requires="v">
-                <p:oleObj name="Equation" r:id="rId2" imgW="558558" imgH="431613" progId="Equation.DSMT4">
+                <p:oleObj spid="_x0000_s4110" name="Equation" r:id="rId3" imgW="558558" imgH="431613" progId="Equation.DSMT4">
                   <p:embed/>
                 </p:oleObj>
               </mc:Choice>
               <mc:Fallback>
-                <p:oleObj name="Equation" r:id="rId2" imgW="558558" imgH="431613" progId="Equation.DSMT4">
+                <p:oleObj name="Equation" r:id="rId3" imgW="558558" imgH="431613" progId="Equation.DSMT4">
                   <p:embed/>
                   <p:pic>
                     <p:nvPicPr>
@@ -10988,7 +10853,7 @@
                       <p:nvPr/>
                     </p:nvPicPr>
                     <p:blipFill>
-                      <a:blip r:embed="rId3">
+                      <a:blip r:embed="rId4">
                         <a:extLst>
                           <a:ext uri="{28A0092B-C50C-407E-A947-70E740481C1C}">
                             <a14:useLocalDpi xmlns:a14="http://schemas.microsoft.com/office/drawing/2010/main" val="0"/>
@@ -11030,7 +10895,7 @@
           <p:nvPr/>
         </p:nvPicPr>
         <p:blipFill>
-          <a:blip r:embed="rId4"/>
+          <a:blip r:embed="rId5"/>
           <a:stretch>
             <a:fillRect/>
           </a:stretch>
@@ -11055,18 +10920,14 @@
   <p:clrMapOvr>
     <a:masterClrMapping/>
   </p:clrMapOvr>
-  <mc:AlternateContent xmlns:mc="http://schemas.openxmlformats.org/markup-compatibility/2006">
-    <mc:Choice xmlns:p159="http://schemas.microsoft.com/office/powerpoint/2015/09/main" Requires="p159">
-      <p:transition spd="slow">
-        <p159:morph option="byChar"/>
-      </p:transition>
-    </mc:Choice>
-    <mc:Fallback>
-      <p:transition spd="slow">
-        <p:fade/>
-      </p:transition>
-    </mc:Fallback>
-  </mc:AlternateContent>
+  <p:transition spd="med"/>
+  <p:timing>
+    <p:tnLst>
+      <p:par>
+        <p:cTn id="1" dur="indefinite" restart="never" nodeType="tmRoot"/>
+      </p:par>
+    </p:tnLst>
+  </p:timing>
 </p:sld>
 </file>
 
@@ -11103,12 +10964,12 @@
           <a:lstStyle/>
           <a:p>
             <a:r>
-              <a:rPr lang="en-US" altLang="ko-KR" dirty="0">
+              <a:rPr lang="en-US" altLang="ko-KR" dirty="0" smtClean="0">
                 <a:ea typeface="굴림" panose="020B0600000101010101" pitchFamily="50" charset="-127"/>
               </a:rPr>
               <a:t>KCL, Example 2.4</a:t>
             </a:r>
-            <a:endParaRPr lang="ko-KR" altLang="en-US" dirty="0"/>
+            <a:endParaRPr lang="ko-KR" altLang="en-US" dirty="0" smtClean="0"/>
           </a:p>
         </p:txBody>
       </p:sp>
@@ -11138,7 +10999,7 @@
                   <a:defRPr/>
                 </a:pPr>
                 <a:r>
-                  <a:rPr lang="en-US" altLang="ko-KR" sz="2000" b="1" dirty="0">
+                  <a:rPr lang="en-US" altLang="ko-KR" sz="2000" b="1" dirty="0" smtClean="0">
                     <a:ea typeface="굴림" pitchFamily="50" charset="-127"/>
                   </a:rPr>
                   <a:t>Node A </a:t>
@@ -11386,7 +11247,7 @@
                     </m:oMath>
                   </m:oMathPara>
                 </a14:m>
-                <a:endParaRPr lang="en-US" altLang="ko-KR" sz="2000" b="1" dirty="0">
+                <a:endParaRPr lang="en-US" altLang="ko-KR" sz="2000" b="1" dirty="0" smtClean="0">
                   <a:ea typeface="굴림" pitchFamily="50" charset="-127"/>
                 </a:endParaRPr>
               </a:p>
@@ -11396,7 +11257,7 @@
                   <a:defRPr/>
                 </a:pPr>
                 <a:r>
-                  <a:rPr lang="en-US" altLang="ko-KR" sz="2000" b="1" dirty="0">
+                  <a:rPr lang="en-US" altLang="ko-KR" sz="2000" b="1" dirty="0" smtClean="0">
                     <a:ea typeface="굴림" pitchFamily="50" charset="-127"/>
                   </a:rPr>
                   <a:t>        </a:t>
@@ -11494,7 +11355,13 @@
                   <a:rPr lang="en-US" altLang="ko-KR" sz="2000" b="1" dirty="0">
                     <a:ea typeface="굴림" pitchFamily="50" charset="-127"/>
                   </a:rPr>
-                  <a:t>Node B</a:t>
+                  <a:t>Node </a:t>
+                </a:r>
+                <a:r>
+                  <a:rPr lang="en-US" altLang="ko-KR" sz="2000" b="1" dirty="0" smtClean="0">
+                    <a:ea typeface="굴림" pitchFamily="50" charset="-127"/>
+                  </a:rPr>
+                  <a:t>B</a:t>
                 </a:r>
               </a:p>
               <a:p>
@@ -11581,7 +11448,7 @@
                     </m:oMath>
                   </m:oMathPara>
                 </a14:m>
-                <a:endParaRPr lang="en-US" altLang="ko-KR" sz="2000" b="1" dirty="0">
+                <a:endParaRPr lang="en-US" altLang="ko-KR" sz="2000" b="1" dirty="0" smtClean="0">
                   <a:ea typeface="굴림" pitchFamily="50" charset="-127"/>
                 </a:endParaRPr>
               </a:p>
@@ -11595,6 +11462,9 @@
                   </a:rPr>
                   <a:t>Node C </a:t>
                 </a:r>
+                <a:endParaRPr lang="en-US" altLang="ko-KR" sz="2000" b="1" dirty="0" smtClean="0">
+                  <a:ea typeface="굴림" pitchFamily="50" charset="-127"/>
+                </a:endParaRPr>
               </a:p>
               <a:p>
                 <a:pPr marL="0" indent="0" algn="ctr">
@@ -11734,7 +11604,19 @@
                   <a:rPr lang="en-US" altLang="ko-KR" sz="2000" b="1" dirty="0">
                     <a:ea typeface="굴림" pitchFamily="50" charset="-127"/>
                   </a:rPr>
-                  <a:t>Node D  </a:t>
+                  <a:t>Node </a:t>
+                </a:r>
+                <a:r>
+                  <a:rPr lang="en-US" altLang="ko-KR" sz="2000" b="1" dirty="0" smtClean="0">
+                    <a:ea typeface="굴림" pitchFamily="50" charset="-127"/>
+                  </a:rPr>
+                  <a:t>D</a:t>
+                </a:r>
+                <a:r>
+                  <a:rPr lang="en-US" altLang="ko-KR" sz="2000" b="1" dirty="0">
+                    <a:ea typeface="굴림" pitchFamily="50" charset="-127"/>
+                  </a:rPr>
+                  <a:t>  </a:t>
                 </a:r>
                 <a14:m>
                   <m:oMath xmlns:m="http://schemas.openxmlformats.org/officeDocument/2006/math">
@@ -11747,7 +11629,7 @@
                     </m:r>
                   </m:oMath>
                 </a14:m>
-                <a:endParaRPr lang="en-US" altLang="ko-KR" sz="2000" b="1" dirty="0">
+                <a:endParaRPr lang="en-US" altLang="ko-KR" sz="2000" b="1" dirty="0" smtClean="0">
                   <a:latin typeface="Cambria Math" panose="02040503050406030204" pitchFamily="18" charset="0"/>
                   <a:ea typeface="굴림" pitchFamily="50" charset="-127"/>
                 </a:endParaRPr>
@@ -11869,7 +11751,19 @@
                   <a:rPr lang="en-US" altLang="ko-KR" sz="2000" b="1" dirty="0">
                     <a:ea typeface="굴림" pitchFamily="50" charset="-127"/>
                   </a:rPr>
-                  <a:t>Node E  </a:t>
+                  <a:t>Node </a:t>
+                </a:r>
+                <a:r>
+                  <a:rPr lang="en-US" altLang="ko-KR" sz="2000" b="1" dirty="0" smtClean="0">
+                    <a:ea typeface="굴림" pitchFamily="50" charset="-127"/>
+                  </a:rPr>
+                  <a:t>E</a:t>
+                </a:r>
+                <a:r>
+                  <a:rPr lang="en-US" altLang="ko-KR" sz="2000" b="1" dirty="0">
+                    <a:ea typeface="굴림" pitchFamily="50" charset="-127"/>
+                  </a:rPr>
+                  <a:t>  </a:t>
                 </a:r>
                 <a14:m>
                   <m:oMath xmlns:m="http://schemas.openxmlformats.org/officeDocument/2006/math">
@@ -11882,7 +11776,7 @@
                     </m:r>
                   </m:oMath>
                 </a14:m>
-                <a:endParaRPr lang="en-US" altLang="ko-KR" sz="2000" b="1" dirty="0">
+                <a:endParaRPr lang="en-US" altLang="ko-KR" sz="2000" b="1" dirty="0" smtClean="0">
                   <a:latin typeface="Cambria Math" panose="02040503050406030204" pitchFamily="18" charset="0"/>
                   <a:ea typeface="굴림" pitchFamily="50" charset="-127"/>
                 </a:endParaRPr>
@@ -11992,7 +11886,7 @@
                     </m:oMath>
                   </m:oMathPara>
                 </a14:m>
-                <a:endParaRPr lang="en-US" altLang="ko-KR" sz="2000" b="1" dirty="0">
+                <a:endParaRPr lang="en-US" altLang="ko-KR" sz="2000" b="1" dirty="0" smtClean="0">
                   <a:ea typeface="굴림" pitchFamily="50" charset="-127"/>
                 </a:endParaRPr>
               </a:p>
@@ -12001,7 +11895,7 @@
                   <a:buNone/>
                   <a:defRPr/>
                 </a:pPr>
-                <a:endParaRPr lang="en-US" altLang="ko-KR" sz="2000" b="1" i="1" dirty="0">
+                <a:endParaRPr lang="en-US" altLang="ko-KR" sz="2000" b="1" i="1" dirty="0" smtClean="0">
                   <a:latin typeface="Cambria Math" panose="02040503050406030204" pitchFamily="18" charset="0"/>
                   <a:ea typeface="Cambria Math" panose="02040503050406030204" pitchFamily="18" charset="0"/>
                 </a:endParaRPr>
@@ -12254,7 +12148,7 @@
                   <a:buNone/>
                   <a:defRPr/>
                 </a:pPr>
-                <a:endParaRPr lang="en-US" altLang="ko-KR" sz="2000" b="1" dirty="0">
+                <a:endParaRPr lang="en-US" altLang="ko-KR" sz="2000" b="1" dirty="0" smtClean="0">
                   <a:ea typeface="굴림" pitchFamily="50" charset="-127"/>
                 </a:endParaRPr>
               </a:p>
@@ -12262,7 +12156,7 @@
                 <a:pPr>
                   <a:defRPr/>
                 </a:pPr>
-                <a:endParaRPr lang="en-US" altLang="ko-KR" sz="2000" b="1" dirty="0">
+                <a:endParaRPr lang="en-US" altLang="ko-KR" sz="2000" b="1" dirty="0" smtClean="0">
                   <a:ea typeface="굴림" pitchFamily="50" charset="-127"/>
                 </a:endParaRPr>
               </a:p>
@@ -12377,18 +12271,14 @@
   <p:clrMapOvr>
     <a:masterClrMapping/>
   </p:clrMapOvr>
-  <mc:AlternateContent xmlns:mc="http://schemas.openxmlformats.org/markup-compatibility/2006">
-    <mc:Choice xmlns:p159="http://schemas.microsoft.com/office/powerpoint/2015/09/main" Requires="p159">
-      <p:transition spd="slow">
-        <p159:morph option="byChar"/>
-      </p:transition>
-    </mc:Choice>
-    <mc:Fallback>
-      <p:transition spd="slow">
-        <p:fade/>
-      </p:transition>
-    </mc:Fallback>
-  </mc:AlternateContent>
+  <p:transition spd="med"/>
+  <p:timing>
+    <p:tnLst>
+      <p:par>
+        <p:cTn id="1" dur="indefinite" restart="never" nodeType="tmRoot"/>
+      </p:par>
+    </p:tnLst>
+  </p:timing>
 </p:sld>
 </file>
 
@@ -12425,12 +12315,12 @@
           <a:lstStyle/>
           <a:p>
             <a:r>
-              <a:rPr lang="en-US" altLang="ko-KR" sz="2400" dirty="0">
+              <a:rPr lang="en-US" altLang="ko-KR" sz="2400" dirty="0" smtClean="0">
                 <a:ea typeface="굴림" panose="020B0600000101010101" pitchFamily="50" charset="-127"/>
               </a:rPr>
               <a:t>Kirchhoff’s Law</a:t>
             </a:r>
-            <a:endParaRPr lang="ko-KR" altLang="en-US" sz="2400" dirty="0"/>
+            <a:endParaRPr lang="ko-KR" altLang="en-US" sz="2400" dirty="0" smtClean="0"/>
           </a:p>
         </p:txBody>
       </p:sp>
@@ -12460,7 +12350,7 @@
               <a:defRPr/>
             </a:pPr>
             <a:r>
-              <a:rPr lang="en-US" altLang="ko-KR" sz="2800" b="1" dirty="0">
+              <a:rPr lang="en-US" altLang="ko-KR" sz="2800" b="1" dirty="0" smtClean="0">
                 <a:solidFill>
                   <a:srgbClr val="0070C0"/>
                 </a:solidFill>
@@ -12506,14 +12396,44 @@
                 </a:solidFill>
                 <a:ea typeface="굴림" panose="020B0600000101010101" pitchFamily="50" charset="-127"/>
               </a:rPr>
-              <a:t>algebraic sum of voltages around any loop is zero</a:t>
-            </a:r>
-            <a:r>
-              <a:rPr lang="en-US" altLang="ko-KR" b="1" dirty="0">
+              <a:t>algebraic sum </a:t>
+            </a:r>
+            <a:r>
+              <a:rPr lang="en-US" altLang="ko-KR" b="1" i="1" dirty="0" smtClean="0">
+                <a:solidFill>
+                  <a:srgbClr val="A50021"/>
+                </a:solidFill>
+                <a:ea typeface="굴림" panose="020B0600000101010101" pitchFamily="50" charset="-127"/>
+              </a:rPr>
+              <a:t>of voltages </a:t>
+            </a:r>
+            <a:r>
+              <a:rPr lang="en-US" altLang="ko-KR" b="1" i="1" dirty="0">
+                <a:solidFill>
+                  <a:srgbClr val="A50021"/>
+                </a:solidFill>
+                <a:ea typeface="굴림" panose="020B0600000101010101" pitchFamily="50" charset="-127"/>
+              </a:rPr>
+              <a:t>around </a:t>
+            </a:r>
+            <a:r>
+              <a:rPr lang="en-US" altLang="ko-KR" b="1" i="1" dirty="0" smtClean="0">
+                <a:solidFill>
+                  <a:srgbClr val="A50021"/>
+                </a:solidFill>
+                <a:ea typeface="굴림" panose="020B0600000101010101" pitchFamily="50" charset="-127"/>
+              </a:rPr>
+              <a:t>any loop is zero</a:t>
+            </a:r>
+            <a:r>
+              <a:rPr lang="en-US" altLang="ko-KR" b="1" dirty="0" smtClean="0">
                 <a:ea typeface="굴림" panose="020B0600000101010101" pitchFamily="50" charset="-127"/>
               </a:rPr>
               <a:t>.</a:t>
             </a:r>
+            <a:endParaRPr lang="en-US" altLang="ko-KR" b="1" dirty="0">
+              <a:ea typeface="굴림" panose="020B0600000101010101" pitchFamily="50" charset="-127"/>
+            </a:endParaRPr>
           </a:p>
           <a:p>
             <a:pPr>
@@ -12530,7 +12450,7 @@
             <a:pPr eaLnBrk="1" hangingPunct="1">
               <a:defRPr/>
             </a:pPr>
-            <a:endParaRPr lang="en-US" altLang="ko-KR" dirty="0">
+            <a:endParaRPr lang="en-US" altLang="ko-KR" dirty="0" smtClean="0">
               <a:ea typeface="굴림" pitchFamily="50" charset="-127"/>
             </a:endParaRPr>
           </a:p>
@@ -12538,7 +12458,7 @@
             <a:pPr eaLnBrk="1" hangingPunct="1">
               <a:defRPr/>
             </a:pPr>
-            <a:endParaRPr lang="en-US" altLang="ko-KR" sz="1600" dirty="0">
+            <a:endParaRPr lang="en-US" altLang="ko-KR" sz="1600" dirty="0" smtClean="0">
               <a:ea typeface="굴림" pitchFamily="50" charset="-127"/>
             </a:endParaRPr>
           </a:p>
@@ -12546,7 +12466,7 @@
             <a:pPr>
               <a:defRPr/>
             </a:pPr>
-            <a:endParaRPr lang="en-US" altLang="ko-KR" dirty="0"/>
+            <a:endParaRPr lang="en-US" altLang="ko-KR" dirty="0" smtClean="0"/>
           </a:p>
         </p:txBody>
       </p:sp>
@@ -12572,12 +12492,12 @@
           <a:graphicData uri="http://schemas.openxmlformats.org/presentationml/2006/ole">
             <mc:AlternateContent xmlns:mc="http://schemas.openxmlformats.org/markup-compatibility/2006">
               <mc:Choice xmlns:v="urn:schemas-microsoft-com:vml" Requires="v">
-                <p:oleObj name="Equation" r:id="rId2" imgW="596900" imgH="431800" progId="Equation.DSMT4">
+                <p:oleObj spid="_x0000_s5132" name="Equation" r:id="rId3" imgW="596900" imgH="431800" progId="Equation.DSMT4">
                   <p:embed/>
                 </p:oleObj>
               </mc:Choice>
               <mc:Fallback>
-                <p:oleObj name="Equation" r:id="rId2" imgW="596900" imgH="431800" progId="Equation.DSMT4">
+                <p:oleObj name="Equation" r:id="rId3" imgW="596900" imgH="431800" progId="Equation.DSMT4">
                   <p:embed/>
                   <p:pic>
                     <p:nvPicPr>
@@ -12588,7 +12508,7 @@
                       <p:nvPr/>
                     </p:nvPicPr>
                     <p:blipFill>
-                      <a:blip r:embed="rId3">
+                      <a:blip r:embed="rId4">
                         <a:extLst>
                           <a:ext uri="{28A0092B-C50C-407E-A947-70E740481C1C}">
                             <a14:useLocalDpi xmlns:a14="http://schemas.microsoft.com/office/drawing/2010/main" val="0"/>
@@ -12630,7 +12550,7 @@
           <p:nvPr/>
         </p:nvPicPr>
         <p:blipFill>
-          <a:blip r:embed="rId4"/>
+          <a:blip r:embed="rId5"/>
           <a:stretch>
             <a:fillRect/>
           </a:stretch>
@@ -12655,18 +12575,14 @@
   <p:clrMapOvr>
     <a:masterClrMapping/>
   </p:clrMapOvr>
-  <mc:AlternateContent xmlns:mc="http://schemas.openxmlformats.org/markup-compatibility/2006">
-    <mc:Choice xmlns:p159="http://schemas.microsoft.com/office/powerpoint/2015/09/main" Requires="p159">
-      <p:transition spd="slow">
-        <p159:morph option="byChar"/>
-      </p:transition>
-    </mc:Choice>
-    <mc:Fallback>
-      <p:transition spd="slow">
-        <p:fade/>
-      </p:transition>
-    </mc:Fallback>
-  </mc:AlternateContent>
+  <p:transition spd="med"/>
+  <p:timing>
+    <p:tnLst>
+      <p:par>
+        <p:cTn id="1" dur="indefinite" restart="never" nodeType="tmRoot"/>
+      </p:par>
+    </p:tnLst>
+  </p:timing>
 </p:sld>
 </file>
 
@@ -12703,12 +12619,12 @@
           <a:lstStyle/>
           <a:p>
             <a:r>
-              <a:rPr lang="en-US" altLang="ko-KR" dirty="0">
+              <a:rPr lang="en-US" altLang="ko-KR" dirty="0" smtClean="0">
                 <a:ea typeface="굴림" panose="020B0600000101010101" pitchFamily="50" charset="-127"/>
               </a:rPr>
               <a:t>KVL, Example 2.5</a:t>
             </a:r>
-            <a:endParaRPr lang="ko-KR" altLang="en-US" dirty="0"/>
+            <a:endParaRPr lang="ko-KR" altLang="en-US" dirty="0" smtClean="0"/>
           </a:p>
         </p:txBody>
       </p:sp>
@@ -12739,7 +12655,7 @@
                   <a:defRPr/>
                 </a:pPr>
                 <a:r>
-                  <a:rPr lang="en-US" altLang="ko-KR" sz="2800" b="1" dirty="0">
+                  <a:rPr lang="en-US" altLang="ko-KR" sz="2800" b="1" dirty="0" smtClean="0">
                     <a:solidFill>
                       <a:srgbClr val="0070C0"/>
                     </a:solidFill>
@@ -12752,7 +12668,7 @@
                 <a:pPr>
                   <a:defRPr/>
                 </a:pPr>
-                <a:endParaRPr lang="en-US" altLang="ko-KR" sz="2000" b="1" dirty="0">
+                <a:endParaRPr lang="en-US" altLang="ko-KR" sz="2000" b="1" dirty="0" smtClean="0">
                   <a:ea typeface="굴림" pitchFamily="50" charset="-127"/>
                 </a:endParaRPr>
               </a:p>
@@ -12768,7 +12684,7 @@
                 <a:pPr>
                   <a:defRPr/>
                 </a:pPr>
-                <a:endParaRPr lang="en-US" altLang="ko-KR" sz="2000" b="1" dirty="0">
+                <a:endParaRPr lang="en-US" altLang="ko-KR" sz="2000" b="1" dirty="0" smtClean="0">
                   <a:ea typeface="굴림" pitchFamily="50" charset="-127"/>
                 </a:endParaRPr>
               </a:p>
@@ -12784,7 +12700,7 @@
                 <a:pPr>
                   <a:defRPr/>
                 </a:pPr>
-                <a:endParaRPr lang="en-US" altLang="ko-KR" sz="2000" b="1" dirty="0">
+                <a:endParaRPr lang="en-US" altLang="ko-KR" sz="2000" b="1" dirty="0" smtClean="0">
                   <a:ea typeface="굴림" pitchFamily="50" charset="-127"/>
                 </a:endParaRPr>
               </a:p>
@@ -12793,7 +12709,7 @@
                   <a:defRPr/>
                 </a:pPr>
                 <a:r>
-                  <a:rPr lang="en-US" altLang="ko-KR" sz="2000" b="1" dirty="0">
+                  <a:rPr lang="en-US" altLang="ko-KR" sz="2000" b="1" dirty="0" smtClean="0">
                     <a:ea typeface="굴림" pitchFamily="50" charset="-127"/>
                   </a:rPr>
                   <a:t>From node E, KVL equation is </a:t>
@@ -12992,7 +12908,7 @@
                     </m:oMath>
                   </m:oMathPara>
                 </a14:m>
-                <a:endParaRPr lang="en-US" altLang="ko-KR" sz="2000" b="1" dirty="0">
+                <a:endParaRPr lang="en-US" altLang="ko-KR" sz="2000" b="1" dirty="0" smtClean="0">
                   <a:ea typeface="굴림" pitchFamily="50" charset="-127"/>
                 </a:endParaRPr>
               </a:p>
@@ -13001,7 +12917,7 @@
                   <a:defRPr/>
                 </a:pPr>
                 <a:r>
-                  <a:rPr lang="en-US" altLang="ko-KR" sz="2000" b="1" dirty="0">
+                  <a:rPr lang="en-US" altLang="ko-KR" sz="2000" b="1" dirty="0" smtClean="0">
                     <a:ea typeface="굴림" pitchFamily="50" charset="-127"/>
                   </a:rPr>
                   <a:t>Determine </a:t>
@@ -13038,7 +12954,7 @@
                     </m:sSub>
                   </m:oMath>
                 </a14:m>
-                <a:endParaRPr lang="en-US" altLang="ko-KR" sz="2000" b="1" i="1" dirty="0">
+                <a:endParaRPr lang="en-US" altLang="ko-KR" sz="2000" b="1" i="1" dirty="0" smtClean="0">
                   <a:latin typeface="Cambria Math" panose="02040503050406030204" pitchFamily="18" charset="0"/>
                   <a:ea typeface="굴림" pitchFamily="50" charset="-127"/>
                 </a:endParaRPr>
@@ -13151,10 +13067,16 @@
                   </m:oMath>
                 </a14:m>
                 <a:r>
+                  <a:rPr lang="en-US" altLang="ko-KR" sz="2000" b="1" dirty="0" smtClean="0">
+                    <a:ea typeface="굴림" pitchFamily="50" charset="-127"/>
+                  </a:rPr>
+                  <a:t>,</a:t>
+                </a:r>
+                <a:r>
                   <a:rPr lang="en-US" altLang="ko-KR" sz="2000" b="1" dirty="0">
                     <a:ea typeface="굴림" pitchFamily="50" charset="-127"/>
                   </a:rPr>
-                  <a:t>, </a:t>
+                  <a:t> </a:t>
                 </a:r>
                 <a14:m>
                   <m:oMath xmlns:m="http://schemas.openxmlformats.org/officeDocument/2006/math">
@@ -13224,7 +13146,7 @@
                   </m:oMath>
                 </a14:m>
                 <a:r>
-                  <a:rPr lang="en-US" altLang="ko-KR" sz="2000" b="1" dirty="0">
+                  <a:rPr lang="en-US" altLang="ko-KR" sz="2000" b="1" dirty="0" smtClean="0">
                     <a:ea typeface="굴림" pitchFamily="50" charset="-127"/>
                   </a:rPr>
                   <a:t> </a:t>
@@ -13443,7 +13365,7 @@
                     </m:r>
                   </m:oMath>
                 </a14:m>
-                <a:endParaRPr lang="en-US" altLang="ko-KR" sz="2000" b="1" dirty="0">
+                <a:endParaRPr lang="en-US" altLang="ko-KR" sz="2000" b="1" dirty="0" smtClean="0">
                   <a:ea typeface="굴림" pitchFamily="50" charset="-127"/>
                 </a:endParaRPr>
               </a:p>
@@ -13451,7 +13373,7 @@
                 <a:pPr>
                   <a:defRPr/>
                 </a:pPr>
-                <a:endParaRPr lang="en-US" altLang="ko-KR" sz="2000" b="1" dirty="0">
+                <a:endParaRPr lang="en-US" altLang="ko-KR" sz="2000" b="1" dirty="0" smtClean="0">
                   <a:ea typeface="굴림" pitchFamily="50" charset="-127"/>
                 </a:endParaRPr>
               </a:p>
@@ -13536,18 +13458,14 @@
   <p:clrMapOvr>
     <a:masterClrMapping/>
   </p:clrMapOvr>
-  <mc:AlternateContent xmlns:mc="http://schemas.openxmlformats.org/markup-compatibility/2006">
-    <mc:Choice xmlns:p159="http://schemas.microsoft.com/office/powerpoint/2015/09/main" Requires="p159">
-      <p:transition spd="slow">
-        <p159:morph option="byChar"/>
-      </p:transition>
-    </mc:Choice>
-    <mc:Fallback>
-      <p:transition spd="slow">
-        <p:fade/>
-      </p:transition>
-    </mc:Fallback>
-  </mc:AlternateContent>
+  <p:transition spd="med"/>
+  <p:timing>
+    <p:tnLst>
+      <p:par>
+        <p:cTn id="1" dur="indefinite" restart="never" nodeType="tmRoot"/>
+      </p:par>
+    </p:tnLst>
+  </p:timing>
 </p:sld>
 </file>
 
@@ -13584,12 +13502,12 @@
           <a:lstStyle/>
           <a:p>
             <a:r>
-              <a:rPr lang="en-US" altLang="ko-KR" dirty="0">
+              <a:rPr lang="en-US" altLang="ko-KR" dirty="0" smtClean="0">
                 <a:ea typeface="굴림" panose="020B0600000101010101" pitchFamily="50" charset="-127"/>
               </a:rPr>
               <a:t>KVL, Single Loop Circuit</a:t>
             </a:r>
-            <a:endParaRPr lang="ko-KR" altLang="en-US" dirty="0"/>
+            <a:endParaRPr lang="ko-KR" altLang="en-US" dirty="0" smtClean="0"/>
           </a:p>
         </p:txBody>
       </p:sp>
@@ -13620,7 +13538,7 @@
                   <a:defRPr/>
                 </a:pPr>
                 <a:r>
-                  <a:rPr lang="en-US" altLang="ko-KR" sz="2800" b="1" dirty="0">
+                  <a:rPr lang="en-US" altLang="ko-KR" sz="2800" b="1" dirty="0" smtClean="0">
                     <a:solidFill>
                       <a:srgbClr val="0070C0"/>
                     </a:solidFill>
@@ -13633,7 +13551,7 @@
                 <a:pPr>
                   <a:defRPr/>
                 </a:pPr>
-                <a:endParaRPr lang="en-US" altLang="ko-KR" sz="2000" b="1" dirty="0">
+                <a:endParaRPr lang="en-US" altLang="ko-KR" sz="2000" b="1" dirty="0" smtClean="0">
                   <a:ea typeface="굴림" pitchFamily="50" charset="-127"/>
                 </a:endParaRPr>
               </a:p>
@@ -13649,7 +13567,7 @@
                 <a:pPr>
                   <a:defRPr/>
                 </a:pPr>
-                <a:endParaRPr lang="en-US" altLang="ko-KR" sz="2000" b="1" dirty="0">
+                <a:endParaRPr lang="en-US" altLang="ko-KR" sz="2000" b="1" dirty="0" smtClean="0">
                   <a:ea typeface="굴림" pitchFamily="50" charset="-127"/>
                 </a:endParaRPr>
               </a:p>
@@ -13665,7 +13583,7 @@
                 <a:pPr>
                   <a:defRPr/>
                 </a:pPr>
-                <a:endParaRPr lang="en-US" altLang="ko-KR" sz="2000" b="1" dirty="0">
+                <a:endParaRPr lang="en-US" altLang="ko-KR" sz="2000" b="1" dirty="0" smtClean="0">
                   <a:ea typeface="굴림" pitchFamily="50" charset="-127"/>
                 </a:endParaRPr>
               </a:p>
@@ -13674,7 +13592,7 @@
                   <a:buNone/>
                   <a:defRPr/>
                 </a:pPr>
-                <a:endParaRPr lang="en-US" altLang="ko-KR" sz="2000" b="1" i="1" dirty="0">
+                <a:endParaRPr lang="en-US" altLang="ko-KR" sz="2000" b="1" i="1" dirty="0" smtClean="0">
                   <a:ea typeface="굴림" pitchFamily="50" charset="-127"/>
                 </a:endParaRPr>
               </a:p>
@@ -13683,7 +13601,7 @@
                   <a:defRPr/>
                 </a:pPr>
                 <a:r>
-                  <a:rPr lang="en-US" altLang="ko-KR" sz="2000" b="1" dirty="0">
+                  <a:rPr lang="en-US" altLang="ko-KR" sz="2000" b="1" dirty="0" smtClean="0">
                     <a:ea typeface="굴림" pitchFamily="50" charset="-127"/>
                   </a:rPr>
                   <a:t>KVL                              </a:t>
@@ -13982,13 +13900,19 @@
                     </m:r>
                   </m:oMath>
                 </a14:m>
+                <a:r>
+                  <a:rPr lang="en-US" altLang="ko-KR" sz="2000" b="1" i="1" dirty="0" smtClean="0">
+                    <a:ea typeface="굴림" pitchFamily="50" charset="-127"/>
+                  </a:rPr>
+                  <a:t/>
+                </a:r>
                 <a:br>
-                  <a:rPr lang="en-US" altLang="ko-KR" sz="2000" b="1" i="1" dirty="0">
+                  <a:rPr lang="en-US" altLang="ko-KR" sz="2000" b="1" i="1" dirty="0" smtClean="0">
                     <a:ea typeface="굴림" pitchFamily="50" charset="-127"/>
                   </a:rPr>
                 </a:br>
                 <a:r>
-                  <a:rPr lang="en-US" altLang="ko-KR" sz="2000" b="1" i="1" dirty="0">
+                  <a:rPr lang="en-US" altLang="ko-KR" sz="2000" b="1" i="1" dirty="0" smtClean="0">
                     <a:ea typeface="굴림" pitchFamily="50" charset="-127"/>
                   </a:rPr>
                   <a:t>with Ohm’s Law          </a:t>
@@ -14302,7 +14226,7 @@
                     </m:r>
                   </m:oMath>
                 </a14:m>
-                <a:endParaRPr lang="en-US" altLang="ko-KR" sz="2000" b="1" i="1" dirty="0">
+                <a:endParaRPr lang="en-US" altLang="ko-KR" sz="2000" b="1" i="1" dirty="0" smtClean="0">
                   <a:ea typeface="굴림" pitchFamily="50" charset="-127"/>
                 </a:endParaRPr>
               </a:p>
@@ -14312,19 +14236,19 @@
                   <a:defRPr/>
                 </a:pPr>
                 <a:r>
-                  <a:rPr lang="en-US" altLang="ko-KR" sz="2000" b="1" dirty="0">
+                  <a:rPr lang="en-US" altLang="ko-KR" sz="2000" b="1" dirty="0" smtClean="0">
                     <a:ea typeface="굴림" pitchFamily="50" charset="-127"/>
                   </a:rPr>
                   <a:t>     </a:t>
                 </a:r>
                 <a:r>
-                  <a:rPr lang="en-US" altLang="ko-KR" sz="2000" b="1" i="1" dirty="0">
+                  <a:rPr lang="en-US" altLang="ko-KR" sz="2000" b="1" i="1" dirty="0" smtClean="0">
                     <a:ea typeface="굴림" pitchFamily="50" charset="-127"/>
                   </a:rPr>
                   <a:t>then</a:t>
                 </a:r>
                 <a:r>
-                  <a:rPr lang="en-US" altLang="ko-KR" sz="2000" b="1" dirty="0">
+                  <a:rPr lang="en-US" altLang="ko-KR" sz="2000" b="1" dirty="0" smtClean="0">
                     <a:ea typeface="굴림" pitchFamily="50" charset="-127"/>
                   </a:rPr>
                   <a:t>                        </a:t>
@@ -14580,10 +14504,22 @@
                   </m:oMath>
                 </a14:m>
                 <a:r>
+                  <a:rPr lang="en-US" altLang="ko-KR" sz="2000" b="1" i="1" dirty="0" smtClean="0">
+                    <a:ea typeface="굴림" pitchFamily="50" charset="-127"/>
+                  </a:rPr>
+                  <a:t> </a:t>
+                </a:r>
+                <a:r>
                   <a:rPr lang="en-US" altLang="ko-KR" sz="2000" b="1" i="1" dirty="0">
                     <a:ea typeface="굴림" pitchFamily="50" charset="-127"/>
                   </a:rPr>
-                  <a:t>      or     </a:t>
+                  <a:t> </a:t>
+                </a:r>
+                <a:r>
+                  <a:rPr lang="en-US" altLang="ko-KR" sz="2000" b="1" i="1" dirty="0" smtClean="0">
+                    <a:ea typeface="굴림" pitchFamily="50" charset="-127"/>
+                  </a:rPr>
+                  <a:t>    or     </a:t>
                 </a:r>
                 <a14:m>
                   <m:oMath xmlns:m="http://schemas.openxmlformats.org/officeDocument/2006/math">
@@ -14709,7 +14645,7 @@
                   <a:defRPr/>
                 </a:pPr>
                 <a:r>
-                  <a:rPr lang="en-US" altLang="ko-KR" sz="2000" b="1" i="1" dirty="0">
+                  <a:rPr lang="en-US" altLang="ko-KR" sz="2000" b="1" i="1" dirty="0" smtClean="0">
                     <a:ea typeface="굴림" pitchFamily="50" charset="-127"/>
                   </a:rPr>
                   <a:t>     where                   </a:t>
@@ -14865,7 +14801,7 @@
                   </m:oMath>
                 </a14:m>
                 <a:r>
-                  <a:rPr lang="en-US" altLang="ko-KR" sz="2000" b="1" i="1" dirty="0">
+                  <a:rPr lang="en-US" altLang="ko-KR" sz="2000" b="1" i="1" dirty="0" smtClean="0">
                     <a:ea typeface="굴림" pitchFamily="50" charset="-127"/>
                   </a:rPr>
                   <a:t>    and    </a:t>
@@ -15037,7 +14973,7 @@
                 <a:pPr>
                   <a:defRPr/>
                 </a:pPr>
-                <a:endParaRPr lang="en-US" altLang="ko-KR" sz="2000" b="1" i="1" dirty="0">
+                <a:endParaRPr lang="en-US" altLang="ko-KR" sz="2000" b="1" i="1" dirty="0" smtClean="0">
                   <a:solidFill>
                     <a:srgbClr val="A50021"/>
                   </a:solidFill>
@@ -15049,7 +14985,7 @@
                   <a:defRPr/>
                 </a:pPr>
                 <a:r>
-                  <a:rPr lang="en-US" altLang="ko-KR" sz="2000" b="1" i="1" dirty="0">
+                  <a:rPr lang="en-US" altLang="ko-KR" sz="2000" b="1" i="1" dirty="0" smtClean="0">
                     <a:solidFill>
                       <a:srgbClr val="A50021"/>
                     </a:solidFill>
@@ -15220,7 +15156,7 @@
                     </m:sSub>
                   </m:oMath>
                 </a14:m>
-                <a:endParaRPr lang="en-US" altLang="ko-KR" sz="2000" b="1" i="1" dirty="0">
+                <a:endParaRPr lang="en-US" altLang="ko-KR" sz="2000" b="1" i="1" dirty="0" smtClean="0">
                   <a:ea typeface="굴림" pitchFamily="50" charset="-127"/>
                 </a:endParaRPr>
               </a:p>
@@ -15228,7 +15164,7 @@
                 <a:pPr>
                   <a:defRPr/>
                 </a:pPr>
-                <a:endParaRPr lang="en-US" altLang="ko-KR" sz="2000" b="1" dirty="0">
+                <a:endParaRPr lang="en-US" altLang="ko-KR" sz="2000" b="1" dirty="0" smtClean="0">
                   <a:ea typeface="굴림" pitchFamily="50" charset="-127"/>
                 </a:endParaRPr>
               </a:p>
@@ -15355,18 +15291,14 @@
   <p:clrMapOvr>
     <a:masterClrMapping/>
   </p:clrMapOvr>
-  <mc:AlternateContent xmlns:mc="http://schemas.openxmlformats.org/markup-compatibility/2006">
-    <mc:Choice xmlns:p159="http://schemas.microsoft.com/office/powerpoint/2015/09/main" Requires="p159">
-      <p:transition spd="slow">
-        <p159:morph option="byChar"/>
-      </p:transition>
-    </mc:Choice>
-    <mc:Fallback>
-      <p:transition spd="slow">
-        <p:fade/>
-      </p:transition>
-    </mc:Fallback>
-  </mc:AlternateContent>
+  <p:transition spd="med"/>
+  <p:timing>
+    <p:tnLst>
+      <p:par>
+        <p:cTn id="1" dur="indefinite" restart="never" nodeType="tmRoot"/>
+      </p:par>
+    </p:tnLst>
+  </p:timing>
 </p:sld>
 </file>
 
@@ -15403,12 +15335,12 @@
           <a:lstStyle/>
           <a:p>
             <a:r>
-              <a:rPr lang="en-US" altLang="ko-KR" dirty="0">
+              <a:rPr lang="en-US" altLang="ko-KR" dirty="0" smtClean="0">
                 <a:ea typeface="굴림" panose="020B0600000101010101" pitchFamily="50" charset="-127"/>
               </a:rPr>
               <a:t>Series Resistors</a:t>
             </a:r>
-            <a:endParaRPr lang="ko-KR" altLang="en-US" dirty="0"/>
+            <a:endParaRPr lang="ko-KR" altLang="en-US" dirty="0" smtClean="0"/>
           </a:p>
         </p:txBody>
       </p:sp>
@@ -15437,7 +15369,7 @@
               <a:defRPr/>
             </a:pPr>
             <a:r>
-              <a:rPr lang="en-US" altLang="ko-KR" sz="2800" b="1" dirty="0">
+              <a:rPr lang="en-US" altLang="ko-KR" sz="2800" b="1" dirty="0" smtClean="0">
                 <a:solidFill>
                   <a:srgbClr val="0070C0"/>
                 </a:solidFill>
@@ -15451,7 +15383,7 @@
               <a:defRPr/>
             </a:pPr>
             <a:r>
-              <a:rPr lang="en-US" altLang="ko-KR" sz="2000" b="1" i="1" dirty="0">
+              <a:rPr lang="en-US" altLang="ko-KR" sz="2000" b="1" i="1" dirty="0" smtClean="0">
                 <a:solidFill>
                   <a:srgbClr val="A50021"/>
                 </a:solidFill>
@@ -15459,52 +15391,125 @@
               </a:rPr>
               <a:t>Resistors in series add, and voltage sources in series add algebraically.</a:t>
             </a:r>
+            <a:endParaRPr lang="en-US" altLang="ko-KR" sz="2000" b="1" i="1" dirty="0">
+              <a:solidFill>
+                <a:srgbClr val="A50021"/>
+              </a:solidFill>
+              <a:ea typeface="굴림" panose="020B0600000101010101" pitchFamily="50" charset="-127"/>
+            </a:endParaRPr>
           </a:p>
           <a:p>
             <a:pPr>
               <a:defRPr/>
             </a:pPr>
             <a:r>
+              <a:rPr lang="en-US" altLang="ko-KR" sz="2000" b="1" dirty="0" smtClean="0">
+                <a:ea typeface="굴림" panose="020B0600000101010101" pitchFamily="50" charset="-127"/>
+              </a:rPr>
+              <a:t>In the circuit shown, applying </a:t>
+            </a:r>
+            <a:r>
               <a:rPr lang="en-US" altLang="ko-KR" sz="2000" b="1" dirty="0">
                 <a:ea typeface="굴림" panose="020B0600000101010101" pitchFamily="50" charset="-127"/>
               </a:rPr>
-              <a:t>In the circuit shown, applying Ohm’s law to </a:t>
+              <a:t>Ohm’s law to </a:t>
+            </a:r>
+            <a:r>
+              <a:rPr lang="en-US" altLang="ko-KR" sz="2000" b="1" dirty="0" smtClean="0">
+                <a:ea typeface="굴림" panose="020B0600000101010101" pitchFamily="50" charset="-127"/>
+              </a:rPr>
+              <a:t/>
             </a:r>
             <a:br>
+              <a:rPr lang="en-US" altLang="ko-KR" sz="2000" b="1" dirty="0" smtClean="0">
+                <a:ea typeface="굴림" panose="020B0600000101010101" pitchFamily="50" charset="-127"/>
+              </a:rPr>
+            </a:br>
+            <a:r>
+              <a:rPr lang="en-US" altLang="ko-KR" sz="2000" b="1" dirty="0" smtClean="0">
+                <a:ea typeface="굴림" panose="020B0600000101010101" pitchFamily="50" charset="-127"/>
+              </a:rPr>
+              <a:t>both resistors;</a:t>
+            </a:r>
+            <a:endParaRPr lang="en-US" altLang="ko-KR" sz="2000" b="1" dirty="0">
+              <a:ea typeface="굴림" panose="020B0600000101010101" pitchFamily="50" charset="-127"/>
+            </a:endParaRPr>
+          </a:p>
+          <a:p>
+            <a:pPr>
+              <a:defRPr/>
+            </a:pPr>
+            <a:r>
+              <a:rPr lang="en-US" altLang="ko-KR" sz="2000" b="1" dirty="0" smtClean="0">
+                <a:ea typeface="굴림" panose="020B0600000101010101" pitchFamily="50" charset="-127"/>
+              </a:rPr>
+              <a:t>If </a:t>
+            </a:r>
+            <a:r>
               <a:rPr lang="en-US" altLang="ko-KR" sz="2000" b="1" dirty="0">
                 <a:ea typeface="굴림" panose="020B0600000101010101" pitchFamily="50" charset="-127"/>
               </a:rPr>
-            </a:br>
-            <a:r>
-              <a:rPr lang="en-US" altLang="ko-KR" sz="2000" b="1" dirty="0">
-                <a:ea typeface="굴림" panose="020B0600000101010101" pitchFamily="50" charset="-127"/>
-              </a:rPr>
-              <a:t>both resistors;</a:t>
-            </a:r>
+              <a:t>we apply KVL to the loop we have:</a:t>
+            </a:r>
+            <a:endParaRPr lang="en-US" altLang="ko-KR" sz="2000" b="1" dirty="0">
+              <a:ea typeface="굴림" charset="-127"/>
+            </a:endParaRPr>
           </a:p>
           <a:p>
             <a:pPr>
               <a:defRPr/>
             </a:pPr>
             <a:r>
+              <a:rPr lang="en-US" altLang="ko-KR" sz="2000" b="1" dirty="0" smtClean="0">
+                <a:ea typeface="굴림" pitchFamily="50" charset="-127"/>
+              </a:rPr>
+              <a:t>Combining </a:t>
+            </a:r>
+            <a:r>
               <a:rPr lang="en-US" altLang="ko-KR" sz="2000" b="1" dirty="0">
-                <a:ea typeface="굴림" panose="020B0600000101010101" pitchFamily="50" charset="-127"/>
+                <a:ea typeface="굴림" pitchFamily="50" charset="-127"/>
               </a:rPr>
-              <a:t>If we apply KVL to the loop we have:</a:t>
-            </a:r>
-            <a:endParaRPr lang="en-US" altLang="ko-KR" sz="2000" b="1" dirty="0">
-              <a:ea typeface="굴림" charset="-127"/>
-            </a:endParaRPr>
+              <a:t>the two equations:</a:t>
+            </a:r>
           </a:p>
           <a:p>
             <a:pPr>
               <a:defRPr/>
             </a:pPr>
             <a:r>
+              <a:rPr lang="en-US" altLang="ko-KR" sz="2000" b="1" dirty="0" smtClean="0">
+                <a:ea typeface="굴림" pitchFamily="50" charset="-127"/>
+              </a:rPr>
+              <a:t>From </a:t>
+            </a:r>
+            <a:r>
               <a:rPr lang="en-US" altLang="ko-KR" sz="2000" b="1" dirty="0">
                 <a:ea typeface="굴림" pitchFamily="50" charset="-127"/>
               </a:rPr>
-              <a:t>Combining the two equations:</a:t>
+              <a:t>this we can see there is an </a:t>
+            </a:r>
+            <a:r>
+              <a:rPr lang="en-US" altLang="ko-KR" sz="2000" b="1" dirty="0" smtClean="0">
+                <a:ea typeface="굴림" pitchFamily="50" charset="-127"/>
+              </a:rPr>
+              <a:t/>
+            </a:r>
+            <a:br>
+              <a:rPr lang="en-US" altLang="ko-KR" sz="2000" b="1" dirty="0" smtClean="0">
+                <a:ea typeface="굴림" pitchFamily="50" charset="-127"/>
+              </a:rPr>
+            </a:br>
+            <a:r>
+              <a:rPr lang="en-US" altLang="ko-KR" sz="2000" b="1" dirty="0" smtClean="0">
+                <a:ea typeface="굴림" pitchFamily="50" charset="-127"/>
+              </a:rPr>
+              <a:t>equivalent </a:t>
+            </a:r>
+            <a:r>
+              <a:rPr lang="en-US" altLang="ko-KR" sz="2000" b="1" dirty="0">
+                <a:ea typeface="굴림" pitchFamily="50" charset="-127"/>
+              </a:rPr>
+              <a:t>resistance of the two resistors:</a:t>
             </a:r>
           </a:p>
           <a:p>
@@ -15512,29 +15517,7 @@
               <a:defRPr/>
             </a:pPr>
             <a:r>
-              <a:rPr lang="en-US" altLang="ko-KR" sz="2000" b="1" dirty="0">
-                <a:ea typeface="굴림" pitchFamily="50" charset="-127"/>
-              </a:rPr>
-              <a:t>From this we can see there is an </a:t>
-            </a:r>
-            <a:br>
-              <a:rPr lang="en-US" altLang="ko-KR" sz="2000" b="1" dirty="0">
-                <a:ea typeface="굴림" pitchFamily="50" charset="-127"/>
-              </a:rPr>
-            </a:br>
-            <a:r>
-              <a:rPr lang="en-US" altLang="ko-KR" sz="2000" b="1" dirty="0">
-                <a:ea typeface="굴림" pitchFamily="50" charset="-127"/>
-              </a:rPr>
-              <a:t>equivalent resistance of the two resistors:</a:t>
-            </a:r>
-          </a:p>
-          <a:p>
-            <a:pPr>
-              <a:defRPr/>
-            </a:pPr>
-            <a:r>
-              <a:rPr lang="en-US" altLang="ko-KR" sz="2000" b="1" dirty="0">
+              <a:rPr lang="en-US" altLang="ko-KR" sz="2000" b="1" dirty="0" smtClean="0">
                 <a:solidFill>
                   <a:srgbClr val="A50021"/>
                 </a:solidFill>
@@ -15565,7 +15548,7 @@
             <a:pPr>
               <a:defRPr/>
             </a:pPr>
-            <a:endParaRPr lang="en-US" altLang="ko-KR" sz="2000" b="1" dirty="0">
+            <a:endParaRPr lang="en-US" altLang="ko-KR" sz="2000" b="1" dirty="0" smtClean="0">
               <a:ea typeface="굴림" pitchFamily="50" charset="-127"/>
             </a:endParaRPr>
           </a:p>
@@ -15593,12 +15576,12 @@
           <a:graphicData uri="http://schemas.openxmlformats.org/presentationml/2006/ole">
             <mc:AlternateContent xmlns:mc="http://schemas.openxmlformats.org/markup-compatibility/2006">
               <mc:Choice xmlns:v="urn:schemas-microsoft-com:vml" Requires="v">
-                <p:oleObj name="Equation" r:id="rId2" imgW="1091726" imgH="228501" progId="Equation.DSMT4">
+                <p:oleObj spid="_x0000_s6201" name="Equation" r:id="rId3" imgW="1091726" imgH="228501" progId="Equation.DSMT4">
                   <p:embed/>
                 </p:oleObj>
               </mc:Choice>
               <mc:Fallback>
-                <p:oleObj name="Equation" r:id="rId2" imgW="1091726" imgH="228501" progId="Equation.DSMT4">
+                <p:oleObj name="Equation" r:id="rId3" imgW="1091726" imgH="228501" progId="Equation.DSMT4">
                   <p:embed/>
                   <p:pic>
                     <p:nvPicPr>
@@ -15609,7 +15592,7 @@
                       <p:nvPr/>
                     </p:nvPicPr>
                     <p:blipFill>
-                      <a:blip r:embed="rId3">
+                      <a:blip r:embed="rId4">
                         <a:extLst>
                           <a:ext uri="{28A0092B-C50C-407E-A947-70E740481C1C}">
                             <a14:useLocalDpi xmlns:a14="http://schemas.microsoft.com/office/drawing/2010/main" val="0"/>
@@ -15664,12 +15647,12 @@
           <a:graphicData uri="http://schemas.openxmlformats.org/presentationml/2006/ole">
             <mc:AlternateContent xmlns:mc="http://schemas.openxmlformats.org/markup-compatibility/2006">
               <mc:Choice xmlns:v="urn:schemas-microsoft-com:vml" Requires="v">
-                <p:oleObj name="Equation" r:id="rId4" imgW="939800" imgH="228600" progId="Equation.DSMT4">
+                <p:oleObj spid="_x0000_s6202" name="Equation" r:id="rId5" imgW="939800" imgH="228600" progId="Equation.DSMT4">
                   <p:embed/>
                 </p:oleObj>
               </mc:Choice>
               <mc:Fallback>
-                <p:oleObj name="Equation" r:id="rId4" imgW="939800" imgH="228600" progId="Equation.DSMT4">
+                <p:oleObj name="Equation" r:id="rId5" imgW="939800" imgH="228600" progId="Equation.DSMT4">
                   <p:embed/>
                   <p:pic>
                     <p:nvPicPr>
@@ -15680,7 +15663,7 @@
                       <p:nvPr/>
                     </p:nvPicPr>
                     <p:blipFill>
-                      <a:blip r:embed="rId5">
+                      <a:blip r:embed="rId6">
                         <a:extLst>
                           <a:ext uri="{28A0092B-C50C-407E-A947-70E740481C1C}">
                             <a14:useLocalDpi xmlns:a14="http://schemas.microsoft.com/office/drawing/2010/main" val="0"/>
@@ -15735,12 +15718,12 @@
           <a:graphicData uri="http://schemas.openxmlformats.org/presentationml/2006/ole">
             <mc:AlternateContent xmlns:mc="http://schemas.openxmlformats.org/markup-compatibility/2006">
               <mc:Choice xmlns:v="urn:schemas-microsoft-com:vml" Requires="v">
-                <p:oleObj name="Equation" r:id="rId6" imgW="1396394" imgH="253890" progId="Equation.DSMT4">
+                <p:oleObj spid="_x0000_s6203" name="Equation" r:id="rId7" imgW="1396394" imgH="253890" progId="Equation.DSMT4">
                   <p:embed/>
                 </p:oleObj>
               </mc:Choice>
               <mc:Fallback>
-                <p:oleObj name="Equation" r:id="rId6" imgW="1396394" imgH="253890" progId="Equation.DSMT4">
+                <p:oleObj name="Equation" r:id="rId7" imgW="1396394" imgH="253890" progId="Equation.DSMT4">
                   <p:embed/>
                   <p:pic>
                     <p:nvPicPr>
@@ -15751,7 +15734,7 @@
                       <p:nvPr/>
                     </p:nvPicPr>
                     <p:blipFill>
-                      <a:blip r:embed="rId7">
+                      <a:blip r:embed="rId8">
                         <a:extLst>
                           <a:ext uri="{28A0092B-C50C-407E-A947-70E740481C1C}">
                             <a14:useLocalDpi xmlns:a14="http://schemas.microsoft.com/office/drawing/2010/main" val="0"/>
@@ -15806,12 +15789,12 @@
           <a:graphicData uri="http://schemas.openxmlformats.org/presentationml/2006/ole">
             <mc:AlternateContent xmlns:mc="http://schemas.openxmlformats.org/markup-compatibility/2006">
               <mc:Choice xmlns:v="urn:schemas-microsoft-com:vml" Requires="v">
-                <p:oleObj name="Equation" r:id="rId8" imgW="812447" imgH="241195" progId="Equation.DSMT4">
+                <p:oleObj spid="_x0000_s6204" name="Equation" r:id="rId9" imgW="812447" imgH="241195" progId="Equation.DSMT4">
                   <p:embed/>
                 </p:oleObj>
               </mc:Choice>
               <mc:Fallback>
-                <p:oleObj name="Equation" r:id="rId8" imgW="812447" imgH="241195" progId="Equation.DSMT4">
+                <p:oleObj name="Equation" r:id="rId9" imgW="812447" imgH="241195" progId="Equation.DSMT4">
                   <p:embed/>
                   <p:pic>
                     <p:nvPicPr>
@@ -15822,7 +15805,7 @@
                       <p:nvPr/>
                     </p:nvPicPr>
                     <p:blipFill>
-                      <a:blip r:embed="rId9">
+                      <a:blip r:embed="rId10">
                         <a:extLst>
                           <a:ext uri="{28A0092B-C50C-407E-A947-70E740481C1C}">
                             <a14:useLocalDpi xmlns:a14="http://schemas.microsoft.com/office/drawing/2010/main" val="0"/>
@@ -15877,12 +15860,12 @@
           <a:graphicData uri="http://schemas.openxmlformats.org/presentationml/2006/ole">
             <mc:AlternateContent xmlns:mc="http://schemas.openxmlformats.org/markup-compatibility/2006">
               <mc:Choice xmlns:v="urn:schemas-microsoft-com:vml" Requires="v">
-                <p:oleObj name="Equation" r:id="rId10" imgW="736600" imgH="431800" progId="Equation.DSMT4">
+                <p:oleObj spid="_x0000_s6205" name="Equation" r:id="rId11" imgW="736600" imgH="431800" progId="Equation.DSMT4">
                   <p:embed/>
                 </p:oleObj>
               </mc:Choice>
               <mc:Fallback>
-                <p:oleObj name="Equation" r:id="rId10" imgW="736600" imgH="431800" progId="Equation.DSMT4">
+                <p:oleObj name="Equation" r:id="rId11" imgW="736600" imgH="431800" progId="Equation.DSMT4">
                   <p:embed/>
                   <p:pic>
                     <p:nvPicPr>
@@ -15893,7 +15876,7 @@
                       <p:nvPr/>
                     </p:nvPicPr>
                     <p:blipFill>
-                      <a:blip r:embed="rId11">
+                      <a:blip r:embed="rId12">
                         <a:extLst>
                           <a:ext uri="{28A0092B-C50C-407E-A947-70E740481C1C}">
                             <a14:useLocalDpi xmlns:a14="http://schemas.microsoft.com/office/drawing/2010/main" val="0"/>
@@ -15935,7 +15918,7 @@
           <p:nvPr/>
         </p:nvPicPr>
         <p:blipFill>
-          <a:blip r:embed="rId12"/>
+          <a:blip r:embed="rId13"/>
           <a:stretch>
             <a:fillRect/>
           </a:stretch>
@@ -15960,18 +15943,14 @@
   <p:clrMapOvr>
     <a:masterClrMapping/>
   </p:clrMapOvr>
-  <mc:AlternateContent xmlns:mc="http://schemas.openxmlformats.org/markup-compatibility/2006">
-    <mc:Choice xmlns:p159="http://schemas.microsoft.com/office/powerpoint/2015/09/main" Requires="p159">
-      <p:transition spd="slow">
-        <p159:morph option="byChar"/>
-      </p:transition>
-    </mc:Choice>
-    <mc:Fallback>
-      <p:transition spd="slow">
-        <p:fade/>
-      </p:transition>
-    </mc:Fallback>
-  </mc:AlternateContent>
+  <p:transition spd="med"/>
+  <p:timing>
+    <p:tnLst>
+      <p:par>
+        <p:cTn id="1" dur="indefinite" restart="never" nodeType="tmRoot"/>
+      </p:par>
+    </p:tnLst>
+  </p:timing>
 </p:sld>
 </file>
 
@@ -16008,12 +15987,12 @@
           <a:lstStyle/>
           <a:p>
             <a:r>
-              <a:rPr lang="en-US" altLang="ko-KR" dirty="0">
+              <a:rPr lang="en-US" altLang="ko-KR" dirty="0" smtClean="0">
                 <a:ea typeface="굴림" panose="020B0600000101010101" pitchFamily="50" charset="-127"/>
               </a:rPr>
               <a:t>Example 2.6</a:t>
             </a:r>
-            <a:endParaRPr lang="ko-KR" altLang="en-US" dirty="0"/>
+            <a:endParaRPr lang="ko-KR" altLang="en-US" dirty="0" smtClean="0"/>
           </a:p>
         </p:txBody>
       </p:sp>
@@ -16042,7 +16021,7 @@
               <a:defRPr/>
             </a:pPr>
             <a:r>
-              <a:rPr lang="en-US" altLang="ko-KR" sz="2800" b="1" dirty="0">
+              <a:rPr lang="en-US" altLang="ko-KR" sz="2800" b="1" dirty="0" smtClean="0">
                 <a:solidFill>
                   <a:srgbClr val="0070C0"/>
                 </a:solidFill>
@@ -16056,7 +16035,7 @@
               <a:defRPr/>
             </a:pPr>
             <a:r>
-              <a:rPr lang="en-US" altLang="ko-KR" sz="2000" b="1" dirty="0">
+              <a:rPr lang="en-US" altLang="ko-KR" sz="2000" b="1" dirty="0" smtClean="0">
                 <a:ea typeface="굴림" pitchFamily="50" charset="-127"/>
               </a:rPr>
               <a:t>Let us determine current, voltage, and the power supplied or absorbed by each element.</a:t>
@@ -16074,7 +16053,7 @@
             <a:pPr>
               <a:defRPr/>
             </a:pPr>
-            <a:endParaRPr lang="en-US" altLang="ko-KR" sz="2000" b="1" dirty="0">
+            <a:endParaRPr lang="en-US" altLang="ko-KR" sz="2000" b="1" dirty="0" smtClean="0">
               <a:ea typeface="굴림" pitchFamily="50" charset="-127"/>
             </a:endParaRPr>
           </a:p>
@@ -16091,7 +16070,7 @@
               <a:buNone/>
               <a:defRPr/>
             </a:pPr>
-            <a:endParaRPr lang="en-US" altLang="ko-KR" sz="2000" b="1" dirty="0">
+            <a:endParaRPr lang="en-US" altLang="ko-KR" sz="2000" b="1" dirty="0" smtClean="0">
               <a:ea typeface="굴림" pitchFamily="50" charset="-127"/>
             </a:endParaRPr>
           </a:p>
@@ -16137,18 +16116,14 @@
   <p:clrMapOvr>
     <a:masterClrMapping/>
   </p:clrMapOvr>
-  <mc:AlternateContent xmlns:mc="http://schemas.openxmlformats.org/markup-compatibility/2006">
-    <mc:Choice xmlns:p159="http://schemas.microsoft.com/office/powerpoint/2015/09/main" Requires="p159">
-      <p:transition spd="slow">
-        <p159:morph option="byChar"/>
-      </p:transition>
-    </mc:Choice>
-    <mc:Fallback>
-      <p:transition spd="slow">
-        <p:fade/>
-      </p:transition>
-    </mc:Fallback>
-  </mc:AlternateContent>
+  <p:transition spd="med"/>
+  <p:timing>
+    <p:tnLst>
+      <p:par>
+        <p:cTn id="1" dur="indefinite" restart="never" nodeType="tmRoot"/>
+      </p:par>
+    </p:tnLst>
+  </p:timing>
 </p:sld>
 </file>
 
@@ -16185,12 +16160,12 @@
           <a:lstStyle/>
           <a:p>
             <a:r>
-              <a:rPr lang="en-US" altLang="ko-KR" dirty="0">
+              <a:rPr lang="en-US" altLang="ko-KR" dirty="0" smtClean="0">
                 <a:ea typeface="굴림" panose="020B0600000101010101" pitchFamily="50" charset="-127"/>
               </a:rPr>
               <a:t>Voltage Division</a:t>
             </a:r>
-            <a:endParaRPr lang="ko-KR" altLang="en-US" dirty="0"/>
+            <a:endParaRPr lang="ko-KR" altLang="en-US" dirty="0" smtClean="0"/>
           </a:p>
         </p:txBody>
       </p:sp>
@@ -16221,7 +16196,7 @@
                   <a:defRPr/>
                 </a:pPr>
                 <a:r>
-                  <a:rPr lang="en-US" altLang="ko-KR" sz="2800" b="1" dirty="0">
+                  <a:rPr lang="en-US" altLang="ko-KR" sz="2800" b="1" dirty="0" smtClean="0">
                     <a:solidFill>
                       <a:srgbClr val="0070C0"/>
                     </a:solidFill>
@@ -16253,7 +16228,31 @@
                   <a:rPr lang="en-US" altLang="ko-KR" b="1" dirty="0">
                     <a:ea typeface="굴림" panose="020B0600000101010101" pitchFamily="50" charset="-127"/>
                   </a:rPr>
-                  <a:t> across any one resistor can be known.</a:t>
+                  <a:t> across </a:t>
+                </a:r>
+                <a:r>
+                  <a:rPr lang="en-US" altLang="ko-KR" b="1" dirty="0" smtClean="0">
+                    <a:ea typeface="굴림" panose="020B0600000101010101" pitchFamily="50" charset="-127"/>
+                  </a:rPr>
+                  <a:t>any </a:t>
+                </a:r>
+                <a:r>
+                  <a:rPr lang="en-US" altLang="ko-KR" b="1" dirty="0">
+                    <a:ea typeface="굴림" panose="020B0600000101010101" pitchFamily="50" charset="-127"/>
+                  </a:rPr>
+                  <a:t>one resistor can </a:t>
+                </a:r>
+                <a:r>
+                  <a:rPr lang="en-US" altLang="ko-KR" b="1" dirty="0" smtClean="0">
+                    <a:ea typeface="굴림" panose="020B0600000101010101" pitchFamily="50" charset="-127"/>
+                  </a:rPr>
+                  <a:t>be known</a:t>
+                </a:r>
+                <a:r>
+                  <a:rPr lang="en-US" altLang="ko-KR" b="1" dirty="0">
+                    <a:ea typeface="굴림" panose="020B0600000101010101" pitchFamily="50" charset="-127"/>
+                  </a:rPr>
+                  <a:t>.</a:t>
                 </a:r>
               </a:p>
               <a:p>
@@ -16261,7 +16260,7 @@
                   <a:defRPr/>
                 </a:pPr>
                 <a:r>
-                  <a:rPr lang="en-US" altLang="ko-KR" b="1" dirty="0">
+                  <a:rPr lang="en-US" altLang="ko-KR" b="1" dirty="0" smtClean="0">
                     <a:ea typeface="굴림" pitchFamily="50" charset="-127"/>
                   </a:rPr>
                   <a:t>KVL                              </a:t>
@@ -16420,13 +16419,19 @@
                     </m:sSub>
                   </m:oMath>
                 </a14:m>
+                <a:r>
+                  <a:rPr lang="en-US" altLang="ko-KR" b="1" i="1" dirty="0" smtClean="0">
+                    <a:ea typeface="굴림" pitchFamily="50" charset="-127"/>
+                  </a:rPr>
+                  <a:t/>
+                </a:r>
                 <a:br>
-                  <a:rPr lang="en-US" altLang="ko-KR" b="1" i="1" dirty="0">
+                  <a:rPr lang="en-US" altLang="ko-KR" b="1" i="1" dirty="0" smtClean="0">
                     <a:ea typeface="굴림" pitchFamily="50" charset="-127"/>
                   </a:rPr>
                 </a:br>
                 <a:r>
-                  <a:rPr lang="en-US" altLang="ko-KR" b="1" i="1" dirty="0">
+                  <a:rPr lang="en-US" altLang="ko-KR" b="1" i="1" dirty="0" smtClean="0">
                     <a:ea typeface="굴림" pitchFamily="50" charset="-127"/>
                   </a:rPr>
                   <a:t>thus                               </a:t>
@@ -16566,7 +16571,7 @@
                     </m:r>
                   </m:oMath>
                 </a14:m>
-                <a:endParaRPr lang="en-US" altLang="ko-KR" b="1" i="1" dirty="0">
+                <a:endParaRPr lang="en-US" altLang="ko-KR" b="1" i="1" dirty="0" smtClean="0">
                   <a:ea typeface="굴림" pitchFamily="50" charset="-127"/>
                 </a:endParaRPr>
               </a:p>
@@ -16576,7 +16581,7 @@
                   <a:defRPr/>
                 </a:pPr>
                 <a:r>
-                  <a:rPr lang="en-US" altLang="ko-KR" b="1" dirty="0">
+                  <a:rPr lang="en-US" altLang="ko-KR" b="1" dirty="0" smtClean="0">
                     <a:ea typeface="굴림" pitchFamily="50" charset="-127"/>
                   </a:rPr>
                   <a:t>     here                       </a:t>
@@ -16699,7 +16704,13 @@
                   <a:rPr lang="en-US" altLang="ko-KR" b="1" i="1" dirty="0">
                     <a:ea typeface="굴림" pitchFamily="50" charset="-127"/>
                   </a:rPr>
-                  <a:t>     and      </a:t>
+                  <a:t> </a:t>
+                </a:r>
+                <a:r>
+                  <a:rPr lang="en-US" altLang="ko-KR" b="1" i="1" dirty="0" smtClean="0">
+                    <a:ea typeface="굴림" pitchFamily="50" charset="-127"/>
+                  </a:rPr>
+                  <a:t>    and      </a:t>
                 </a:r>
                 <a14:m>
                   <m:oMath xmlns:m="http://schemas.openxmlformats.org/officeDocument/2006/math">
@@ -16815,7 +16826,7 @@
                     </m:sSub>
                   </m:oMath>
                 </a14:m>
-                <a:endParaRPr lang="en-US" altLang="ko-KR" b="1" i="1" dirty="0">
+                <a:endParaRPr lang="en-US" altLang="ko-KR" b="1" i="1" dirty="0" smtClean="0">
                   <a:ea typeface="굴림" pitchFamily="50" charset="-127"/>
                 </a:endParaRPr>
               </a:p>
@@ -16825,7 +16836,7 @@
                   <a:defRPr/>
                 </a:pPr>
                 <a:r>
-                  <a:rPr lang="en-US" altLang="ko-KR" b="1" i="1" dirty="0">
+                  <a:rPr lang="en-US" altLang="ko-KR" b="1" i="1" dirty="0" smtClean="0">
                     <a:ea typeface="굴림" pitchFamily="50" charset="-127"/>
                   </a:rPr>
                   <a:t>     so                           </a:t>
@@ -17038,7 +17049,7 @@
                   </m:oMath>
                 </a14:m>
                 <a:r>
-                  <a:rPr lang="en-US" altLang="ko-KR" b="1" i="1" dirty="0">
+                  <a:rPr lang="en-US" altLang="ko-KR" b="1" i="1" dirty="0" smtClean="0">
                     <a:ea typeface="굴림" pitchFamily="50" charset="-127"/>
                   </a:rPr>
                   <a:t>   and   </a:t>
@@ -17338,18 +17349,14 @@
   <p:clrMapOvr>
     <a:masterClrMapping/>
   </p:clrMapOvr>
-  <mc:AlternateContent xmlns:mc="http://schemas.openxmlformats.org/markup-compatibility/2006">
-    <mc:Choice xmlns:p159="http://schemas.microsoft.com/office/powerpoint/2015/09/main" Requires="p159">
-      <p:transition spd="slow">
-        <p159:morph option="byChar"/>
-      </p:transition>
-    </mc:Choice>
-    <mc:Fallback>
-      <p:transition spd="slow">
-        <p:fade/>
-      </p:transition>
-    </mc:Fallback>
-  </mc:AlternateContent>
+  <p:transition spd="med"/>
+  <p:timing>
+    <p:tnLst>
+      <p:par>
+        <p:cTn id="1" dur="indefinite" restart="never" nodeType="tmRoot"/>
+      </p:par>
+    </p:tnLst>
+  </p:timing>
 </p:sld>
 </file>
 
@@ -17390,7 +17397,7 @@
               <a:rPr lang="en-US" altLang="ko-KR" sz="2400" dirty="0"/>
               <a:t>Learning Objectives</a:t>
             </a:r>
-            <a:endParaRPr lang="ko-KR" altLang="en-US" sz="2400" dirty="0"/>
+            <a:endParaRPr lang="ko-KR" altLang="en-US" sz="2400" dirty="0" smtClean="0"/>
           </a:p>
         </p:txBody>
       </p:sp>
@@ -17419,13 +17426,22 @@
               <a:defRPr/>
             </a:pPr>
             <a:r>
+              <a:rPr lang="en-US" altLang="ko-KR" sz="2800" b="1" dirty="0" smtClean="0">
+                <a:solidFill>
+                  <a:srgbClr val="0070C0"/>
+                </a:solidFill>
+                <a:ea typeface="Microsoft Sans Serif" panose="020B0604020202020204" pitchFamily="34" charset="0"/>
+              </a:rPr>
+              <a:t>Learning </a:t>
+            </a:r>
+            <a:r>
               <a:rPr lang="en-US" altLang="ko-KR" sz="2800" b="1" dirty="0">
                 <a:solidFill>
                   <a:srgbClr val="0070C0"/>
                 </a:solidFill>
                 <a:ea typeface="Microsoft Sans Serif" panose="020B0604020202020204" pitchFamily="34" charset="0"/>
               </a:rPr>
-              <a:t>Learning Objectives </a:t>
+              <a:t>Objectives </a:t>
             </a:r>
           </a:p>
           <a:p>
@@ -17439,7 +17455,13 @@
               <a:rPr lang="en-US" altLang="ko-KR" b="1" dirty="0">
                 <a:ea typeface="Microsoft Sans Serif" panose="020B0604020202020204" pitchFamily="34" charset="0"/>
               </a:rPr>
-              <a:t>To learn three basic laws:</a:t>
+              <a:t>To </a:t>
+            </a:r>
+            <a:r>
+              <a:rPr lang="en-US" altLang="ko-KR" b="1" dirty="0" smtClean="0">
+                <a:ea typeface="Microsoft Sans Serif" panose="020B0604020202020204" pitchFamily="34" charset="0"/>
+              </a:rPr>
+              <a:t>learn three basic laws:</a:t>
             </a:r>
           </a:p>
           <a:p>
@@ -17450,7 +17472,7 @@
               <a:defRPr/>
             </a:pPr>
             <a:r>
-              <a:rPr lang="en-US" altLang="ko-KR" b="1" i="1" dirty="0">
+              <a:rPr lang="en-US" altLang="ko-KR" b="1" i="1" dirty="0" smtClean="0">
                 <a:solidFill>
                   <a:srgbClr val="A50021"/>
                 </a:solidFill>
@@ -17467,13 +17489,13 @@
               <a:defRPr/>
             </a:pPr>
             <a:r>
-              <a:rPr lang="en-US" altLang="ko-KR" b="1" dirty="0">
+              <a:rPr lang="en-US" altLang="ko-KR" b="1" dirty="0" smtClean="0">
                 <a:ea typeface="Microsoft Sans Serif" panose="020B0604020202020204" pitchFamily="34" charset="0"/>
               </a:rPr>
               <a:t>Kirchhoff’s Current Law(</a:t>
             </a:r>
             <a:r>
-              <a:rPr lang="en-US" altLang="ko-KR" b="1" i="1" dirty="0">
+              <a:rPr lang="en-US" altLang="ko-KR" b="1" i="1" dirty="0" smtClean="0">
                 <a:solidFill>
                   <a:srgbClr val="A50021"/>
                 </a:solidFill>
@@ -17482,7 +17504,7 @@
               <a:t>KCL</a:t>
             </a:r>
             <a:r>
-              <a:rPr lang="en-US" altLang="ko-KR" b="1" dirty="0">
+              <a:rPr lang="en-US" altLang="ko-KR" b="1" dirty="0" smtClean="0">
                 <a:ea typeface="Microsoft Sans Serif" panose="020B0604020202020204" pitchFamily="34" charset="0"/>
               </a:rPr>
               <a:t>)</a:t>
@@ -17496,13 +17518,13 @@
               <a:defRPr/>
             </a:pPr>
             <a:r>
-              <a:rPr lang="en-US" altLang="ko-KR" b="1" dirty="0">
+              <a:rPr lang="en-US" altLang="ko-KR" b="1" dirty="0" smtClean="0">
                 <a:ea typeface="Microsoft Sans Serif" panose="020B0604020202020204" pitchFamily="34" charset="0"/>
               </a:rPr>
               <a:t>Kirchhoff’s Voltage Law(</a:t>
             </a:r>
             <a:r>
-              <a:rPr lang="en-US" altLang="ko-KR" b="1" i="1" dirty="0">
+              <a:rPr lang="en-US" altLang="ko-KR" b="1" i="1" dirty="0" smtClean="0">
                 <a:solidFill>
                   <a:srgbClr val="A50021"/>
                 </a:solidFill>
@@ -17511,7 +17533,7 @@
               <a:t>KVL</a:t>
             </a:r>
             <a:r>
-              <a:rPr lang="en-US" altLang="ko-KR" b="1" dirty="0">
+              <a:rPr lang="en-US" altLang="ko-KR" b="1" dirty="0" smtClean="0">
                 <a:ea typeface="Microsoft Sans Serif" panose="020B0604020202020204" pitchFamily="34" charset="0"/>
               </a:rPr>
               <a:t>)</a:t>
@@ -17525,13 +17547,13 @@
               <a:defRPr/>
             </a:pPr>
             <a:r>
-              <a:rPr lang="en-US" altLang="ko-KR" b="1" dirty="0">
+              <a:rPr lang="en-US" altLang="ko-KR" b="1" dirty="0" smtClean="0">
                 <a:ea typeface="Microsoft Sans Serif" panose="020B0604020202020204" pitchFamily="34" charset="0"/>
               </a:rPr>
               <a:t>To understand </a:t>
             </a:r>
             <a:r>
-              <a:rPr lang="en-US" altLang="ko-KR" b="1" i="1" dirty="0">
+              <a:rPr lang="en-US" altLang="ko-KR" b="1" i="1" dirty="0" smtClean="0">
                 <a:solidFill>
                   <a:srgbClr val="A50021"/>
                 </a:solidFill>
@@ -17540,13 +17562,13 @@
               <a:t>current division </a:t>
             </a:r>
             <a:r>
-              <a:rPr lang="en-US" altLang="ko-KR" b="1" dirty="0">
+              <a:rPr lang="en-US" altLang="ko-KR" b="1" dirty="0" smtClean="0">
                 <a:ea typeface="Microsoft Sans Serif" panose="020B0604020202020204" pitchFamily="34" charset="0"/>
               </a:rPr>
               <a:t>and </a:t>
             </a:r>
             <a:r>
-              <a:rPr lang="en-US" altLang="ko-KR" b="1" i="1" dirty="0">
+              <a:rPr lang="en-US" altLang="ko-KR" b="1" i="1" dirty="0" smtClean="0">
                 <a:solidFill>
                   <a:srgbClr val="A50021"/>
                 </a:solidFill>
@@ -17563,13 +17585,13 @@
               <a:defRPr/>
             </a:pPr>
             <a:r>
-              <a:rPr lang="en-US" altLang="ko-KR" b="1" dirty="0">
+              <a:rPr lang="en-US" altLang="ko-KR" b="1" dirty="0" smtClean="0">
                 <a:ea typeface="Microsoft Sans Serif" panose="020B0604020202020204" pitchFamily="34" charset="0"/>
               </a:rPr>
               <a:t>To be able to </a:t>
             </a:r>
             <a:r>
-              <a:rPr lang="en-US" altLang="ko-KR" b="1" i="1" dirty="0">
+              <a:rPr lang="en-US" altLang="ko-KR" b="1" i="1" dirty="0" smtClean="0">
                 <a:solidFill>
                   <a:srgbClr val="A50021"/>
                 </a:solidFill>
@@ -17578,13 +17600,13 @@
               <a:t>simplify</a:t>
             </a:r>
             <a:r>
-              <a:rPr lang="en-US" altLang="ko-KR" b="1" dirty="0">
+              <a:rPr lang="en-US" altLang="ko-KR" b="1" dirty="0" smtClean="0">
                 <a:ea typeface="Microsoft Sans Serif" panose="020B0604020202020204" pitchFamily="34" charset="0"/>
               </a:rPr>
               <a:t> complicated resistor networks and reduce them </a:t>
             </a:r>
             <a:r>
-              <a:rPr lang="en-US" altLang="ko-KR" b="1" i="1" dirty="0">
+              <a:rPr lang="en-US" altLang="ko-KR" b="1" i="1" dirty="0" smtClean="0">
                 <a:solidFill>
                   <a:srgbClr val="A50021"/>
                 </a:solidFill>
@@ -17592,7 +17614,7 @@
               </a:rPr>
               <a:t>to a single resistor</a:t>
             </a:r>
-            <a:endParaRPr lang="en-US" altLang="ko-KR" b="1" i="1" dirty="0">
+            <a:endParaRPr lang="en-US" altLang="ko-KR" b="1" i="1" dirty="0" smtClean="0">
               <a:ea typeface="Microsoft Sans Serif" panose="020B0604020202020204" pitchFamily="34" charset="0"/>
             </a:endParaRPr>
           </a:p>
@@ -17604,13 +17626,13 @@
               <a:defRPr/>
             </a:pPr>
             <a:r>
-              <a:rPr lang="en-US" altLang="ko-KR" b="1" dirty="0">
+              <a:rPr lang="en-US" altLang="ko-KR" b="1" dirty="0" smtClean="0">
                 <a:ea typeface="Microsoft Sans Serif" panose="020B0604020202020204" pitchFamily="34" charset="0"/>
               </a:rPr>
               <a:t>To be able to analyze simple networks containing both </a:t>
             </a:r>
             <a:r>
-              <a:rPr lang="en-US" altLang="ko-KR" b="1" i="1" dirty="0">
+              <a:rPr lang="en-US" altLang="ko-KR" b="1" i="1" dirty="0" smtClean="0">
                 <a:solidFill>
                   <a:srgbClr val="A50021"/>
                 </a:solidFill>
@@ -17619,13 +17641,13 @@
               <a:t>independent</a:t>
             </a:r>
             <a:r>
-              <a:rPr lang="en-US" altLang="ko-KR" b="1" dirty="0">
+              <a:rPr lang="en-US" altLang="ko-KR" b="1" dirty="0" smtClean="0">
                 <a:ea typeface="Microsoft Sans Serif" panose="020B0604020202020204" pitchFamily="34" charset="0"/>
               </a:rPr>
               <a:t> and </a:t>
             </a:r>
             <a:r>
-              <a:rPr lang="en-US" altLang="ko-KR" b="1" i="1" dirty="0">
+              <a:rPr lang="en-US" altLang="ko-KR" b="1" i="1" dirty="0" smtClean="0">
                 <a:solidFill>
                   <a:srgbClr val="A50021"/>
                 </a:solidFill>
@@ -17641,18 +17663,14 @@
   <p:clrMapOvr>
     <a:masterClrMapping/>
   </p:clrMapOvr>
-  <mc:AlternateContent xmlns:mc="http://schemas.openxmlformats.org/markup-compatibility/2006">
-    <mc:Choice xmlns:p159="http://schemas.microsoft.com/office/powerpoint/2015/09/main" Requires="p159">
-      <p:transition spd="slow">
-        <p159:morph option="byChar"/>
-      </p:transition>
-    </mc:Choice>
-    <mc:Fallback>
-      <p:transition spd="slow">
-        <p:fade/>
-      </p:transition>
-    </mc:Fallback>
-  </mc:AlternateContent>
+  <p:transition spd="med"/>
+  <p:timing>
+    <p:tnLst>
+      <p:par>
+        <p:cTn id="1" dur="indefinite" restart="never" nodeType="tmRoot"/>
+      </p:par>
+    </p:tnLst>
+  </p:timing>
 </p:sld>
 </file>
 
@@ -17689,12 +17707,12 @@
           <a:lstStyle/>
           <a:p>
             <a:r>
-              <a:rPr lang="en-US" altLang="ko-KR" dirty="0">
+              <a:rPr lang="en-US" altLang="ko-KR" dirty="0" smtClean="0">
                 <a:ea typeface="굴림" panose="020B0600000101010101" pitchFamily="50" charset="-127"/>
               </a:rPr>
               <a:t>Examples </a:t>
             </a:r>
-            <a:endParaRPr lang="ko-KR" altLang="en-US" dirty="0"/>
+            <a:endParaRPr lang="ko-KR" altLang="en-US" dirty="0" smtClean="0"/>
           </a:p>
         </p:txBody>
       </p:sp>
@@ -17726,7 +17744,7 @@
                   <a:defRPr/>
                 </a:pPr>
                 <a:r>
-                  <a:rPr lang="en-US" altLang="ko-KR" sz="2800" b="1" dirty="0">
+                  <a:rPr lang="en-US" altLang="ko-KR" sz="2800" b="1" dirty="0" smtClean="0">
                     <a:solidFill>
                       <a:srgbClr val="0070C0"/>
                     </a:solidFill>
@@ -17734,7 +17752,7 @@
                   </a:rPr>
                   <a:t>Example 2.7</a:t>
                 </a:r>
-                <a:endParaRPr lang="en-US" altLang="ko-KR" sz="1800" b="1" dirty="0">
+                <a:endParaRPr lang="en-US" altLang="ko-KR" sz="1800" b="1" dirty="0" smtClean="0">
                   <a:solidFill>
                     <a:srgbClr val="0070C0"/>
                   </a:solidFill>
@@ -17746,7 +17764,7 @@
                   <a:defRPr/>
                 </a:pPr>
                 <a:r>
-                  <a:rPr lang="en-US" altLang="ko-KR" b="1" dirty="0">
+                  <a:rPr lang="en-US" altLang="ko-KR" b="1" dirty="0" smtClean="0">
                     <a:ea typeface="굴림" pitchFamily="50" charset="-127"/>
                   </a:rPr>
                   <a:t>Let us determine the voltage </a:t>
@@ -17784,7 +17802,7 @@
                   </m:oMath>
                 </a14:m>
                 <a:r>
-                  <a:rPr lang="en-US" altLang="ko-KR" b="1" dirty="0">
+                  <a:rPr lang="en-US" altLang="ko-KR" b="1" dirty="0" smtClean="0">
                     <a:ea typeface="굴림" pitchFamily="50" charset="-127"/>
                   </a:rPr>
                   <a:t> and </a:t>
@@ -17822,7 +17840,7 @@
                   </m:oMath>
                 </a14:m>
                 <a:r>
-                  <a:rPr lang="en-US" altLang="ko-KR" b="1" dirty="0">
+                  <a:rPr lang="en-US" altLang="ko-KR" b="1" dirty="0" smtClean="0">
                     <a:ea typeface="굴림" pitchFamily="50" charset="-127"/>
                   </a:rPr>
                   <a:t>.</a:t>
@@ -17832,7 +17850,7 @@
                 <a:pPr>
                   <a:defRPr/>
                 </a:pPr>
-                <a:endParaRPr lang="en-US" altLang="ko-KR" b="1" dirty="0">
+                <a:endParaRPr lang="en-US" altLang="ko-KR" b="1" dirty="0" smtClean="0">
                   <a:ea typeface="굴림" pitchFamily="50" charset="-127"/>
                 </a:endParaRPr>
               </a:p>
@@ -18087,7 +18105,7 @@
                   <a:defRPr/>
                 </a:pPr>
                 <a:r>
-                  <a:rPr lang="en-US" altLang="ko-KR" sz="2800" b="1" kern="0" dirty="0">
+                  <a:rPr lang="en-US" altLang="ko-KR" sz="2800" b="1" kern="0" dirty="0" smtClean="0">
                     <a:solidFill>
                       <a:srgbClr val="0070C0"/>
                     </a:solidFill>
@@ -18095,7 +18113,7 @@
                   </a:rPr>
                   <a:t>Example 2.8</a:t>
                 </a:r>
-                <a:endParaRPr lang="en-US" altLang="ko-KR" sz="1800" b="1" kern="0" dirty="0">
+                <a:endParaRPr lang="en-US" altLang="ko-KR" sz="1800" b="1" kern="0" dirty="0" smtClean="0">
                   <a:solidFill>
                     <a:srgbClr val="0070C0"/>
                   </a:solidFill>
@@ -18107,7 +18125,7 @@
                   <a:defRPr/>
                 </a:pPr>
                 <a:r>
-                  <a:rPr lang="en-US" altLang="ko-KR" b="1" kern="0" dirty="0">
+                  <a:rPr lang="en-US" altLang="ko-KR" b="1" kern="0" dirty="0" smtClean="0">
                     <a:ea typeface="굴림" pitchFamily="50" charset="-127"/>
                   </a:rPr>
                   <a:t>Let us determine the voltage </a:t>
@@ -18145,7 +18163,7 @@
                   </m:oMath>
                 </a14:m>
                 <a:r>
-                  <a:rPr lang="en-US" altLang="ko-KR" b="1" kern="0" dirty="0">
+                  <a:rPr lang="en-US" altLang="ko-KR" b="1" kern="0" dirty="0" smtClean="0">
                     <a:ea typeface="굴림" pitchFamily="50" charset="-127"/>
                   </a:rPr>
                   <a:t>.</a:t>
@@ -18155,7 +18173,7 @@
                 <a:pPr>
                   <a:defRPr/>
                 </a:pPr>
-                <a:endParaRPr lang="en-US" altLang="ko-KR" b="1" kern="0" dirty="0">
+                <a:endParaRPr lang="en-US" altLang="ko-KR" b="1" kern="0" dirty="0" smtClean="0">
                   <a:ea typeface="굴림" pitchFamily="50" charset="-127"/>
                 </a:endParaRPr>
               </a:p>
@@ -18293,18 +18311,14 @@
   <p:clrMapOvr>
     <a:masterClrMapping/>
   </p:clrMapOvr>
-  <mc:AlternateContent xmlns:mc="http://schemas.openxmlformats.org/markup-compatibility/2006">
-    <mc:Choice xmlns:p159="http://schemas.microsoft.com/office/powerpoint/2015/09/main" Requires="p159">
-      <p:transition spd="slow">
-        <p159:morph option="byChar"/>
-      </p:transition>
-    </mc:Choice>
-    <mc:Fallback>
-      <p:transition spd="slow">
-        <p:fade/>
-      </p:transition>
-    </mc:Fallback>
-  </mc:AlternateContent>
+  <p:transition spd="med"/>
+  <p:timing>
+    <p:tnLst>
+      <p:par>
+        <p:cTn id="1" dur="indefinite" restart="never" nodeType="tmRoot"/>
+      </p:par>
+    </p:tnLst>
+  </p:timing>
 </p:sld>
 </file>
 
@@ -18341,12 +18355,12 @@
           <a:lstStyle/>
           <a:p>
             <a:r>
-              <a:rPr lang="en-US" altLang="ko-KR" dirty="0">
+              <a:rPr lang="en-US" altLang="ko-KR" dirty="0" smtClean="0">
                 <a:ea typeface="굴림" panose="020B0600000101010101" pitchFamily="50" charset="-127"/>
               </a:rPr>
               <a:t>KCL, Single Node-Pair Circuit</a:t>
             </a:r>
-            <a:endParaRPr lang="ko-KR" altLang="en-US" dirty="0"/>
+            <a:endParaRPr lang="ko-KR" altLang="en-US" dirty="0" smtClean="0"/>
           </a:p>
         </p:txBody>
       </p:sp>
@@ -18377,7 +18391,7 @@
                   <a:defRPr/>
                 </a:pPr>
                 <a:r>
-                  <a:rPr lang="en-US" altLang="ko-KR" sz="2800" b="1" dirty="0">
+                  <a:rPr lang="en-US" altLang="ko-KR" sz="2800" b="1" dirty="0" smtClean="0">
                     <a:solidFill>
                       <a:srgbClr val="0070C0"/>
                     </a:solidFill>
@@ -18390,7 +18404,7 @@
                 <a:pPr>
                   <a:defRPr/>
                 </a:pPr>
-                <a:endParaRPr lang="en-US" altLang="ko-KR" sz="2000" b="1" dirty="0">
+                <a:endParaRPr lang="en-US" altLang="ko-KR" sz="2000" b="1" dirty="0" smtClean="0">
                   <a:ea typeface="굴림" pitchFamily="50" charset="-127"/>
                 </a:endParaRPr>
               </a:p>
@@ -18406,7 +18420,7 @@
                 <a:pPr>
                   <a:defRPr/>
                 </a:pPr>
-                <a:endParaRPr lang="en-US" altLang="ko-KR" sz="2000" b="1" dirty="0">
+                <a:endParaRPr lang="en-US" altLang="ko-KR" sz="2000" b="1" dirty="0" smtClean="0">
                   <a:ea typeface="굴림" pitchFamily="50" charset="-127"/>
                 </a:endParaRPr>
               </a:p>
@@ -18422,7 +18436,7 @@
                 <a:pPr>
                   <a:defRPr/>
                 </a:pPr>
-                <a:endParaRPr lang="en-US" altLang="ko-KR" sz="2000" b="1" dirty="0">
+                <a:endParaRPr lang="en-US" altLang="ko-KR" sz="2000" b="1" dirty="0" smtClean="0">
                   <a:ea typeface="굴림" pitchFamily="50" charset="-127"/>
                 </a:endParaRPr>
               </a:p>
@@ -18431,7 +18445,7 @@
                   <a:defRPr/>
                 </a:pPr>
                 <a:r>
-                  <a:rPr lang="en-US" altLang="ko-KR" sz="2000" b="1" dirty="0">
+                  <a:rPr lang="en-US" altLang="ko-KR" sz="2000" b="1" dirty="0" smtClean="0">
                     <a:ea typeface="굴림" pitchFamily="50" charset="-127"/>
                   </a:rPr>
                   <a:t>KCL                              </a:t>
@@ -18712,19 +18726,25 @@
                     </m:r>
                   </m:oMath>
                 </a14:m>
+                <a:r>
+                  <a:rPr lang="en-US" altLang="ko-KR" sz="2000" b="1" i="1" dirty="0" smtClean="0">
+                    <a:ea typeface="굴림" pitchFamily="50" charset="-127"/>
+                  </a:rPr>
+                  <a:t/>
+                </a:r>
                 <a:br>
-                  <a:rPr lang="en-US" altLang="ko-KR" sz="2000" b="1" i="1" dirty="0">
+                  <a:rPr lang="en-US" altLang="ko-KR" sz="2000" b="1" i="1" dirty="0" smtClean="0">
                     <a:ea typeface="굴림" pitchFamily="50" charset="-127"/>
                   </a:rPr>
                 </a:br>
                 <a:r>
-                  <a:rPr lang="en-US" altLang="ko-KR" sz="2000" b="1" i="1" dirty="0">
+                  <a:rPr lang="en-US" altLang="ko-KR" sz="2000" b="1" i="1" dirty="0" smtClean="0">
                     <a:ea typeface="굴림" pitchFamily="50" charset="-127"/>
                   </a:rPr>
                   <a:t>here</a:t>
                 </a:r>
                 <a:r>
-                  <a:rPr lang="en-US" altLang="ko-KR" sz="2000" b="1" dirty="0">
+                  <a:rPr lang="en-US" altLang="ko-KR" sz="2000" b="1" dirty="0" smtClean="0">
                     <a:ea typeface="굴림" pitchFamily="50" charset="-127"/>
                   </a:rPr>
                   <a:t>                                            </a:t>
@@ -18844,7 +18864,7 @@
                   </m:oMath>
                 </a14:m>
                 <a:r>
-                  <a:rPr lang="en-US" altLang="ko-KR" sz="2000" b="1" i="1" dirty="0">
+                  <a:rPr lang="en-US" altLang="ko-KR" sz="2000" b="1" i="1" dirty="0" smtClean="0">
                     <a:ea typeface="굴림" pitchFamily="50" charset="-127"/>
                   </a:rPr>
                   <a:t> </a:t>
@@ -18855,7 +18875,7 @@
                   <a:defRPr/>
                 </a:pPr>
                 <a:r>
-                  <a:rPr lang="en-US" altLang="ko-KR" sz="2000" b="1" i="1" dirty="0">
+                  <a:rPr lang="en-US" altLang="ko-KR" sz="2000" b="1" i="1" dirty="0" smtClean="0">
                     <a:ea typeface="굴림" pitchFamily="50" charset="-127"/>
                   </a:rPr>
                   <a:t>Thus         </a:t>
@@ -19174,7 +19194,7 @@
                   </m:oMath>
                 </a14:m>
                 <a:r>
-                  <a:rPr lang="en-US" altLang="ko-KR" sz="2000" b="1" i="1" dirty="0">
+                  <a:rPr lang="en-US" altLang="ko-KR" sz="2000" b="1" i="1" dirty="0" smtClean="0">
                     <a:ea typeface="굴림" pitchFamily="50" charset="-127"/>
                   </a:rPr>
                   <a:t>     or             </a:t>
@@ -19320,7 +19340,7 @@
                   </m:oMath>
                 </a14:m>
                 <a:r>
-                  <a:rPr lang="en-US" altLang="ko-KR" sz="2000" b="1" i="1" dirty="0">
+                  <a:rPr lang="en-US" altLang="ko-KR" sz="2000" b="1" i="1" dirty="0" smtClean="0">
                     <a:ea typeface="굴림" pitchFamily="50" charset="-127"/>
                   </a:rPr>
                   <a:t> </a:t>
@@ -19335,7 +19355,13 @@
                   <a:rPr lang="en-US" altLang="ko-KR" sz="2000" b="1" i="1" dirty="0">
                     <a:ea typeface="굴림" pitchFamily="50" charset="-127"/>
                   </a:rPr>
-                  <a:t>     here                      </a:t>
+                  <a:t> </a:t>
+                </a:r>
+                <a:r>
+                  <a:rPr lang="en-US" altLang="ko-KR" sz="2000" b="1" i="1" dirty="0" smtClean="0">
+                    <a:ea typeface="굴림" pitchFamily="50" charset="-127"/>
+                  </a:rPr>
+                  <a:t>    here                      </a:t>
                 </a:r>
                 <a14:m>
                   <m:oMath xmlns:m="http://schemas.openxmlformats.org/officeDocument/2006/math">
@@ -19559,7 +19585,7 @@
                   </m:oMath>
                 </a14:m>
                 <a:r>
-                  <a:rPr lang="en-US" altLang="ko-KR" sz="2000" b="1" i="1" dirty="0">
+                  <a:rPr lang="en-US" altLang="ko-KR" sz="2000" b="1" i="1" dirty="0" smtClean="0">
                     <a:ea typeface="굴림" pitchFamily="50" charset="-127"/>
                   </a:rPr>
                   <a:t>   and    </a:t>
@@ -19733,7 +19759,7 @@
                   <a:defRPr/>
                 </a:pPr>
                 <a:r>
-                  <a:rPr lang="en-US" altLang="ko-KR" sz="2000" b="1" i="1" dirty="0">
+                  <a:rPr lang="en-US" altLang="ko-KR" sz="2000" b="1" i="1" dirty="0" smtClean="0">
                     <a:solidFill>
                       <a:srgbClr val="A50021"/>
                     </a:solidFill>
@@ -19742,7 +19768,7 @@
                   <a:t>    </a:t>
                 </a:r>
                 <a:r>
-                  <a:rPr lang="en-US" altLang="ko-KR" sz="2000" b="1" dirty="0">
+                  <a:rPr lang="en-US" altLang="ko-KR" sz="2000" b="1" dirty="0" smtClean="0">
                     <a:ea typeface="굴림" pitchFamily="50" charset="-127"/>
                   </a:rPr>
                   <a:t>and it  can be written as    </a:t>
@@ -19998,7 +20024,7 @@
                   </m:oMath>
                 </a14:m>
                 <a:r>
-                  <a:rPr lang="en-US" altLang="ko-KR" sz="2000" b="1" i="1" dirty="0">
+                  <a:rPr lang="en-US" altLang="ko-KR" sz="2000" b="1" i="1" dirty="0" smtClean="0">
                     <a:solidFill>
                       <a:schemeClr val="tx1"/>
                     </a:solidFill>
@@ -20114,7 +20140,7 @@
                     </m:sSub>
                   </m:oMath>
                 </a14:m>
-                <a:endParaRPr lang="en-US" altLang="ko-KR" sz="2000" b="1" i="1" dirty="0">
+                <a:endParaRPr lang="en-US" altLang="ko-KR" sz="2000" b="1" i="1" dirty="0" smtClean="0">
                   <a:solidFill>
                     <a:srgbClr val="A50021"/>
                   </a:solidFill>
@@ -20127,7 +20153,7 @@
                   <a:defRPr/>
                 </a:pPr>
                 <a:r>
-                  <a:rPr lang="en-US" altLang="ko-KR" sz="2000" b="1" i="1" dirty="0">
+                  <a:rPr lang="en-US" altLang="ko-KR" sz="2000" b="1" i="1" dirty="0" smtClean="0">
                     <a:solidFill>
                       <a:srgbClr val="A50021"/>
                     </a:solidFill>
@@ -20135,7 +20161,7 @@
                   </a:rPr>
                   <a:t>    </a:t>
                 </a:r>
-                <a:endParaRPr lang="en-US" altLang="ko-KR" sz="2000" b="1" dirty="0">
+                <a:endParaRPr lang="en-US" altLang="ko-KR" sz="2000" b="1" dirty="0" smtClean="0">
                   <a:ea typeface="굴림" pitchFamily="50" charset="-127"/>
                 </a:endParaRPr>
               </a:p>
@@ -20214,18 +20240,14 @@
   <p:clrMapOvr>
     <a:masterClrMapping/>
   </p:clrMapOvr>
-  <mc:AlternateContent xmlns:mc="http://schemas.openxmlformats.org/markup-compatibility/2006">
-    <mc:Choice xmlns:p159="http://schemas.microsoft.com/office/powerpoint/2015/09/main" Requires="p159">
-      <p:transition spd="slow">
-        <p159:morph option="byChar"/>
-      </p:transition>
-    </mc:Choice>
-    <mc:Fallback>
-      <p:transition spd="slow">
-        <p:fade/>
-      </p:transition>
-    </mc:Fallback>
-  </mc:AlternateContent>
+  <p:transition spd="med"/>
+  <p:timing>
+    <p:tnLst>
+      <p:par>
+        <p:cTn id="1" dur="indefinite" restart="never" nodeType="tmRoot"/>
+      </p:par>
+    </p:tnLst>
+  </p:timing>
 </p:sld>
 </file>
 
@@ -20262,12 +20284,12 @@
           <a:lstStyle/>
           <a:p>
             <a:r>
-              <a:rPr lang="en-US" altLang="ko-KR" dirty="0">
+              <a:rPr lang="en-US" altLang="ko-KR" dirty="0" smtClean="0">
                 <a:ea typeface="굴림" panose="020B0600000101010101" pitchFamily="50" charset="-127"/>
               </a:rPr>
               <a:t>Parallel Resistors</a:t>
             </a:r>
-            <a:endParaRPr lang="ko-KR" altLang="en-US" dirty="0"/>
+            <a:endParaRPr lang="ko-KR" altLang="en-US" dirty="0" smtClean="0"/>
           </a:p>
         </p:txBody>
       </p:sp>
@@ -20296,7 +20318,7 @@
               <a:defRPr/>
             </a:pPr>
             <a:r>
-              <a:rPr lang="en-US" altLang="ko-KR" sz="2800" b="1" dirty="0">
+              <a:rPr lang="en-US" altLang="ko-KR" sz="2800" b="1" dirty="0" smtClean="0">
                 <a:solidFill>
                   <a:srgbClr val="0070C0"/>
                 </a:solidFill>
@@ -20310,7 +20332,7 @@
               <a:defRPr/>
             </a:pPr>
             <a:r>
-              <a:rPr lang="en-US" altLang="ko-KR" sz="2000" b="1" i="1" dirty="0">
+              <a:rPr lang="en-US" altLang="ko-KR" sz="2000" b="1" i="1" dirty="0" smtClean="0">
                 <a:solidFill>
                   <a:srgbClr val="A50021"/>
                 </a:solidFill>
@@ -20318,6 +20340,12 @@
               </a:rPr>
               <a:t>Conductors add in parallel and current source in parallel add algebraically</a:t>
             </a:r>
+            <a:endParaRPr lang="en-US" altLang="ko-KR" sz="2000" b="1" i="1" dirty="0">
+              <a:solidFill>
+                <a:srgbClr val="A50021"/>
+              </a:solidFill>
+              <a:ea typeface="굴림" panose="020B0600000101010101" pitchFamily="50" charset="-127"/>
+            </a:endParaRPr>
           </a:p>
           <a:p>
             <a:pPr>
@@ -20358,8 +20386,17 @@
               <a:rPr lang="en-US" altLang="ko-KR" sz="2000" b="1" dirty="0">
                 <a:ea typeface="굴림" panose="020B0600000101010101" pitchFamily="50" charset="-127"/>
               </a:rPr>
-              <a:t> is:</a:t>
-            </a:r>
+              <a:t> </a:t>
+            </a:r>
+            <a:r>
+              <a:rPr lang="en-US" altLang="ko-KR" sz="2000" b="1" dirty="0" smtClean="0">
+                <a:ea typeface="굴림" panose="020B0600000101010101" pitchFamily="50" charset="-127"/>
+              </a:rPr>
+              <a:t>is:</a:t>
+            </a:r>
+            <a:endParaRPr lang="en-US" altLang="ko-KR" sz="2000" b="1" dirty="0">
+              <a:ea typeface="굴림" panose="020B0600000101010101" pitchFamily="50" charset="-127"/>
+            </a:endParaRPr>
           </a:p>
           <a:p>
             <a:pPr>
@@ -20393,7 +20430,7 @@
               <a:defRPr/>
             </a:pPr>
             <a:r>
-              <a:rPr lang="en-US" altLang="ko-KR" sz="2000" b="1" dirty="0">
+              <a:rPr lang="en-US" altLang="ko-KR" sz="2000" b="1" dirty="0" smtClean="0">
                 <a:solidFill>
                   <a:srgbClr val="A50021"/>
                 </a:solidFill>
@@ -20417,14 +20454,29 @@
                 </a:solidFill>
                 <a:ea typeface="굴림" panose="020B0600000101010101" pitchFamily="50" charset="-127"/>
               </a:rPr>
-              <a:t> resistors in parallel:</a:t>
-            </a:r>
+              <a:t> resistors in </a:t>
+            </a:r>
+            <a:r>
+              <a:rPr lang="en-US" altLang="ko-KR" sz="2000" b="1" dirty="0" smtClean="0">
+                <a:solidFill>
+                  <a:srgbClr val="A50021"/>
+                </a:solidFill>
+                <a:ea typeface="굴림" panose="020B0600000101010101" pitchFamily="50" charset="-127"/>
+              </a:rPr>
+              <a:t>parallel:</a:t>
+            </a:r>
+            <a:endParaRPr lang="en-US" altLang="ko-KR" sz="2000" b="1" dirty="0">
+              <a:solidFill>
+                <a:srgbClr val="A50021"/>
+              </a:solidFill>
+              <a:ea typeface="굴림" panose="020B0600000101010101" pitchFamily="50" charset="-127"/>
+            </a:endParaRPr>
           </a:p>
           <a:p>
             <a:pPr>
               <a:defRPr/>
             </a:pPr>
-            <a:endParaRPr lang="en-US" altLang="ko-KR" sz="2000" b="1" dirty="0">
+            <a:endParaRPr lang="en-US" altLang="ko-KR" sz="2000" b="1" dirty="0" smtClean="0">
               <a:ea typeface="굴림" pitchFamily="50" charset="-127"/>
             </a:endParaRPr>
           </a:p>
@@ -20434,7 +20486,7 @@
               <a:defRPr/>
             </a:pPr>
             <a:r>
-              <a:rPr lang="en-US" altLang="ko-KR" sz="2000" b="1" dirty="0">
+              <a:rPr lang="en-US" altLang="ko-KR" sz="2000" b="1" dirty="0" smtClean="0">
                 <a:ea typeface="굴림" pitchFamily="50" charset="-127"/>
               </a:rPr>
               <a:t>                                                        or </a:t>
@@ -20464,12 +20516,12 @@
           <a:graphicData uri="http://schemas.openxmlformats.org/presentationml/2006/ole">
             <mc:AlternateContent xmlns:mc="http://schemas.openxmlformats.org/markup-compatibility/2006">
               <mc:Choice xmlns:v="urn:schemas-microsoft-com:vml" Requires="v">
-                <p:oleObj name="Equation" r:id="rId2" imgW="850900" imgH="228600" progId="Equation.DSMT4">
+                <p:oleObj spid="_x0000_s7199" name="Equation" r:id="rId3" imgW="850900" imgH="228600" progId="Equation.DSMT4">
                   <p:embed/>
                 </p:oleObj>
               </mc:Choice>
               <mc:Fallback>
-                <p:oleObj name="Equation" r:id="rId2" imgW="850900" imgH="228600" progId="Equation.DSMT4">
+                <p:oleObj name="Equation" r:id="rId3" imgW="850900" imgH="228600" progId="Equation.DSMT4">
                   <p:embed/>
                   <p:pic>
                     <p:nvPicPr>
@@ -20480,7 +20532,7 @@
                       <p:nvPr/>
                     </p:nvPicPr>
                     <p:blipFill>
-                      <a:blip r:embed="rId3">
+                      <a:blip r:embed="rId4">
                         <a:extLst>
                           <a:ext uri="{28A0092B-C50C-407E-A947-70E740481C1C}">
                             <a14:useLocalDpi xmlns:a14="http://schemas.microsoft.com/office/drawing/2010/main" val="0"/>
@@ -20563,12 +20615,12 @@
           <a:graphicData uri="http://schemas.openxmlformats.org/presentationml/2006/ole">
             <mc:AlternateContent xmlns:mc="http://schemas.openxmlformats.org/markup-compatibility/2006">
               <mc:Choice xmlns:v="urn:schemas-microsoft-com:vml" Requires="v">
-                <p:oleObj name="Equation" r:id="rId4" imgW="533169" imgH="228501" progId="Equation.DSMT4">
+                <p:oleObj spid="_x0000_s7200" name="Equation" r:id="rId5" imgW="533169" imgH="228501" progId="Equation.DSMT4">
                   <p:embed/>
                 </p:oleObj>
               </mc:Choice>
               <mc:Fallback>
-                <p:oleObj name="Equation" r:id="rId4" imgW="533169" imgH="228501" progId="Equation.DSMT4">
+                <p:oleObj name="Equation" r:id="rId5" imgW="533169" imgH="228501" progId="Equation.DSMT4">
                   <p:embed/>
                   <p:pic>
                     <p:nvPicPr>
@@ -20579,7 +20631,7 @@
                       <p:nvPr/>
                     </p:nvPicPr>
                     <p:blipFill>
-                      <a:blip r:embed="rId5">
+                      <a:blip r:embed="rId6">
                         <a:extLst>
                           <a:ext uri="{28A0092B-C50C-407E-A947-70E740481C1C}">
                             <a14:useLocalDpi xmlns:a14="http://schemas.microsoft.com/office/drawing/2010/main" val="0"/>
@@ -20662,12 +20714,12 @@
           <a:graphicData uri="http://schemas.openxmlformats.org/presentationml/2006/ole">
             <mc:AlternateContent xmlns:mc="http://schemas.openxmlformats.org/markup-compatibility/2006">
               <mc:Choice xmlns:v="urn:schemas-microsoft-com:vml" Requires="v">
-                <p:oleObj name="Equation" r:id="rId6" imgW="850531" imgH="431613" progId="Equation.DSMT4">
+                <p:oleObj spid="_x0000_s7201" name="Equation" r:id="rId7" imgW="850531" imgH="431613" progId="Equation.DSMT4">
                   <p:embed/>
                 </p:oleObj>
               </mc:Choice>
               <mc:Fallback>
-                <p:oleObj name="Equation" r:id="rId6" imgW="850531" imgH="431613" progId="Equation.DSMT4">
+                <p:oleObj name="Equation" r:id="rId7" imgW="850531" imgH="431613" progId="Equation.DSMT4">
                   <p:embed/>
                   <p:pic>
                     <p:nvPicPr>
@@ -20678,7 +20730,7 @@
                       <p:nvPr/>
                     </p:nvPicPr>
                     <p:blipFill>
-                      <a:blip r:embed="rId7">
+                      <a:blip r:embed="rId8">
                         <a:extLst>
                           <a:ext uri="{28A0092B-C50C-407E-A947-70E740481C1C}">
                             <a14:useLocalDpi xmlns:a14="http://schemas.microsoft.com/office/drawing/2010/main" val="0"/>
@@ -20748,7 +20800,7 @@
           <p:nvPr/>
         </p:nvPicPr>
         <p:blipFill>
-          <a:blip r:embed="rId8"/>
+          <a:blip r:embed="rId9"/>
           <a:stretch>
             <a:fillRect/>
           </a:stretch>
@@ -21160,18 +21212,14 @@
   <p:clrMapOvr>
     <a:masterClrMapping/>
   </p:clrMapOvr>
-  <mc:AlternateContent xmlns:mc="http://schemas.openxmlformats.org/markup-compatibility/2006">
-    <mc:Choice xmlns:p159="http://schemas.microsoft.com/office/powerpoint/2015/09/main" Requires="p159">
-      <p:transition spd="slow">
-        <p159:morph option="byChar"/>
-      </p:transition>
-    </mc:Choice>
-    <mc:Fallback>
-      <p:transition spd="slow">
-        <p:fade/>
-      </p:transition>
-    </mc:Fallback>
-  </mc:AlternateContent>
+  <p:transition spd="med"/>
+  <p:timing>
+    <p:tnLst>
+      <p:par>
+        <p:cTn id="1" dur="indefinite" restart="never" nodeType="tmRoot"/>
+      </p:par>
+    </p:tnLst>
+  </p:timing>
 </p:sld>
 </file>
 
@@ -21208,12 +21256,12 @@
           <a:lstStyle/>
           <a:p>
             <a:r>
-              <a:rPr lang="en-US" altLang="ko-KR" dirty="0">
+              <a:rPr lang="en-US" altLang="ko-KR" dirty="0" smtClean="0">
                 <a:ea typeface="굴림" panose="020B0600000101010101" pitchFamily="50" charset="-127"/>
               </a:rPr>
               <a:t>Example 2.9</a:t>
             </a:r>
-            <a:endParaRPr lang="ko-KR" altLang="en-US" dirty="0"/>
+            <a:endParaRPr lang="ko-KR" altLang="en-US" dirty="0" smtClean="0"/>
           </a:p>
         </p:txBody>
       </p:sp>
@@ -21244,7 +21292,7 @@
                   <a:defRPr/>
                 </a:pPr>
                 <a:r>
-                  <a:rPr lang="en-US" altLang="ko-KR" sz="2800" b="1" dirty="0">
+                  <a:rPr lang="en-US" altLang="ko-KR" sz="2800" b="1" dirty="0" smtClean="0">
                     <a:solidFill>
                       <a:srgbClr val="0070C0"/>
                     </a:solidFill>
@@ -21258,7 +21306,7 @@
                   <a:defRPr/>
                 </a:pPr>
                 <a:r>
-                  <a:rPr lang="en-US" altLang="ko-KR" sz="2000" b="1" dirty="0">
+                  <a:rPr lang="en-US" altLang="ko-KR" sz="2000" b="1" dirty="0" smtClean="0">
                     <a:ea typeface="굴림" pitchFamily="50" charset="-127"/>
                   </a:rPr>
                   <a:t>Let us determine current, voltage </a:t>
@@ -21296,7 +21344,7 @@
                   </m:oMath>
                 </a14:m>
                 <a:r>
-                  <a:rPr lang="en-US" altLang="ko-KR" sz="2000" b="1" dirty="0">
+                  <a:rPr lang="en-US" altLang="ko-KR" sz="2000" b="1" dirty="0" smtClean="0">
                     <a:ea typeface="굴림" pitchFamily="50" charset="-127"/>
                   </a:rPr>
                   <a:t>, the current in each element, and the power supplied and absorbed in the network.</a:t>
@@ -21383,18 +21431,14 @@
   <p:clrMapOvr>
     <a:masterClrMapping/>
   </p:clrMapOvr>
-  <mc:AlternateContent xmlns:mc="http://schemas.openxmlformats.org/markup-compatibility/2006">
-    <mc:Choice xmlns:p159="http://schemas.microsoft.com/office/powerpoint/2015/09/main" Requires="p159">
-      <p:transition spd="slow">
-        <p159:morph option="byChar"/>
-      </p:transition>
-    </mc:Choice>
-    <mc:Fallback>
-      <p:transition spd="slow">
-        <p:fade/>
-      </p:transition>
-    </mc:Fallback>
-  </mc:AlternateContent>
+  <p:transition spd="med"/>
+  <p:timing>
+    <p:tnLst>
+      <p:par>
+        <p:cTn id="1" dur="indefinite" restart="never" nodeType="tmRoot"/>
+      </p:par>
+    </p:tnLst>
+  </p:timing>
 </p:sld>
 </file>
 
@@ -21431,12 +21475,12 @@
           <a:lstStyle/>
           <a:p>
             <a:r>
-              <a:rPr lang="en-US" altLang="ko-KR" dirty="0">
+              <a:rPr lang="en-US" altLang="ko-KR" dirty="0" smtClean="0">
                 <a:ea typeface="굴림" panose="020B0600000101010101" pitchFamily="50" charset="-127"/>
               </a:rPr>
               <a:t>Current Division</a:t>
             </a:r>
-            <a:endParaRPr lang="ko-KR" altLang="en-US" dirty="0"/>
+            <a:endParaRPr lang="ko-KR" altLang="en-US" dirty="0" smtClean="0"/>
           </a:p>
         </p:txBody>
       </p:sp>
@@ -21467,7 +21511,7 @@
                   <a:defRPr/>
                 </a:pPr>
                 <a:r>
-                  <a:rPr lang="en-US" altLang="ko-KR" sz="2800" b="1" dirty="0">
+                  <a:rPr lang="en-US" altLang="ko-KR" sz="2800" b="1" dirty="0" smtClean="0">
                     <a:solidFill>
                       <a:srgbClr val="0070C0"/>
                     </a:solidFill>
@@ -21484,7 +21528,7 @@
                   <a:defRPr/>
                 </a:pPr>
                 <a:r>
-                  <a:rPr lang="en-US" altLang="ko-KR" sz="2000" b="1" dirty="0">
+                  <a:rPr lang="en-US" altLang="ko-KR" sz="2000" b="1" dirty="0" smtClean="0">
                     <a:ea typeface="굴림" panose="020B0600000101010101" pitchFamily="50" charset="-127"/>
                   </a:rPr>
                   <a:t>Current divides among parallel resistors in a manner similar to the way in which voltage divides among series resistors.</a:t>
@@ -21498,7 +21542,7 @@
                   <a:defRPr/>
                 </a:pPr>
                 <a:r>
-                  <a:rPr lang="en-US" altLang="ko-KR" sz="2000" b="1" dirty="0">
+                  <a:rPr lang="en-US" altLang="ko-KR" sz="2000" b="1" dirty="0" smtClean="0">
                     <a:ea typeface="굴림" panose="020B0600000101010101" pitchFamily="50" charset="-127"/>
                   </a:rPr>
                   <a:t>KVL                              </a:t>
@@ -21606,7 +21650,7 @@
                   </m:oMath>
                 </a14:m>
                 <a:r>
-                  <a:rPr lang="en-US" altLang="ko-KR" sz="2000" b="1" i="1" dirty="0">
+                  <a:rPr lang="en-US" altLang="ko-KR" sz="2000" b="1" i="1" dirty="0" smtClean="0">
                     <a:ea typeface="굴림" pitchFamily="50" charset="-127"/>
                   </a:rPr>
                   <a:t>  or  </a:t>
@@ -21797,13 +21841,19 @@
                     </m:sSub>
                   </m:oMath>
                 </a14:m>
+                <a:r>
+                  <a:rPr lang="en-US" altLang="ko-KR" sz="2000" b="1" i="1" dirty="0" smtClean="0">
+                    <a:ea typeface="굴림" pitchFamily="50" charset="-127"/>
+                  </a:rPr>
+                  <a:t/>
+                </a:r>
                 <a:br>
-                  <a:rPr lang="en-US" altLang="ko-KR" sz="2000" b="1" i="1" dirty="0">
+                  <a:rPr lang="en-US" altLang="ko-KR" sz="2000" b="1" i="1" dirty="0" smtClean="0">
                     <a:ea typeface="굴림" pitchFamily="50" charset="-127"/>
                   </a:rPr>
                 </a:br>
                 <a:r>
-                  <a:rPr lang="en-US" altLang="ko-KR" sz="2000" b="1" i="1" dirty="0">
+                  <a:rPr lang="en-US" altLang="ko-KR" sz="2000" b="1" i="1" dirty="0" smtClean="0">
                     <a:ea typeface="굴림" pitchFamily="50" charset="-127"/>
                   </a:rPr>
                   <a:t>     thus                                            </a:t>
@@ -22015,7 +22065,7 @@
                     </m:sSub>
                   </m:oMath>
                 </a14:m>
-                <a:endParaRPr lang="en-US" altLang="ko-KR" sz="2000" b="1" i="1" dirty="0">
+                <a:endParaRPr lang="en-US" altLang="ko-KR" sz="2000" b="1" i="1" dirty="0" smtClean="0">
                   <a:ea typeface="굴림" pitchFamily="50" charset="-127"/>
                 </a:endParaRPr>
               </a:p>
@@ -22028,7 +22078,7 @@
                   <a:defRPr/>
                 </a:pPr>
                 <a:r>
-                  <a:rPr lang="en-US" altLang="ko-KR" sz="2000" b="1" dirty="0">
+                  <a:rPr lang="en-US" altLang="ko-KR" sz="2000" b="1" dirty="0" smtClean="0">
                     <a:ea typeface="굴림" pitchFamily="50" charset="-127"/>
                   </a:rPr>
                   <a:t>     here                       </a:t>
@@ -22139,7 +22189,13 @@
                   <a:rPr lang="en-US" altLang="ko-KR" sz="2000" b="1" i="1" dirty="0">
                     <a:ea typeface="굴림" pitchFamily="50" charset="-127"/>
                   </a:rPr>
-                  <a:t>     and          </a:t>
+                  <a:t> </a:t>
+                </a:r>
+                <a:r>
+                  <a:rPr lang="en-US" altLang="ko-KR" sz="2000" b="1" i="1" dirty="0" smtClean="0">
+                    <a:ea typeface="굴림" pitchFamily="50" charset="-127"/>
+                  </a:rPr>
+                  <a:t>    and          </a:t>
                 </a:r>
                 <a14:m>
                   <m:oMath xmlns:m="http://schemas.openxmlformats.org/officeDocument/2006/math">
@@ -22243,7 +22299,7 @@
                     </m:sSub>
                   </m:oMath>
                 </a14:m>
-                <a:endParaRPr lang="en-US" altLang="ko-KR" sz="2000" b="1" i="1" dirty="0">
+                <a:endParaRPr lang="en-US" altLang="ko-KR" sz="2000" b="1" i="1" dirty="0" smtClean="0">
                   <a:ea typeface="굴림" pitchFamily="50" charset="-127"/>
                 </a:endParaRPr>
               </a:p>
@@ -22256,7 +22312,7 @@
                   <a:defRPr/>
                 </a:pPr>
                 <a:r>
-                  <a:rPr lang="en-US" altLang="ko-KR" sz="2000" b="1" i="1" dirty="0">
+                  <a:rPr lang="en-US" altLang="ko-KR" sz="2000" b="1" i="1" dirty="0" smtClean="0">
                     <a:ea typeface="굴림" pitchFamily="50" charset="-127"/>
                   </a:rPr>
                   <a:t>     so that                   </a:t>
@@ -22448,7 +22504,7 @@
                   </m:oMath>
                 </a14:m>
                 <a:r>
-                  <a:rPr lang="en-US" altLang="ko-KR" sz="2000" b="1" i="1" dirty="0">
+                  <a:rPr lang="en-US" altLang="ko-KR" sz="2000" b="1" i="1" dirty="0" smtClean="0">
                     <a:ea typeface="굴림" pitchFamily="50" charset="-127"/>
                   </a:rPr>
                   <a:t>   and   </a:t>
@@ -22724,18 +22780,14 @@
   <p:clrMapOvr>
     <a:masterClrMapping/>
   </p:clrMapOvr>
-  <mc:AlternateContent xmlns:mc="http://schemas.openxmlformats.org/markup-compatibility/2006">
-    <mc:Choice xmlns:p159="http://schemas.microsoft.com/office/powerpoint/2015/09/main" Requires="p159">
-      <p:transition spd="slow">
-        <p159:morph option="byChar"/>
-      </p:transition>
-    </mc:Choice>
-    <mc:Fallback>
-      <p:transition spd="slow">
-        <p:fade/>
-      </p:transition>
-    </mc:Fallback>
-  </mc:AlternateContent>
+  <p:transition spd="med"/>
+  <p:timing>
+    <p:tnLst>
+      <p:par>
+        <p:cTn id="1" dur="indefinite" restart="never" nodeType="tmRoot"/>
+      </p:par>
+    </p:tnLst>
+  </p:timing>
 </p:sld>
 </file>
 
@@ -22772,12 +22824,12 @@
           <a:lstStyle/>
           <a:p>
             <a:r>
-              <a:rPr lang="en-US" altLang="ko-KR" dirty="0">
+              <a:rPr lang="en-US" altLang="ko-KR" dirty="0" smtClean="0">
                 <a:ea typeface="굴림" panose="020B0600000101010101" pitchFamily="50" charset="-127"/>
               </a:rPr>
               <a:t>Example 2.10</a:t>
             </a:r>
-            <a:endParaRPr lang="ko-KR" altLang="en-US" dirty="0"/>
+            <a:endParaRPr lang="ko-KR" altLang="en-US" dirty="0" smtClean="0"/>
           </a:p>
         </p:txBody>
       </p:sp>
@@ -22806,7 +22858,7 @@
               <a:defRPr/>
             </a:pPr>
             <a:r>
-              <a:rPr lang="en-US" altLang="ko-KR" sz="2800" b="1" dirty="0">
+              <a:rPr lang="en-US" altLang="ko-KR" sz="2800" b="1" dirty="0" smtClean="0">
                 <a:solidFill>
                   <a:srgbClr val="0070C0"/>
                 </a:solidFill>
@@ -22820,7 +22872,7 @@
               <a:defRPr/>
             </a:pPr>
             <a:r>
-              <a:rPr lang="en-US" altLang="ko-KR" sz="2000" b="1" dirty="0">
+              <a:rPr lang="en-US" altLang="ko-KR" sz="2000" b="1" dirty="0" smtClean="0">
                 <a:ea typeface="굴림" pitchFamily="50" charset="-127"/>
               </a:rPr>
               <a:t>Let us calculate the current in the two resistors</a:t>
@@ -22868,18 +22920,14 @@
   <p:clrMapOvr>
     <a:masterClrMapping/>
   </p:clrMapOvr>
-  <mc:AlternateContent xmlns:mc="http://schemas.openxmlformats.org/markup-compatibility/2006">
-    <mc:Choice xmlns:p159="http://schemas.microsoft.com/office/powerpoint/2015/09/main" Requires="p159">
-      <p:transition spd="slow">
-        <p159:morph option="byChar"/>
-      </p:transition>
-    </mc:Choice>
-    <mc:Fallback>
-      <p:transition spd="slow">
-        <p:fade/>
-      </p:transition>
-    </mc:Fallback>
-  </mc:AlternateContent>
+  <p:transition spd="med"/>
+  <p:timing>
+    <p:tnLst>
+      <p:par>
+        <p:cTn id="1" dur="indefinite" restart="never" nodeType="tmRoot"/>
+      </p:par>
+    </p:tnLst>
+  </p:timing>
 </p:sld>
 </file>
 
@@ -22916,12 +22964,12 @@
           <a:lstStyle/>
           <a:p>
             <a:r>
-              <a:rPr lang="en-US" altLang="ko-KR" dirty="0">
+              <a:rPr lang="en-US" altLang="ko-KR" dirty="0" smtClean="0">
                 <a:ea typeface="굴림" panose="020B0600000101010101" pitchFamily="50" charset="-127"/>
               </a:rPr>
               <a:t>Resistor combinations</a:t>
             </a:r>
-            <a:endParaRPr lang="ko-KR" altLang="en-US" dirty="0"/>
+            <a:endParaRPr lang="ko-KR" altLang="en-US" dirty="0" smtClean="0"/>
           </a:p>
         </p:txBody>
       </p:sp>
@@ -22950,7 +22998,7 @@
               <a:defRPr/>
             </a:pPr>
             <a:r>
-              <a:rPr lang="en-US" altLang="ko-KR" sz="2800" b="1" dirty="0">
+              <a:rPr lang="en-US" altLang="ko-KR" sz="2800" b="1" dirty="0" smtClean="0">
                 <a:solidFill>
                   <a:srgbClr val="0070C0"/>
                 </a:solidFill>
@@ -22964,7 +23012,7 @@
               <a:defRPr/>
             </a:pPr>
             <a:r>
-              <a:rPr lang="en-US" altLang="ko-KR" b="1" dirty="0">
+              <a:rPr lang="en-US" altLang="ko-KR" b="1" dirty="0" smtClean="0">
                 <a:ea typeface="굴림" pitchFamily="50" charset="-127"/>
               </a:rPr>
               <a:t>For N resistors in series</a:t>
@@ -22982,6 +23030,20 @@
             <a:pPr>
               <a:defRPr/>
             </a:pPr>
+            <a:endParaRPr lang="en-US" altLang="ko-KR" b="1" dirty="0" smtClean="0">
+              <a:ea typeface="굴림" pitchFamily="50" charset="-127"/>
+            </a:endParaRPr>
+          </a:p>
+          <a:p>
+            <a:pPr>
+              <a:defRPr/>
+            </a:pPr>
+            <a:r>
+              <a:rPr lang="en-US" altLang="ko-KR" b="1" dirty="0" smtClean="0">
+                <a:ea typeface="굴림" pitchFamily="50" charset="-127"/>
+              </a:rPr>
+              <a:t>For N resistor in parallel</a:t>
+            </a:r>
             <a:endParaRPr lang="en-US" altLang="ko-KR" b="1" dirty="0">
               <a:ea typeface="굴림" pitchFamily="50" charset="-127"/>
             </a:endParaRPr>
@@ -22990,12 +23052,9 @@
             <a:pPr>
               <a:defRPr/>
             </a:pPr>
-            <a:r>
-              <a:rPr lang="en-US" altLang="ko-KR" b="1" dirty="0">
-                <a:ea typeface="굴림" pitchFamily="50" charset="-127"/>
-              </a:rPr>
-              <a:t>For N resistor in parallel</a:t>
-            </a:r>
+            <a:endParaRPr lang="en-US" altLang="ko-KR" b="1" dirty="0" smtClean="0">
+              <a:ea typeface="굴림" pitchFamily="50" charset="-127"/>
+            </a:endParaRPr>
           </a:p>
           <a:p>
             <a:pPr>
@@ -23009,7 +23068,7 @@
             <a:pPr>
               <a:defRPr/>
             </a:pPr>
-            <a:endParaRPr lang="en-US" altLang="ko-KR" b="1" dirty="0">
+            <a:endParaRPr lang="en-US" altLang="ko-KR" b="1" dirty="0" smtClean="0">
               <a:ea typeface="굴림" pitchFamily="50" charset="-127"/>
             </a:endParaRPr>
           </a:p>
@@ -23017,16 +23076,8 @@
             <a:pPr>
               <a:defRPr/>
             </a:pPr>
-            <a:endParaRPr lang="en-US" altLang="ko-KR" b="1" dirty="0">
-              <a:ea typeface="굴림" pitchFamily="50" charset="-127"/>
-            </a:endParaRPr>
-          </a:p>
-          <a:p>
-            <a:pPr>
-              <a:defRPr/>
-            </a:pPr>
-            <a:r>
-              <a:rPr lang="en-US" altLang="ko-KR" b="1" i="1" dirty="0">
+            <a:r>
+              <a:rPr lang="en-US" altLang="ko-KR" b="1" i="1" dirty="0" smtClean="0">
                 <a:solidFill>
                   <a:srgbClr val="A50021"/>
                 </a:solidFill>
@@ -23034,13 +23085,19 @@
               </a:rPr>
               <a:t>Example 2.11</a:t>
             </a:r>
+            <a:endParaRPr lang="en-US" altLang="ko-KR" b="1" i="1" dirty="0">
+              <a:solidFill>
+                <a:srgbClr val="A50021"/>
+              </a:solidFill>
+              <a:ea typeface="굴림" pitchFamily="50" charset="-127"/>
+            </a:endParaRPr>
           </a:p>
           <a:p>
             <a:pPr marL="0" indent="0">
               <a:buNone/>
               <a:defRPr/>
             </a:pPr>
-            <a:endParaRPr lang="en-US" altLang="ko-KR" b="1" dirty="0">
+            <a:endParaRPr lang="en-US" altLang="ko-KR" b="1" dirty="0" smtClean="0">
               <a:ea typeface="굴림" pitchFamily="50" charset="-127"/>
             </a:endParaRPr>
           </a:p>
@@ -23491,18 +23548,14 @@
   <p:clrMapOvr>
     <a:masterClrMapping/>
   </p:clrMapOvr>
-  <mc:AlternateContent xmlns:mc="http://schemas.openxmlformats.org/markup-compatibility/2006">
-    <mc:Choice xmlns:p159="http://schemas.microsoft.com/office/powerpoint/2015/09/main" Requires="p159">
-      <p:transition spd="slow">
-        <p159:morph option="byChar"/>
-      </p:transition>
-    </mc:Choice>
-    <mc:Fallback>
-      <p:transition spd="slow">
-        <p:fade/>
-      </p:transition>
-    </mc:Fallback>
-  </mc:AlternateContent>
+  <p:transition spd="med"/>
+  <p:timing>
+    <p:tnLst>
+      <p:par>
+        <p:cTn id="1" dur="indefinite" restart="never" nodeType="tmRoot"/>
+      </p:par>
+    </p:tnLst>
+  </p:timing>
 </p:sld>
 </file>
 
@@ -23540,12 +23593,12 @@
           <a:p>
             <a:pPr eaLnBrk="1" hangingPunct="1"/>
             <a:r>
-              <a:rPr lang="en-US" altLang="ko-KR" sz="1800" dirty="0">
+              <a:rPr lang="en-US" altLang="ko-KR" sz="1800" dirty="0" smtClean="0">
                 <a:ea typeface="굴림" panose="020B0600000101010101" pitchFamily="50" charset="-127"/>
               </a:rPr>
               <a:t>Wye-Delta Transformations</a:t>
             </a:r>
-            <a:endParaRPr lang="ko-KR" altLang="en-US" sz="1800" dirty="0"/>
+            <a:endParaRPr lang="ko-KR" altLang="en-US" sz="1800" dirty="0" smtClean="0"/>
           </a:p>
         </p:txBody>
       </p:sp>
@@ -23581,7 +23634,7 @@
               <a:defRPr/>
             </a:pPr>
             <a:r>
-              <a:rPr lang="en-US" altLang="ko-KR" sz="3200" b="1" dirty="0">
+              <a:rPr lang="en-US" altLang="ko-KR" sz="3200" b="1" dirty="0" smtClean="0">
                 <a:solidFill>
                   <a:srgbClr val="0070C0"/>
                 </a:solidFill>
@@ -23595,29 +23648,29 @@
               <a:defRPr/>
             </a:pPr>
             <a:r>
-              <a:rPr lang="en-US" altLang="ko-KR" b="1" dirty="0">
+              <a:rPr lang="en-US" altLang="ko-KR" b="1" dirty="0" smtClean="0">
                 <a:ea typeface="굴림" charset="-127"/>
               </a:rPr>
               <a:t>There are cases where </a:t>
             </a:r>
             <a:br>
-              <a:rPr lang="en-US" altLang="ko-KR" b="1" dirty="0">
+              <a:rPr lang="en-US" altLang="ko-KR" b="1" dirty="0" smtClean="0">
                 <a:ea typeface="굴림" charset="-127"/>
               </a:rPr>
             </a:br>
             <a:r>
-              <a:rPr lang="en-US" altLang="ko-KR" b="1" dirty="0">
+              <a:rPr lang="en-US" altLang="ko-KR" b="1" dirty="0" smtClean="0">
                 <a:ea typeface="굴림" charset="-127"/>
               </a:rPr>
               <a:t>resistors are neither parallel </a:t>
             </a:r>
             <a:br>
-              <a:rPr lang="en-US" altLang="ko-KR" b="1" dirty="0">
+              <a:rPr lang="en-US" altLang="ko-KR" b="1" dirty="0" smtClean="0">
                 <a:ea typeface="굴림" charset="-127"/>
               </a:rPr>
             </a:br>
             <a:r>
-              <a:rPr lang="en-US" altLang="ko-KR" b="1" dirty="0">
+              <a:rPr lang="en-US" altLang="ko-KR" b="1" dirty="0" smtClean="0">
                 <a:ea typeface="굴림" charset="-127"/>
               </a:rPr>
               <a:t>nor series</a:t>
@@ -23628,18 +23681,18 @@
               <a:defRPr/>
             </a:pPr>
             <a:r>
-              <a:rPr lang="en-US" altLang="ko-KR" b="1" dirty="0">
+              <a:rPr lang="en-US" altLang="ko-KR" b="1" dirty="0" smtClean="0">
                 <a:ea typeface="굴림" charset="-127"/>
               </a:rPr>
               <a:t>Consider the bridge circuit</a:t>
             </a:r>
             <a:br>
-              <a:rPr lang="en-US" altLang="ko-KR" b="1" dirty="0">
+              <a:rPr lang="en-US" altLang="ko-KR" b="1" dirty="0" smtClean="0">
                 <a:ea typeface="굴림" charset="-127"/>
               </a:rPr>
             </a:br>
             <a:r>
-              <a:rPr lang="en-US" altLang="ko-KR" b="1" dirty="0">
+              <a:rPr lang="en-US" altLang="ko-KR" b="1" dirty="0" smtClean="0">
                 <a:ea typeface="굴림" charset="-127"/>
               </a:rPr>
               <a:t>shown here</a:t>
@@ -23650,18 +23703,18 @@
               <a:defRPr/>
             </a:pPr>
             <a:r>
-              <a:rPr lang="en-US" altLang="ko-KR" b="1" dirty="0">
+              <a:rPr lang="en-US" altLang="ko-KR" b="1" dirty="0" smtClean="0">
                 <a:ea typeface="굴림" charset="-127"/>
               </a:rPr>
               <a:t>This circuit can be simplified</a:t>
             </a:r>
             <a:br>
-              <a:rPr lang="en-US" altLang="ko-KR" b="1" dirty="0">
+              <a:rPr lang="en-US" altLang="ko-KR" b="1" dirty="0" smtClean="0">
                 <a:ea typeface="굴림" charset="-127"/>
               </a:rPr>
             </a:br>
             <a:r>
-              <a:rPr lang="en-US" altLang="ko-KR" b="1" dirty="0">
+              <a:rPr lang="en-US" altLang="ko-KR" b="1" dirty="0" smtClean="0">
                 <a:ea typeface="굴림" charset="-127"/>
               </a:rPr>
               <a:t>to a three-terminal equivalent</a:t>
@@ -23703,18 +23756,14 @@
   <p:clrMapOvr>
     <a:masterClrMapping/>
   </p:clrMapOvr>
-  <mc:AlternateContent xmlns:mc="http://schemas.openxmlformats.org/markup-compatibility/2006">
-    <mc:Choice xmlns:p159="http://schemas.microsoft.com/office/powerpoint/2015/09/main" Requires="p159">
-      <p:transition spd="slow">
-        <p159:morph option="byChar"/>
-      </p:transition>
-    </mc:Choice>
-    <mc:Fallback>
-      <p:transition spd="slow">
-        <p:fade/>
-      </p:transition>
-    </mc:Fallback>
-  </mc:AlternateContent>
+  <p:transition spd="med"/>
+  <p:timing>
+    <p:tnLst>
+      <p:par>
+        <p:cTn id="1" dur="indefinite" restart="never" nodeType="tmRoot"/>
+      </p:par>
+    </p:tnLst>
+  </p:timing>
 </p:sld>
 </file>
 
@@ -23776,12 +23825,12 @@
           <a:p>
             <a:pPr eaLnBrk="1" hangingPunct="1"/>
             <a:r>
-              <a:rPr lang="en-US" altLang="ko-KR" sz="1800" dirty="0">
+              <a:rPr lang="en-US" altLang="ko-KR" sz="1800" dirty="0" smtClean="0">
                 <a:ea typeface="굴림" panose="020B0600000101010101" pitchFamily="50" charset="-127"/>
               </a:rPr>
               <a:t>Wye-Delta Transformations</a:t>
             </a:r>
-            <a:endParaRPr lang="ko-KR" altLang="en-US" sz="1800" dirty="0"/>
+            <a:endParaRPr lang="ko-KR" altLang="en-US" sz="1800" dirty="0" smtClean="0"/>
           </a:p>
         </p:txBody>
       </p:sp>
@@ -23817,7 +23866,7 @@
               <a:defRPr/>
             </a:pPr>
             <a:r>
-              <a:rPr lang="en-US" altLang="ko-KR" sz="3200" b="1" dirty="0">
+              <a:rPr lang="en-US" altLang="ko-KR" sz="3200" b="1" dirty="0" smtClean="0">
                 <a:solidFill>
                   <a:srgbClr val="0070C0"/>
                 </a:solidFill>
@@ -23837,18 +23886,18 @@
               <a:defRPr/>
             </a:pPr>
             <a:r>
-              <a:rPr lang="en-US" altLang="ko-KR" b="1" dirty="0">
+              <a:rPr lang="en-US" altLang="ko-KR" b="1" dirty="0" smtClean="0">
                 <a:ea typeface="굴림" charset="-127"/>
               </a:rPr>
               <a:t>Two topologies can be </a:t>
             </a:r>
             <a:br>
-              <a:rPr lang="en-US" altLang="ko-KR" b="1" dirty="0">
+              <a:rPr lang="en-US" altLang="ko-KR" b="1" dirty="0" smtClean="0">
                 <a:ea typeface="굴림" charset="-127"/>
               </a:rPr>
             </a:br>
             <a:r>
-              <a:rPr lang="en-US" altLang="ko-KR" b="1" dirty="0">
+              <a:rPr lang="en-US" altLang="ko-KR" b="1" dirty="0" smtClean="0">
                 <a:ea typeface="굴림" charset="-127"/>
               </a:rPr>
               <a:t>interchanged:</a:t>
@@ -23865,7 +23914,7 @@
               <a:defRPr/>
             </a:pPr>
             <a:r>
-              <a:rPr lang="en-US" altLang="ko-KR" b="1" dirty="0">
+              <a:rPr lang="en-US" altLang="ko-KR" b="1" dirty="0" smtClean="0">
                 <a:ea typeface="굴림" charset="-127"/>
               </a:rPr>
               <a:t>Wye (Y) or tee (T) networks</a:t>
@@ -23882,27 +23931,27 @@
               <a:defRPr/>
             </a:pPr>
             <a:r>
-              <a:rPr lang="en-US" altLang="ko-KR" b="1" dirty="0">
+              <a:rPr lang="en-US" altLang="ko-KR" b="1" dirty="0" smtClean="0">
                 <a:ea typeface="굴림" charset="-127"/>
               </a:rPr>
               <a:t>Delta (</a:t>
             </a:r>
             <a:r>
-              <a:rPr lang="el-GR" b="1" dirty="0"/>
+              <a:rPr lang="el-GR" b="1" dirty="0" smtClean="0"/>
               <a:t>Δ</a:t>
             </a:r>
             <a:r>
-              <a:rPr lang="en-US" altLang="ko-KR" b="1" dirty="0">
+              <a:rPr lang="en-US" altLang="ko-KR" b="1" dirty="0" smtClean="0">
                 <a:ea typeface="굴림" charset="-127"/>
               </a:rPr>
               <a:t>) or pi (</a:t>
             </a:r>
             <a:r>
-              <a:rPr lang="el-GR" b="1" dirty="0"/>
+              <a:rPr lang="el-GR" b="1" dirty="0" smtClean="0"/>
               <a:t>Π</a:t>
             </a:r>
             <a:r>
-              <a:rPr lang="en-US" altLang="ko-KR" b="1" dirty="0">
+              <a:rPr lang="en-US" altLang="ko-KR" b="1" dirty="0" smtClean="0">
                 <a:ea typeface="굴림" charset="-127"/>
               </a:rPr>
               <a:t>) networks</a:t>
@@ -23919,40 +23968,40 @@
               <a:defRPr/>
             </a:pPr>
             <a:r>
-              <a:rPr lang="en-US" altLang="ko-KR" b="1" dirty="0">
+              <a:rPr lang="en-US" altLang="ko-KR" b="1" dirty="0" smtClean="0">
                 <a:ea typeface="굴림" charset="-127"/>
               </a:rPr>
               <a:t>Transforming between </a:t>
             </a:r>
             <a:br>
-              <a:rPr lang="en-US" altLang="ko-KR" b="1" dirty="0">
+              <a:rPr lang="en-US" altLang="ko-KR" b="1" dirty="0" smtClean="0">
                 <a:ea typeface="굴림" charset="-127"/>
               </a:rPr>
             </a:br>
             <a:r>
-              <a:rPr lang="en-US" altLang="ko-KR" b="1" dirty="0">
+              <a:rPr lang="en-US" altLang="ko-KR" b="1" dirty="0" smtClean="0">
                 <a:ea typeface="굴림" charset="-127"/>
               </a:rPr>
               <a:t>these two topologies </a:t>
             </a:r>
             <a:br>
-              <a:rPr lang="en-US" altLang="ko-KR" b="1" dirty="0">
+              <a:rPr lang="en-US" altLang="ko-KR" b="1" dirty="0" smtClean="0">
                 <a:ea typeface="굴림" charset="-127"/>
               </a:rPr>
             </a:br>
             <a:r>
-              <a:rPr lang="en-US" altLang="ko-KR" b="1" dirty="0">
+              <a:rPr lang="en-US" altLang="ko-KR" b="1" dirty="0" smtClean="0">
                 <a:ea typeface="굴림" charset="-127"/>
               </a:rPr>
               <a:t>often makes the solution</a:t>
             </a:r>
             <a:br>
-              <a:rPr lang="en-US" altLang="ko-KR" b="1" dirty="0">
+              <a:rPr lang="en-US" altLang="ko-KR" b="1" dirty="0" smtClean="0">
                 <a:ea typeface="굴림" charset="-127"/>
               </a:rPr>
             </a:br>
             <a:r>
-              <a:rPr lang="en-US" altLang="ko-KR" b="1" dirty="0">
+              <a:rPr lang="en-US" altLang="ko-KR" b="1" dirty="0" smtClean="0">
                 <a:ea typeface="굴림" charset="-127"/>
               </a:rPr>
               <a:t>of a circuit easier</a:t>
@@ -23994,18 +24043,14 @@
   <p:clrMapOvr>
     <a:masterClrMapping/>
   </p:clrMapOvr>
-  <mc:AlternateContent xmlns:mc="http://schemas.openxmlformats.org/markup-compatibility/2006">
-    <mc:Choice xmlns:p159="http://schemas.microsoft.com/office/powerpoint/2015/09/main" Requires="p159">
-      <p:transition spd="slow">
-        <p159:morph option="byChar"/>
-      </p:transition>
-    </mc:Choice>
-    <mc:Fallback>
-      <p:transition spd="slow">
-        <p:fade/>
-      </p:transition>
-    </mc:Fallback>
-  </mc:AlternateContent>
+  <p:transition spd="med"/>
+  <p:timing>
+    <p:tnLst>
+      <p:par>
+        <p:cTn id="1" dur="indefinite" restart="never" nodeType="tmRoot"/>
+      </p:par>
+    </p:tnLst>
+  </p:timing>
 </p:sld>
 </file>
 
@@ -24067,12 +24112,12 @@
           <a:p>
             <a:pPr eaLnBrk="1" hangingPunct="1"/>
             <a:r>
-              <a:rPr lang="en-US" altLang="ko-KR" sz="1800" dirty="0">
+              <a:rPr lang="en-US" altLang="ko-KR" sz="1800" dirty="0" smtClean="0">
                 <a:ea typeface="굴림" panose="020B0600000101010101" pitchFamily="50" charset="-127"/>
               </a:rPr>
               <a:t>Wye-Delta Transformations</a:t>
             </a:r>
-            <a:endParaRPr lang="ko-KR" altLang="en-US" sz="1800" dirty="0"/>
+            <a:endParaRPr lang="ko-KR" altLang="en-US" sz="1800" dirty="0" smtClean="0"/>
           </a:p>
         </p:txBody>
       </p:sp>
@@ -24108,7 +24153,7 @@
               <a:defRPr/>
             </a:pPr>
             <a:r>
-              <a:rPr lang="en-US" altLang="ko-KR" sz="3200" b="1" dirty="0">
+              <a:rPr lang="en-US" altLang="ko-KR" sz="3200" b="1" dirty="0" smtClean="0">
                 <a:solidFill>
                   <a:srgbClr val="0070C0"/>
                 </a:solidFill>
@@ -24122,29 +24167,29 @@
               <a:defRPr/>
             </a:pPr>
             <a:r>
-              <a:rPr lang="en-US" altLang="ko-KR" b="1" dirty="0">
+              <a:rPr lang="en-US" altLang="ko-KR" b="1" dirty="0" smtClean="0">
                 <a:ea typeface="굴림" charset="-127"/>
               </a:rPr>
               <a:t>The superimposed wye and </a:t>
             </a:r>
             <a:br>
-              <a:rPr lang="en-US" altLang="ko-KR" b="1" dirty="0">
+              <a:rPr lang="en-US" altLang="ko-KR" b="1" dirty="0" smtClean="0">
                 <a:ea typeface="굴림" charset="-127"/>
               </a:rPr>
             </a:br>
             <a:r>
-              <a:rPr lang="en-US" altLang="ko-KR" b="1" dirty="0">
+              <a:rPr lang="en-US" altLang="ko-KR" b="1" dirty="0" smtClean="0">
                 <a:ea typeface="굴림" charset="-127"/>
               </a:rPr>
               <a:t>delta circuits shown here will </a:t>
             </a:r>
             <a:br>
-              <a:rPr lang="en-US" altLang="ko-KR" b="1" dirty="0">
+              <a:rPr lang="en-US" altLang="ko-KR" b="1" dirty="0" smtClean="0">
                 <a:ea typeface="굴림" charset="-127"/>
               </a:rPr>
             </a:br>
             <a:r>
-              <a:rPr lang="en-US" altLang="ko-KR" b="1" dirty="0">
+              <a:rPr lang="en-US" altLang="ko-KR" b="1" dirty="0" smtClean="0">
                 <a:ea typeface="굴림" charset="-127"/>
               </a:rPr>
               <a:t>used for reference.</a:t>
@@ -24155,44 +24200,44 @@
               <a:defRPr/>
             </a:pPr>
             <a:r>
-              <a:rPr lang="en-US" altLang="ko-KR" b="1" dirty="0">
+              <a:rPr lang="en-US" altLang="ko-KR" b="1" dirty="0" smtClean="0">
                 <a:ea typeface="굴림" charset="-127"/>
               </a:rPr>
               <a:t>The delta consists of the outer </a:t>
             </a:r>
             <a:br>
-              <a:rPr lang="en-US" altLang="ko-KR" b="1" dirty="0">
+              <a:rPr lang="en-US" altLang="ko-KR" b="1" dirty="0" smtClean="0">
                 <a:ea typeface="굴림" charset="-127"/>
               </a:rPr>
             </a:br>
             <a:r>
-              <a:rPr lang="en-US" altLang="ko-KR" b="1" dirty="0">
+              <a:rPr lang="en-US" altLang="ko-KR" b="1" dirty="0" smtClean="0">
                 <a:ea typeface="굴림" charset="-127"/>
               </a:rPr>
               <a:t>resistors, labeled </a:t>
             </a:r>
             <a:r>
-              <a:rPr lang="en-US" altLang="ko-KR" b="1" dirty="0">
+              <a:rPr lang="en-US" altLang="ko-KR" b="1" dirty="0" smtClean="0">
                 <a:latin typeface="+mn-lt"/>
                 <a:ea typeface="굴림" charset="-127"/>
               </a:rPr>
               <a:t>a, b, </a:t>
             </a:r>
             <a:r>
-              <a:rPr lang="en-US" altLang="ko-KR" b="1" dirty="0">
+              <a:rPr lang="en-US" altLang="ko-KR" b="1" dirty="0" smtClean="0">
                 <a:ea typeface="굴림" charset="-127"/>
               </a:rPr>
               <a:t>and </a:t>
             </a:r>
             <a:r>
-              <a:rPr lang="en-US" altLang="ko-KR" b="1" dirty="0">
+              <a:rPr lang="en-US" altLang="ko-KR" b="1" dirty="0" smtClean="0">
                 <a:latin typeface="+mn-lt"/>
                 <a:ea typeface="굴림" charset="-127"/>
               </a:rPr>
               <a:t>c</a:t>
             </a:r>
             <a:r>
-              <a:rPr lang="en-US" altLang="ko-KR" b="1" dirty="0">
+              <a:rPr lang="en-US" altLang="ko-KR" b="1" dirty="0" smtClean="0">
                 <a:ea typeface="굴림" charset="-127"/>
               </a:rPr>
               <a:t>.</a:t>
@@ -24203,44 +24248,44 @@
               <a:defRPr/>
             </a:pPr>
             <a:r>
-              <a:rPr lang="en-US" altLang="ko-KR" b="1" dirty="0">
+              <a:rPr lang="en-US" altLang="ko-KR" b="1" dirty="0" smtClean="0">
                 <a:ea typeface="굴림" charset="-127"/>
               </a:rPr>
               <a:t>The wye network are the inside </a:t>
             </a:r>
             <a:br>
-              <a:rPr lang="en-US" altLang="ko-KR" b="1" dirty="0">
+              <a:rPr lang="en-US" altLang="ko-KR" b="1" dirty="0" smtClean="0">
                 <a:ea typeface="굴림" charset="-127"/>
               </a:rPr>
             </a:br>
             <a:r>
-              <a:rPr lang="en-US" altLang="ko-KR" b="1" dirty="0">
+              <a:rPr lang="en-US" altLang="ko-KR" b="1" dirty="0" smtClean="0">
                 <a:ea typeface="굴림" charset="-127"/>
               </a:rPr>
               <a:t>resistors, labeled </a:t>
             </a:r>
             <a:r>
-              <a:rPr lang="en-US" altLang="ko-KR" b="1" dirty="0">
+              <a:rPr lang="en-US" altLang="ko-KR" b="1" dirty="0" smtClean="0">
                 <a:latin typeface="+mn-lt"/>
                 <a:ea typeface="굴림" charset="-127"/>
               </a:rPr>
               <a:t>1, 2, </a:t>
             </a:r>
             <a:r>
-              <a:rPr lang="en-US" altLang="ko-KR" b="1" dirty="0">
+              <a:rPr lang="en-US" altLang="ko-KR" b="1" dirty="0" smtClean="0">
                 <a:ea typeface="굴림" charset="-127"/>
               </a:rPr>
               <a:t>and </a:t>
             </a:r>
             <a:r>
-              <a:rPr lang="en-US" altLang="ko-KR" b="1" dirty="0">
+              <a:rPr lang="en-US" altLang="ko-KR" b="1" dirty="0" smtClean="0">
                 <a:latin typeface="+mn-lt"/>
                 <a:ea typeface="굴림" charset="-127"/>
               </a:rPr>
               <a:t>3</a:t>
             </a:r>
             <a:r>
-              <a:rPr lang="en-US" altLang="ko-KR" b="1" dirty="0">
+              <a:rPr lang="en-US" altLang="ko-KR" b="1" dirty="0" smtClean="0">
                 <a:ea typeface="굴림" charset="-127"/>
               </a:rPr>
               <a:t>.</a:t>
@@ -24258,18 +24303,14 @@
   <p:clrMapOvr>
     <a:masterClrMapping/>
   </p:clrMapOvr>
-  <mc:AlternateContent xmlns:mc="http://schemas.openxmlformats.org/markup-compatibility/2006">
-    <mc:Choice xmlns:p159="http://schemas.microsoft.com/office/powerpoint/2015/09/main" Requires="p159">
-      <p:transition spd="slow">
-        <p159:morph option="byChar"/>
-      </p:transition>
-    </mc:Choice>
-    <mc:Fallback>
-      <p:transition spd="slow">
-        <p:fade/>
-      </p:transition>
-    </mc:Fallback>
-  </mc:AlternateContent>
+  <p:transition spd="med"/>
+  <p:timing>
+    <p:tnLst>
+      <p:par>
+        <p:cTn id="1" dur="indefinite" restart="never" nodeType="tmRoot"/>
+      </p:par>
+    </p:tnLst>
+  </p:timing>
 </p:sld>
 </file>
 
@@ -24307,12 +24348,12 @@
           <a:p>
             <a:pPr eaLnBrk="1" hangingPunct="1"/>
             <a:r>
-              <a:rPr lang="en-US" altLang="ko-KR" sz="2400" dirty="0">
+              <a:rPr lang="en-US" altLang="ko-KR" sz="2400" dirty="0" smtClean="0">
                 <a:ea typeface="굴림" panose="020B0600000101010101" pitchFamily="50" charset="-127"/>
               </a:rPr>
               <a:t>Ohm’s Law</a:t>
             </a:r>
-            <a:endParaRPr lang="ko-KR" altLang="en-US" sz="2400" dirty="0"/>
+            <a:endParaRPr lang="ko-KR" altLang="en-US" sz="2400" dirty="0" smtClean="0"/>
           </a:p>
         </p:txBody>
       </p:sp>
@@ -24344,7 +24385,7 @@
                   <a:defRPr/>
                 </a:pPr>
                 <a:r>
-                  <a:rPr lang="en-US" altLang="ko-KR" sz="2800" b="1" dirty="0">
+                  <a:rPr lang="en-US" altLang="ko-KR" sz="2800" b="1" dirty="0" smtClean="0">
                     <a:solidFill>
                       <a:srgbClr val="0070C0"/>
                     </a:solidFill>
@@ -24352,19 +24393,25 @@
                   </a:rPr>
                   <a:t>Ohm’s Law</a:t>
                 </a:r>
+                <a:endParaRPr lang="en-US" altLang="ko-KR" sz="2800" b="1" dirty="0">
+                  <a:solidFill>
+                    <a:srgbClr val="0070C0"/>
+                  </a:solidFill>
+                  <a:ea typeface="굴림" pitchFamily="50" charset="-127"/>
+                </a:endParaRPr>
               </a:p>
               <a:p>
                 <a:pPr eaLnBrk="1" hangingPunct="1">
                   <a:defRPr/>
                 </a:pPr>
                 <a:r>
-                  <a:rPr lang="en-US" altLang="ko-KR" b="1" dirty="0">
+                  <a:rPr lang="en-US" altLang="ko-KR" b="1" dirty="0" smtClean="0">
                     <a:ea typeface="굴림" pitchFamily="50" charset="-127"/>
                   </a:rPr>
                   <a:t>The </a:t>
                 </a:r>
                 <a:r>
-                  <a:rPr lang="en-US" altLang="ko-KR" b="1" i="1" dirty="0">
+                  <a:rPr lang="en-US" altLang="ko-KR" b="1" i="1" dirty="0" smtClean="0">
                     <a:solidFill>
                       <a:srgbClr val="A50021"/>
                     </a:solidFill>
@@ -24373,13 +24420,13 @@
                   <a:t>voltage</a:t>
                 </a:r>
                 <a:r>
-                  <a:rPr lang="en-US" altLang="ko-KR" b="1" dirty="0">
+                  <a:rPr lang="en-US" altLang="ko-KR" b="1" dirty="0" smtClean="0">
                     <a:ea typeface="굴림" pitchFamily="50" charset="-127"/>
                   </a:rPr>
                   <a:t> across a </a:t>
                 </a:r>
                 <a:r>
-                  <a:rPr lang="en-US" altLang="ko-KR" b="1" i="1" dirty="0">
+                  <a:rPr lang="en-US" altLang="ko-KR" b="1" i="1" dirty="0" smtClean="0">
                     <a:solidFill>
                       <a:srgbClr val="A50021"/>
                     </a:solidFill>
@@ -24388,13 +24435,13 @@
                   <a:t>resistance</a:t>
                 </a:r>
                 <a:r>
-                  <a:rPr lang="en-US" altLang="ko-KR" b="1" dirty="0">
+                  <a:rPr lang="en-US" altLang="ko-KR" b="1" dirty="0" smtClean="0">
                     <a:ea typeface="굴림" pitchFamily="50" charset="-127"/>
                   </a:rPr>
                   <a:t> is directly proportional to the </a:t>
                 </a:r>
                 <a:r>
-                  <a:rPr lang="en-US" altLang="ko-KR" b="1" i="1" dirty="0">
+                  <a:rPr lang="en-US" altLang="ko-KR" b="1" i="1" dirty="0" smtClean="0">
                     <a:solidFill>
                       <a:srgbClr val="A50021"/>
                     </a:solidFill>
@@ -24403,7 +24450,7 @@
                   <a:t>current</a:t>
                 </a:r>
                 <a:r>
-                  <a:rPr lang="en-US" altLang="ko-KR" b="1" dirty="0">
+                  <a:rPr lang="en-US" altLang="ko-KR" b="1" dirty="0" smtClean="0">
                     <a:ea typeface="굴림" pitchFamily="50" charset="-127"/>
                   </a:rPr>
                   <a:t> flowing through it.</a:t>
@@ -24414,7 +24461,7 @@
                   <a:defRPr/>
                 </a:pPr>
                 <a:r>
-                  <a:rPr lang="en-US" altLang="ko-KR" b="1" dirty="0">
+                  <a:rPr lang="en-US" altLang="ko-KR" b="1" dirty="0" smtClean="0">
                     <a:ea typeface="굴림" pitchFamily="50" charset="-127"/>
                   </a:rPr>
                   <a:t>Voltage is measured in volts(V).</a:t>
@@ -24425,7 +24472,7 @@
                   <a:defRPr/>
                 </a:pPr>
                 <a:r>
-                  <a:rPr lang="en-US" altLang="ko-KR" b="1" dirty="0">
+                  <a:rPr lang="en-US" altLang="ko-KR" b="1" dirty="0" smtClean="0">
                     <a:ea typeface="굴림" pitchFamily="50" charset="-127"/>
                   </a:rPr>
                   <a:t>Current is measured in amperes(A).</a:t>
@@ -24436,19 +24483,19 @@
                   <a:defRPr/>
                 </a:pPr>
                 <a:r>
-                  <a:rPr lang="en-US" altLang="ko-KR" b="1" dirty="0">
+                  <a:rPr lang="en-US" altLang="ko-KR" b="1" dirty="0" smtClean="0">
                     <a:ea typeface="굴림" pitchFamily="50" charset="-127"/>
                   </a:rPr>
                   <a:t>Resistance is measured in ohms(</a:t>
                 </a:r>
                 <a:r>
-                  <a:rPr lang="el-GR" altLang="ko-KR" b="1" dirty="0">
+                  <a:rPr lang="el-GR" altLang="ko-KR" b="1" dirty="0" smtClean="0">
                     <a:ea typeface="굴림" pitchFamily="50" charset="-127"/>
                   </a:rPr>
                   <a:t>Ω</a:t>
                 </a:r>
                 <a:r>
-                  <a:rPr lang="en-US" altLang="ko-KR" b="1" dirty="0">
+                  <a:rPr lang="en-US" altLang="ko-KR" b="1" dirty="0" smtClean="0">
                     <a:ea typeface="굴림" pitchFamily="50" charset="-127"/>
                   </a:rPr>
                   <a:t>).</a:t>
@@ -24470,7 +24517,7 @@
                   <a:defRPr/>
                 </a:pPr>
                 <a:r>
-                  <a:rPr lang="en-US" altLang="ko-KR" b="1" i="1" dirty="0">
+                  <a:rPr lang="en-US" altLang="ko-KR" b="1" i="1" dirty="0" smtClean="0">
                     <a:latin typeface="Cambria Math" panose="02040503050406030204" pitchFamily="18" charset="0"/>
                     <a:ea typeface="굴림" pitchFamily="50" charset="-127"/>
                   </a:rPr>
@@ -24588,7 +24635,7 @@
                     </m:r>
                   </m:oMath>
                 </a14:m>
-                <a:endParaRPr lang="en-US" altLang="ko-KR" b="1" dirty="0">
+                <a:endParaRPr lang="en-US" altLang="ko-KR" b="1" dirty="0" smtClean="0">
                   <a:ea typeface="굴림" pitchFamily="50" charset="-127"/>
                 </a:endParaRPr>
               </a:p>
@@ -24668,18 +24715,14 @@
   <p:clrMapOvr>
     <a:masterClrMapping/>
   </p:clrMapOvr>
-  <mc:AlternateContent xmlns:mc="http://schemas.openxmlformats.org/markup-compatibility/2006">
-    <mc:Choice xmlns:p159="http://schemas.microsoft.com/office/powerpoint/2015/09/main" Requires="p159">
-      <p:transition spd="slow">
-        <p159:morph option="byChar"/>
-      </p:transition>
-    </mc:Choice>
-    <mc:Fallback>
-      <p:transition spd="slow">
-        <p:fade/>
-      </p:transition>
-    </mc:Fallback>
-  </mc:AlternateContent>
+  <p:transition spd="med"/>
+  <p:timing>
+    <p:tnLst>
+      <p:par>
+        <p:cTn id="1" dur="indefinite" restart="never" nodeType="tmRoot"/>
+      </p:par>
+    </p:tnLst>
+  </p:timing>
 </p:sld>
 </file>
 
@@ -24717,12 +24760,12 @@
           <a:p>
             <a:pPr eaLnBrk="1" hangingPunct="1"/>
             <a:r>
-              <a:rPr lang="en-US" altLang="ko-KR" sz="1800" dirty="0">
+              <a:rPr lang="en-US" altLang="ko-KR" sz="1800" dirty="0" smtClean="0">
                 <a:ea typeface="굴림" panose="020B0600000101010101" pitchFamily="50" charset="-127"/>
               </a:rPr>
               <a:t>Wye-Delta Transformations</a:t>
             </a:r>
-            <a:endParaRPr lang="ko-KR" altLang="en-US" sz="1800" dirty="0"/>
+            <a:endParaRPr lang="ko-KR" altLang="en-US" sz="1800" dirty="0" smtClean="0"/>
           </a:p>
         </p:txBody>
       </p:sp>
@@ -24758,7 +24801,7 @@
               <a:defRPr/>
             </a:pPr>
             <a:r>
-              <a:rPr lang="en-US" altLang="ko-KR" sz="3200" b="1" dirty="0">
+              <a:rPr lang="en-US" altLang="ko-KR" sz="3200" b="1" dirty="0" smtClean="0">
                 <a:solidFill>
                   <a:srgbClr val="0070C0"/>
                 </a:solidFill>
@@ -24772,7 +24815,7 @@
               <a:defRPr/>
             </a:pPr>
             <a:r>
-              <a:rPr lang="en-US" altLang="ko-KR" b="1" dirty="0">
+              <a:rPr lang="en-US" altLang="ko-KR" b="1" dirty="0" smtClean="0">
                 <a:ea typeface="굴림" charset="-127"/>
               </a:rPr>
               <a:t>The conversion formula for a delta to wye transformation are:</a:t>
@@ -24796,12 +24839,12 @@
           <a:graphicData uri="http://schemas.openxmlformats.org/presentationml/2006/ole">
             <mc:AlternateContent xmlns:mc="http://schemas.openxmlformats.org/markup-compatibility/2006">
               <mc:Choice xmlns:v="urn:schemas-microsoft-com:vml" Requires="v">
-                <p:oleObj name="Equation" r:id="rId2" imgW="1117600" imgH="1333500" progId="Equation.DSMT4">
+                <p:oleObj spid="_x0000_s8200" name="Equation" r:id="rId3" imgW="1117600" imgH="1333500" progId="Equation.DSMT4">
                   <p:embed/>
                 </p:oleObj>
               </mc:Choice>
               <mc:Fallback>
-                <p:oleObj name="Equation" r:id="rId2" imgW="1117600" imgH="1333500" progId="Equation.DSMT4">
+                <p:oleObj name="Equation" r:id="rId3" imgW="1117600" imgH="1333500" progId="Equation.DSMT4">
                   <p:embed/>
                   <p:pic>
                     <p:nvPicPr>
@@ -24812,7 +24855,7 @@
                       <p:nvPr/>
                     </p:nvPicPr>
                     <p:blipFill>
-                      <a:blip r:embed="rId3">
+                      <a:blip r:embed="rId4">
                         <a:extLst>
                           <a:ext uri="{28A0092B-C50C-407E-A947-70E740481C1C}">
                             <a14:useLocalDpi xmlns:a14="http://schemas.microsoft.com/office/drawing/2010/main" val="0"/>
@@ -24882,7 +24925,7 @@
           <p:nvPr/>
         </p:nvPicPr>
         <p:blipFill>
-          <a:blip r:embed="rId4"/>
+          <a:blip r:embed="rId5"/>
           <a:stretch>
             <a:fillRect/>
           </a:stretch>
@@ -24907,18 +24950,14 @@
   <p:clrMapOvr>
     <a:masterClrMapping/>
   </p:clrMapOvr>
-  <mc:AlternateContent xmlns:mc="http://schemas.openxmlformats.org/markup-compatibility/2006">
-    <mc:Choice xmlns:p159="http://schemas.microsoft.com/office/powerpoint/2015/09/main" Requires="p159">
-      <p:transition spd="slow">
-        <p159:morph option="byChar"/>
-      </p:transition>
-    </mc:Choice>
-    <mc:Fallback>
-      <p:transition spd="slow">
-        <p:fade/>
-      </p:transition>
-    </mc:Fallback>
-  </mc:AlternateContent>
+  <p:transition spd="med"/>
+  <p:timing>
+    <p:tnLst>
+      <p:par>
+        <p:cTn id="1" dur="indefinite" restart="never" nodeType="tmRoot"/>
+      </p:par>
+    </p:tnLst>
+  </p:timing>
 </p:sld>
 </file>
 
@@ -24956,12 +24995,12 @@
           <a:p>
             <a:pPr eaLnBrk="1" hangingPunct="1"/>
             <a:r>
-              <a:rPr lang="en-US" altLang="ko-KR" sz="1800" dirty="0">
+              <a:rPr lang="en-US" altLang="ko-KR" sz="1800" dirty="0" smtClean="0">
                 <a:ea typeface="굴림" panose="020B0600000101010101" pitchFamily="50" charset="-127"/>
               </a:rPr>
               <a:t>Wye-Delta Transformations</a:t>
             </a:r>
-            <a:endParaRPr lang="ko-KR" altLang="en-US" sz="1800" dirty="0"/>
+            <a:endParaRPr lang="ko-KR" altLang="en-US" sz="1800" dirty="0" smtClean="0"/>
           </a:p>
         </p:txBody>
       </p:sp>
@@ -24997,7 +25036,7 @@
               <a:defRPr/>
             </a:pPr>
             <a:r>
-              <a:rPr lang="en-US" altLang="ko-KR" sz="3200" b="1" dirty="0">
+              <a:rPr lang="en-US" altLang="ko-KR" sz="3200" b="1" dirty="0" smtClean="0">
                 <a:solidFill>
                   <a:srgbClr val="0070C0"/>
                 </a:solidFill>
@@ -25011,7 +25050,7 @@
               <a:defRPr/>
             </a:pPr>
             <a:r>
-              <a:rPr lang="en-US" altLang="ko-KR" b="1" dirty="0">
+              <a:rPr lang="en-US" altLang="ko-KR" b="1" dirty="0" smtClean="0">
                 <a:ea typeface="굴림" charset="-127"/>
               </a:rPr>
               <a:t>The conversion formula for a wye to delta transformation are:</a:t>
@@ -25041,12 +25080,12 @@
           <a:graphicData uri="http://schemas.openxmlformats.org/presentationml/2006/ole">
             <mc:AlternateContent xmlns:mc="http://schemas.openxmlformats.org/markup-compatibility/2006">
               <mc:Choice xmlns:v="urn:schemas-microsoft-com:vml" Requires="v">
-                <p:oleObj name="Equation" r:id="rId2" imgW="1511300" imgH="1333500" progId="Equation.DSMT4">
+                <p:oleObj spid="_x0000_s9222" name="Equation" r:id="rId3" imgW="1511300" imgH="1333500" progId="Equation.DSMT4">
                   <p:embed/>
                 </p:oleObj>
               </mc:Choice>
               <mc:Fallback>
-                <p:oleObj name="Equation" r:id="rId2" imgW="1511300" imgH="1333500" progId="Equation.DSMT4">
+                <p:oleObj name="Equation" r:id="rId3" imgW="1511300" imgH="1333500" progId="Equation.DSMT4">
                   <p:embed/>
                   <p:pic>
                     <p:nvPicPr>
@@ -25057,7 +25096,7 @@
                       <p:nvPr/>
                     </p:nvPicPr>
                     <p:blipFill>
-                      <a:blip r:embed="rId3">
+                      <a:blip r:embed="rId4">
                         <a:extLst>
                           <a:ext uri="{28A0092B-C50C-407E-A947-70E740481C1C}">
                             <a14:useLocalDpi xmlns:a14="http://schemas.microsoft.com/office/drawing/2010/main" val="0"/>
@@ -25127,7 +25166,7 @@
           <p:nvPr/>
         </p:nvPicPr>
         <p:blipFill>
-          <a:blip r:embed="rId4"/>
+          <a:blip r:embed="rId5"/>
           <a:stretch>
             <a:fillRect/>
           </a:stretch>
@@ -25152,18 +25191,14 @@
   <p:clrMapOvr>
     <a:masterClrMapping/>
   </p:clrMapOvr>
-  <mc:AlternateContent xmlns:mc="http://schemas.openxmlformats.org/markup-compatibility/2006">
-    <mc:Choice xmlns:p159="http://schemas.microsoft.com/office/powerpoint/2015/09/main" Requires="p159">
-      <p:transition spd="slow">
-        <p159:morph option="byChar"/>
-      </p:transition>
-    </mc:Choice>
-    <mc:Fallback>
-      <p:transition spd="slow">
-        <p:fade/>
-      </p:transition>
-    </mc:Fallback>
-  </mc:AlternateContent>
+  <p:transition spd="med"/>
+  <p:timing>
+    <p:tnLst>
+      <p:par>
+        <p:cTn id="1" dur="indefinite" restart="never" nodeType="tmRoot"/>
+      </p:par>
+    </p:tnLst>
+  </p:timing>
 </p:sld>
 </file>
 
@@ -25200,12 +25235,12 @@
           <a:lstStyle/>
           <a:p>
             <a:r>
-              <a:rPr lang="en-US" altLang="ko-KR" dirty="0">
+              <a:rPr lang="en-US" altLang="ko-KR" dirty="0" smtClean="0">
                 <a:ea typeface="굴림" panose="020B0600000101010101" pitchFamily="50" charset="-127"/>
               </a:rPr>
               <a:t>Example 2.13</a:t>
             </a:r>
-            <a:endParaRPr lang="ko-KR" altLang="en-US" dirty="0"/>
+            <a:endParaRPr lang="ko-KR" altLang="en-US" dirty="0" smtClean="0"/>
           </a:p>
         </p:txBody>
       </p:sp>
@@ -25234,7 +25269,7 @@
               <a:defRPr/>
             </a:pPr>
             <a:r>
-              <a:rPr lang="en-US" altLang="ko-KR" sz="2800" b="1" dirty="0">
+              <a:rPr lang="en-US" altLang="ko-KR" sz="2800" b="1" dirty="0" smtClean="0">
                 <a:solidFill>
                   <a:srgbClr val="0070C0"/>
                 </a:solidFill>
@@ -25248,7 +25283,7 @@
               <a:defRPr/>
             </a:pPr>
             <a:r>
-              <a:rPr lang="en-US" altLang="ko-KR" b="1" dirty="0">
+              <a:rPr lang="en-US" altLang="ko-KR" b="1" dirty="0" smtClean="0">
                 <a:ea typeface="굴림" pitchFamily="50" charset="-127"/>
               </a:rPr>
               <a:t>Let us determine the equivalent resistance at the terminals A-B for the network shown</a:t>
@@ -25267,7 +25302,7 @@
             <a:pPr>
               <a:defRPr/>
             </a:pPr>
-            <a:endParaRPr lang="en-US" altLang="ko-KR" sz="2000" b="1" dirty="0">
+            <a:endParaRPr lang="en-US" altLang="ko-KR" sz="2000" b="1" dirty="0" smtClean="0">
               <a:ea typeface="굴림" pitchFamily="50" charset="-127"/>
             </a:endParaRPr>
           </a:p>
@@ -25284,7 +25319,7 @@
               <a:buNone/>
               <a:defRPr/>
             </a:pPr>
-            <a:endParaRPr lang="en-US" altLang="ko-KR" sz="2000" b="1" dirty="0">
+            <a:endParaRPr lang="en-US" altLang="ko-KR" sz="2000" b="1" dirty="0" smtClean="0">
               <a:ea typeface="굴림" pitchFamily="50" charset="-127"/>
             </a:endParaRPr>
           </a:p>
@@ -25330,18 +25365,14 @@
   <p:clrMapOvr>
     <a:masterClrMapping/>
   </p:clrMapOvr>
-  <mc:AlternateContent xmlns:mc="http://schemas.openxmlformats.org/markup-compatibility/2006">
-    <mc:Choice xmlns:p159="http://schemas.microsoft.com/office/powerpoint/2015/09/main" Requires="p159">
-      <p:transition spd="slow">
-        <p159:morph option="byChar"/>
-      </p:transition>
-    </mc:Choice>
-    <mc:Fallback>
-      <p:transition spd="slow">
-        <p:fade/>
-      </p:transition>
-    </mc:Fallback>
-  </mc:AlternateContent>
+  <p:transition spd="med"/>
+  <p:timing>
+    <p:tnLst>
+      <p:par>
+        <p:cTn id="1" dur="indefinite" restart="never" nodeType="tmRoot"/>
+      </p:par>
+    </p:tnLst>
+  </p:timing>
 </p:sld>
 </file>
 
@@ -25378,12 +25409,12 @@
           <a:lstStyle/>
           <a:p>
             <a:r>
-              <a:rPr lang="en-US" altLang="ko-KR" dirty="0">
+              <a:rPr lang="en-US" altLang="ko-KR" dirty="0" smtClean="0">
                 <a:ea typeface="굴림" panose="020B0600000101010101" pitchFamily="50" charset="-127"/>
               </a:rPr>
               <a:t>Simple Network Analysis</a:t>
             </a:r>
-            <a:endParaRPr lang="ko-KR" altLang="en-US" dirty="0"/>
+            <a:endParaRPr lang="ko-KR" altLang="en-US" dirty="0" smtClean="0"/>
           </a:p>
         </p:txBody>
       </p:sp>
@@ -25412,7 +25443,7 @@
               <a:defRPr/>
             </a:pPr>
             <a:r>
-              <a:rPr lang="en-US" altLang="ko-KR" sz="2800" b="1" dirty="0">
+              <a:rPr lang="en-US" altLang="ko-KR" sz="2800" b="1" dirty="0" smtClean="0">
                 <a:solidFill>
                   <a:srgbClr val="0070C0"/>
                 </a:solidFill>
@@ -25426,7 +25457,7 @@
               <a:defRPr/>
             </a:pPr>
             <a:r>
-              <a:rPr lang="en-US" altLang="ko-KR" b="1" i="1" dirty="0">
+              <a:rPr lang="en-US" altLang="ko-KR" b="1" i="1" dirty="0" smtClean="0">
                 <a:solidFill>
                   <a:srgbClr val="A50021"/>
                 </a:solidFill>
@@ -25440,40 +25471,40 @@
               <a:defRPr/>
             </a:pPr>
             <a:r>
-              <a:rPr lang="en-US" altLang="ko-KR" b="1" dirty="0">
+              <a:rPr lang="en-US" altLang="ko-KR" b="1" dirty="0" smtClean="0">
                 <a:ea typeface="굴림" pitchFamily="50" charset="-127"/>
               </a:rPr>
               <a:t>We wish to de determine </a:t>
             </a:r>
             <a:br>
-              <a:rPr lang="en-US" altLang="ko-KR" b="1" dirty="0">
+              <a:rPr lang="en-US" altLang="ko-KR" b="1" dirty="0" smtClean="0">
                 <a:ea typeface="굴림" pitchFamily="50" charset="-127"/>
               </a:rPr>
             </a:br>
             <a:r>
-              <a:rPr lang="en-US" altLang="ko-KR" b="1" dirty="0">
+              <a:rPr lang="en-US" altLang="ko-KR" b="1" dirty="0" smtClean="0">
                 <a:ea typeface="굴림" pitchFamily="50" charset="-127"/>
               </a:rPr>
               <a:t>the voltage and currents </a:t>
             </a:r>
             <a:br>
-              <a:rPr lang="en-US" altLang="ko-KR" b="1" dirty="0">
+              <a:rPr lang="en-US" altLang="ko-KR" b="1" dirty="0" smtClean="0">
                 <a:ea typeface="굴림" pitchFamily="50" charset="-127"/>
               </a:rPr>
             </a:br>
             <a:r>
-              <a:rPr lang="en-US" altLang="ko-KR" b="1" dirty="0">
+              <a:rPr lang="en-US" altLang="ko-KR" b="1" dirty="0" smtClean="0">
                 <a:ea typeface="굴림" pitchFamily="50" charset="-127"/>
               </a:rPr>
               <a:t>that are identified in this </a:t>
             </a:r>
             <a:br>
-              <a:rPr lang="en-US" altLang="ko-KR" b="1" dirty="0">
+              <a:rPr lang="en-US" altLang="ko-KR" b="1" dirty="0" smtClean="0">
                 <a:ea typeface="굴림" pitchFamily="50" charset="-127"/>
               </a:rPr>
             </a:br>
             <a:r>
-              <a:rPr lang="en-US" altLang="ko-KR" b="1" dirty="0">
+              <a:rPr lang="en-US" altLang="ko-KR" b="1" dirty="0" smtClean="0">
                 <a:ea typeface="굴림" pitchFamily="50" charset="-127"/>
               </a:rPr>
               <a:t>circuit</a:t>
@@ -25492,7 +25523,7 @@
             <a:pPr>
               <a:defRPr/>
             </a:pPr>
-            <a:endParaRPr lang="en-US" altLang="ko-KR" sz="2000" b="1" dirty="0">
+            <a:endParaRPr lang="en-US" altLang="ko-KR" sz="2000" b="1" dirty="0" smtClean="0">
               <a:ea typeface="굴림" pitchFamily="50" charset="-127"/>
             </a:endParaRPr>
           </a:p>
@@ -25509,7 +25540,7 @@
               <a:buNone/>
               <a:defRPr/>
             </a:pPr>
-            <a:endParaRPr lang="en-US" altLang="ko-KR" sz="2000" b="1" dirty="0">
+            <a:endParaRPr lang="en-US" altLang="ko-KR" sz="2000" b="1" dirty="0" smtClean="0">
               <a:ea typeface="굴림" pitchFamily="50" charset="-127"/>
             </a:endParaRPr>
           </a:p>
@@ -25555,18 +25586,14 @@
   <p:clrMapOvr>
     <a:masterClrMapping/>
   </p:clrMapOvr>
-  <mc:AlternateContent xmlns:mc="http://schemas.openxmlformats.org/markup-compatibility/2006">
-    <mc:Choice xmlns:p159="http://schemas.microsoft.com/office/powerpoint/2015/09/main" Requires="p159">
-      <p:transition spd="slow">
-        <p159:morph option="byChar"/>
-      </p:transition>
-    </mc:Choice>
-    <mc:Fallback>
-      <p:transition spd="slow">
-        <p:fade/>
-      </p:transition>
-    </mc:Fallback>
-  </mc:AlternateContent>
+  <p:transition spd="med"/>
+  <p:timing>
+    <p:tnLst>
+      <p:par>
+        <p:cTn id="1" dur="indefinite" restart="never" nodeType="tmRoot"/>
+      </p:par>
+    </p:tnLst>
+  </p:timing>
 </p:sld>
 </file>
 
@@ -25603,12 +25630,12 @@
           <a:lstStyle/>
           <a:p>
             <a:r>
-              <a:rPr lang="en-US" altLang="ko-KR" dirty="0">
+              <a:rPr lang="en-US" altLang="ko-KR" dirty="0" smtClean="0">
                 <a:ea typeface="굴림" panose="020B0600000101010101" pitchFamily="50" charset="-127"/>
               </a:rPr>
               <a:t>Example 2.15</a:t>
             </a:r>
-            <a:endParaRPr lang="ko-KR" altLang="en-US" dirty="0"/>
+            <a:endParaRPr lang="ko-KR" altLang="en-US" dirty="0" smtClean="0"/>
           </a:p>
         </p:txBody>
       </p:sp>
@@ -25637,7 +25664,7 @@
               <a:defRPr/>
             </a:pPr>
             <a:r>
-              <a:rPr lang="en-US" altLang="ko-KR" sz="2800" b="1" dirty="0">
+              <a:rPr lang="en-US" altLang="ko-KR" sz="2800" b="1" dirty="0" smtClean="0">
                 <a:solidFill>
                   <a:srgbClr val="0070C0"/>
                 </a:solidFill>
@@ -25651,12 +25678,20 @@
               <a:defRPr/>
             </a:pPr>
             <a:r>
-              <a:rPr lang="en-US" altLang="ko-KR" b="1" dirty="0">
+              <a:rPr lang="en-US" altLang="ko-KR" b="1" dirty="0" smtClean="0">
                 <a:ea typeface="굴림" pitchFamily="50" charset="-127"/>
               </a:rPr>
               <a:t>We want to find the value of the current source and the amount of power it supplies to the network.</a:t>
             </a:r>
             <a:endParaRPr lang="en-US" altLang="ko-KR" sz="2000" b="1" dirty="0">
+              <a:ea typeface="굴림" pitchFamily="50" charset="-127"/>
+            </a:endParaRPr>
+          </a:p>
+          <a:p>
+            <a:pPr>
+              <a:defRPr/>
+            </a:pPr>
+            <a:endParaRPr lang="en-US" altLang="ko-KR" sz="2000" b="1" dirty="0" smtClean="0">
               <a:ea typeface="굴림" pitchFamily="50" charset="-127"/>
             </a:endParaRPr>
           </a:p>
@@ -25669,19 +25704,11 @@
             </a:endParaRPr>
           </a:p>
           <a:p>
-            <a:pPr>
-              <a:defRPr/>
-            </a:pPr>
-            <a:endParaRPr lang="en-US" altLang="ko-KR" sz="2000" b="1" dirty="0">
-              <a:ea typeface="굴림" pitchFamily="50" charset="-127"/>
-            </a:endParaRPr>
-          </a:p>
-          <a:p>
             <a:pPr marL="0" indent="0">
               <a:buNone/>
               <a:defRPr/>
             </a:pPr>
-            <a:endParaRPr lang="en-US" altLang="ko-KR" sz="2000" b="1" dirty="0">
+            <a:endParaRPr lang="en-US" altLang="ko-KR" sz="2000" b="1" dirty="0" smtClean="0">
               <a:ea typeface="굴림" pitchFamily="50" charset="-127"/>
             </a:endParaRPr>
           </a:p>
@@ -25727,18 +25754,14 @@
   <p:clrMapOvr>
     <a:masterClrMapping/>
   </p:clrMapOvr>
-  <mc:AlternateContent xmlns:mc="http://schemas.openxmlformats.org/markup-compatibility/2006">
-    <mc:Choice xmlns:p159="http://schemas.microsoft.com/office/powerpoint/2015/09/main" Requires="p159">
-      <p:transition spd="slow">
-        <p159:morph option="byChar"/>
-      </p:transition>
-    </mc:Choice>
-    <mc:Fallback>
-      <p:transition spd="slow">
-        <p:fade/>
-      </p:transition>
-    </mc:Fallback>
-  </mc:AlternateContent>
+  <p:transition spd="med"/>
+  <p:timing>
+    <p:tnLst>
+      <p:par>
+        <p:cTn id="1" dur="indefinite" restart="never" nodeType="tmRoot"/>
+      </p:par>
+    </p:tnLst>
+  </p:timing>
 </p:sld>
 </file>
 
@@ -25775,12 +25798,12 @@
           <a:lstStyle/>
           <a:p>
             <a:r>
-              <a:rPr lang="en-US" altLang="ko-KR" dirty="0">
+              <a:rPr lang="en-US" altLang="ko-KR" dirty="0" smtClean="0">
                 <a:ea typeface="굴림" panose="020B0600000101010101" pitchFamily="50" charset="-127"/>
               </a:rPr>
               <a:t>Example 2.16</a:t>
             </a:r>
-            <a:endParaRPr lang="ko-KR" altLang="en-US" dirty="0"/>
+            <a:endParaRPr lang="ko-KR" altLang="en-US" dirty="0" smtClean="0"/>
           </a:p>
         </p:txBody>
       </p:sp>
@@ -25811,7 +25834,7 @@
                   <a:defRPr/>
                 </a:pPr>
                 <a:r>
-                  <a:rPr lang="en-US" altLang="ko-KR" sz="2800" b="1" dirty="0">
+                  <a:rPr lang="en-US" altLang="ko-KR" sz="2800" b="1" dirty="0" smtClean="0">
                     <a:solidFill>
                       <a:srgbClr val="0070C0"/>
                     </a:solidFill>
@@ -25825,18 +25848,18 @@
                   <a:defRPr/>
                 </a:pPr>
                 <a:r>
-                  <a:rPr lang="en-US" altLang="ko-KR" b="1" dirty="0">
+                  <a:rPr lang="en-US" altLang="ko-KR" b="1" dirty="0" smtClean="0">
                     <a:ea typeface="굴림" pitchFamily="50" charset="-127"/>
                   </a:rPr>
                   <a:t>Let us determine the value </a:t>
                 </a:r>
                 <a:br>
-                  <a:rPr lang="en-US" altLang="ko-KR" b="1" dirty="0">
+                  <a:rPr lang="en-US" altLang="ko-KR" b="1" dirty="0" smtClean="0">
                     <a:ea typeface="굴림" pitchFamily="50" charset="-127"/>
                   </a:rPr>
                 </a:br>
                 <a:r>
-                  <a:rPr lang="en-US" altLang="ko-KR" b="1" dirty="0">
+                  <a:rPr lang="en-US" altLang="ko-KR" b="1" dirty="0" smtClean="0">
                     <a:ea typeface="굴림" pitchFamily="50" charset="-127"/>
                   </a:rPr>
                   <a:t>of the voltage source </a:t>
@@ -25874,40 +25897,40 @@
                   </m:oMath>
                 </a14:m>
                 <a:r>
-                  <a:rPr lang="en-US" altLang="ko-KR" b="1" dirty="0">
+                  <a:rPr lang="en-US" altLang="ko-KR" b="1" dirty="0" smtClean="0">
                     <a:ea typeface="굴림" pitchFamily="50" charset="-127"/>
                   </a:rPr>
                   <a:t> </a:t>
                 </a:r>
                 <a:br>
-                  <a:rPr lang="en-US" altLang="ko-KR" b="1" dirty="0">
+                  <a:rPr lang="en-US" altLang="ko-KR" b="1" dirty="0" smtClean="0">
                     <a:ea typeface="굴림" pitchFamily="50" charset="-127"/>
                   </a:rPr>
                 </a:br>
                 <a:r>
-                  <a:rPr lang="en-US" altLang="ko-KR" b="1" dirty="0">
+                  <a:rPr lang="en-US" altLang="ko-KR" b="1" dirty="0" smtClean="0">
                     <a:ea typeface="굴림" pitchFamily="50" charset="-127"/>
                   </a:rPr>
                   <a:t>and the power absorbed or </a:t>
                 </a:r>
                 <a:br>
-                  <a:rPr lang="en-US" altLang="ko-KR" b="1" dirty="0">
+                  <a:rPr lang="en-US" altLang="ko-KR" b="1" dirty="0" smtClean="0">
                     <a:ea typeface="굴림" pitchFamily="50" charset="-127"/>
                   </a:rPr>
                 </a:br>
                 <a:r>
-                  <a:rPr lang="en-US" altLang="ko-KR" b="1" dirty="0">
+                  <a:rPr lang="en-US" altLang="ko-KR" b="1" dirty="0" smtClean="0">
                     <a:ea typeface="굴림" pitchFamily="50" charset="-127"/>
                   </a:rPr>
                   <a:t>supplied to the network </a:t>
                 </a:r>
                 <a:br>
-                  <a:rPr lang="en-US" altLang="ko-KR" b="1" dirty="0">
+                  <a:rPr lang="en-US" altLang="ko-KR" b="1" dirty="0" smtClean="0">
                     <a:ea typeface="굴림" pitchFamily="50" charset="-127"/>
                   </a:rPr>
                 </a:br>
                 <a:r>
-                  <a:rPr lang="en-US" altLang="ko-KR" b="1" dirty="0">
+                  <a:rPr lang="en-US" altLang="ko-KR" b="1" dirty="0" smtClean="0">
                     <a:ea typeface="굴림" pitchFamily="50" charset="-127"/>
                   </a:rPr>
                   <a:t>by this source.</a:t>
@@ -25917,7 +25940,7 @@
                 <a:pPr>
                   <a:defRPr/>
                 </a:pPr>
-                <a:endParaRPr lang="en-US" altLang="ko-KR" sz="2000" b="1" dirty="0">
+                <a:endParaRPr lang="en-US" altLang="ko-KR" sz="2000" b="1" dirty="0" smtClean="0">
                   <a:ea typeface="굴림" pitchFamily="50" charset="-127"/>
                 </a:endParaRPr>
               </a:p>
@@ -25934,7 +25957,7 @@
                   <a:buNone/>
                   <a:defRPr/>
                 </a:pPr>
-                <a:endParaRPr lang="en-US" altLang="ko-KR" sz="2000" b="1" dirty="0">
+                <a:endParaRPr lang="en-US" altLang="ko-KR" sz="2000" b="1" dirty="0" smtClean="0">
                   <a:ea typeface="굴림" pitchFamily="50" charset="-127"/>
                 </a:endParaRPr>
               </a:p>
@@ -26019,18 +26042,14 @@
   <p:clrMapOvr>
     <a:masterClrMapping/>
   </p:clrMapOvr>
-  <mc:AlternateContent xmlns:mc="http://schemas.openxmlformats.org/markup-compatibility/2006">
-    <mc:Choice xmlns:p159="http://schemas.microsoft.com/office/powerpoint/2015/09/main" Requires="p159">
-      <p:transition spd="slow">
-        <p159:morph option="byChar"/>
-      </p:transition>
-    </mc:Choice>
-    <mc:Fallback>
-      <p:transition spd="slow">
-        <p:fade/>
-      </p:transition>
-    </mc:Fallback>
-  </mc:AlternateContent>
+  <p:transition spd="med"/>
+  <p:timing>
+    <p:tnLst>
+      <p:par>
+        <p:cTn id="1" dur="indefinite" restart="never" nodeType="tmRoot"/>
+      </p:par>
+    </p:tnLst>
+  </p:timing>
 </p:sld>
 </file>
 
@@ -26067,12 +26086,12 @@
           <a:lstStyle/>
           <a:p>
             <a:r>
-              <a:rPr lang="en-US" altLang="ko-KR" dirty="0">
+              <a:rPr lang="en-US" altLang="ko-KR" dirty="0" smtClean="0">
                 <a:ea typeface="굴림" panose="020B0600000101010101" pitchFamily="50" charset="-127"/>
               </a:rPr>
               <a:t>Circuit with Dependent Sources</a:t>
             </a:r>
-            <a:endParaRPr lang="ko-KR" altLang="en-US" dirty="0"/>
+            <a:endParaRPr lang="ko-KR" altLang="en-US" dirty="0" smtClean="0"/>
           </a:p>
         </p:txBody>
       </p:sp>
@@ -26103,7 +26122,7 @@
                   <a:defRPr/>
                 </a:pPr>
                 <a:r>
-                  <a:rPr lang="en-US" altLang="ko-KR" sz="2800" b="1" dirty="0">
+                  <a:rPr lang="en-US" altLang="ko-KR" sz="2800" b="1" dirty="0" smtClean="0">
                     <a:solidFill>
                       <a:srgbClr val="0070C0"/>
                     </a:solidFill>
@@ -26117,7 +26136,7 @@
                   <a:defRPr/>
                 </a:pPr>
                 <a:r>
-                  <a:rPr lang="en-US" altLang="ko-KR" b="1" i="1" dirty="0">
+                  <a:rPr lang="en-US" altLang="ko-KR" b="1" i="1" dirty="0" smtClean="0">
                     <a:solidFill>
                       <a:srgbClr val="A50021"/>
                     </a:solidFill>
@@ -26131,7 +26150,7 @@
                   <a:defRPr/>
                 </a:pPr>
                 <a:r>
-                  <a:rPr lang="en-US" altLang="ko-KR" b="1" dirty="0">
+                  <a:rPr lang="en-US" altLang="ko-KR" b="1" dirty="0" smtClean="0">
                     <a:ea typeface="굴림" pitchFamily="50" charset="-127"/>
                   </a:rPr>
                   <a:t>We wish to find the output voltage, </a:t>
@@ -26169,7 +26188,7 @@
                   </m:oMath>
                 </a14:m>
                 <a:r>
-                  <a:rPr lang="en-US" altLang="ko-KR" b="1" dirty="0">
+                  <a:rPr lang="en-US" altLang="ko-KR" b="1" dirty="0" smtClean="0">
                     <a:ea typeface="굴림" pitchFamily="50" charset="-127"/>
                   </a:rPr>
                   <a:t>.</a:t>
@@ -26188,7 +26207,7 @@
                 <a:pPr>
                   <a:defRPr/>
                 </a:pPr>
-                <a:endParaRPr lang="en-US" altLang="ko-KR" sz="2000" b="1" dirty="0">
+                <a:endParaRPr lang="en-US" altLang="ko-KR" sz="2000" b="1" dirty="0" smtClean="0">
                   <a:ea typeface="굴림" pitchFamily="50" charset="-127"/>
                 </a:endParaRPr>
               </a:p>
@@ -26205,7 +26224,7 @@
                   <a:buNone/>
                   <a:defRPr/>
                 </a:pPr>
-                <a:endParaRPr lang="en-US" altLang="ko-KR" sz="2000" b="1" dirty="0">
+                <a:endParaRPr lang="en-US" altLang="ko-KR" sz="2000" b="1" dirty="0" smtClean="0">
                   <a:ea typeface="굴림" pitchFamily="50" charset="-127"/>
                 </a:endParaRPr>
               </a:p>
@@ -26290,18 +26309,14 @@
   <p:clrMapOvr>
     <a:masterClrMapping/>
   </p:clrMapOvr>
-  <mc:AlternateContent xmlns:mc="http://schemas.openxmlformats.org/markup-compatibility/2006">
-    <mc:Choice xmlns:p159="http://schemas.microsoft.com/office/powerpoint/2015/09/main" Requires="p159">
-      <p:transition spd="slow">
-        <p159:morph option="byChar"/>
-      </p:transition>
-    </mc:Choice>
-    <mc:Fallback>
-      <p:transition spd="slow">
-        <p:fade/>
-      </p:transition>
-    </mc:Fallback>
-  </mc:AlternateContent>
+  <p:transition spd="med"/>
+  <p:timing>
+    <p:tnLst>
+      <p:par>
+        <p:cTn id="1" dur="indefinite" restart="never" nodeType="tmRoot"/>
+      </p:par>
+    </p:tnLst>
+  </p:timing>
 </p:sld>
 </file>
 
@@ -26338,12 +26353,12 @@
           <a:lstStyle/>
           <a:p>
             <a:r>
-              <a:rPr lang="en-US" altLang="ko-KR" dirty="0">
+              <a:rPr lang="en-US" altLang="ko-KR" dirty="0" smtClean="0">
                 <a:ea typeface="굴림" panose="020B0600000101010101" pitchFamily="50" charset="-127"/>
               </a:rPr>
               <a:t>Example 2.18</a:t>
             </a:r>
-            <a:endParaRPr lang="ko-KR" altLang="en-US" dirty="0"/>
+            <a:endParaRPr lang="ko-KR" altLang="en-US" dirty="0" smtClean="0"/>
           </a:p>
         </p:txBody>
       </p:sp>
@@ -26374,7 +26389,7 @@
                   <a:defRPr/>
                 </a:pPr>
                 <a:r>
-                  <a:rPr lang="en-US" altLang="ko-KR" sz="2800" b="1" dirty="0">
+                  <a:rPr lang="en-US" altLang="ko-KR" sz="2800" b="1" dirty="0" smtClean="0">
                     <a:solidFill>
                       <a:srgbClr val="0070C0"/>
                     </a:solidFill>
@@ -26426,19 +26441,19 @@
                   </m:oMath>
                 </a14:m>
                 <a:r>
-                  <a:rPr lang="en-US" altLang="ko-KR" sz="2000" b="1" dirty="0">
+                  <a:rPr lang="en-US" altLang="ko-KR" sz="2000" b="1" dirty="0" smtClean="0">
                     <a:ea typeface="굴림" pitchFamily="50" charset="-127"/>
                   </a:rPr>
                   <a:t> and the power absorbed by 2k </a:t>
                 </a:r>
                 <a:r>
-                  <a:rPr lang="el-GR" altLang="ko-KR" sz="2000" b="1" dirty="0">
+                  <a:rPr lang="el-GR" altLang="ko-KR" sz="2000" b="1" dirty="0" smtClean="0">
                     <a:ea typeface="굴림" pitchFamily="50" charset="-127"/>
                   </a:rPr>
                   <a:t>Ω</a:t>
                 </a:r>
                 <a:r>
-                  <a:rPr lang="en-US" altLang="ko-KR" sz="2000" b="1" dirty="0">
+                  <a:rPr lang="en-US" altLang="ko-KR" sz="2000" b="1" dirty="0" smtClean="0">
                     <a:ea typeface="굴림" pitchFamily="50" charset="-127"/>
                   </a:rPr>
                   <a:t> resistor.</a:t>
@@ -26457,7 +26472,7 @@
                   <a:buNone/>
                   <a:defRPr/>
                 </a:pPr>
-                <a:endParaRPr lang="en-US" altLang="ko-KR" sz="2000" b="1" dirty="0">
+                <a:endParaRPr lang="en-US" altLang="ko-KR" sz="2000" b="1" dirty="0" smtClean="0">
                   <a:ea typeface="굴림" pitchFamily="50" charset="-127"/>
                 </a:endParaRPr>
               </a:p>
@@ -26542,18 +26557,14 @@
   <p:clrMapOvr>
     <a:masterClrMapping/>
   </p:clrMapOvr>
-  <mc:AlternateContent xmlns:mc="http://schemas.openxmlformats.org/markup-compatibility/2006">
-    <mc:Choice xmlns:p159="http://schemas.microsoft.com/office/powerpoint/2015/09/main" Requires="p159">
-      <p:transition spd="slow">
-        <p159:morph option="byChar"/>
-      </p:transition>
-    </mc:Choice>
-    <mc:Fallback>
-      <p:transition spd="slow">
-        <p:fade/>
-      </p:transition>
-    </mc:Fallback>
-  </mc:AlternateContent>
+  <p:transition spd="med"/>
+  <p:timing>
+    <p:tnLst>
+      <p:par>
+        <p:cTn id="1" dur="indefinite" restart="never" nodeType="tmRoot"/>
+      </p:par>
+    </p:tnLst>
+  </p:timing>
 </p:sld>
 </file>
 
@@ -26590,10 +26601,10 @@
           <a:lstStyle/>
           <a:p>
             <a:r>
-              <a:rPr lang="en-US" altLang="ko-KR" sz="2400"/>
+              <a:rPr lang="en-US" altLang="ko-KR" sz="2400" smtClean="0"/>
               <a:t>Homework</a:t>
             </a:r>
-            <a:endParaRPr lang="ko-KR" altLang="en-US" sz="2400"/>
+            <a:endParaRPr lang="ko-KR" altLang="en-US" sz="2400" smtClean="0"/>
           </a:p>
         </p:txBody>
       </p:sp>
@@ -26626,7 +26637,7 @@
               <a:defRPr/>
             </a:pPr>
             <a:r>
-              <a:rPr lang="en-US" altLang="ko-KR" sz="3200" dirty="0">
+              <a:rPr lang="en-US" altLang="ko-KR" sz="3200" dirty="0" smtClean="0">
                 <a:solidFill>
                   <a:srgbClr val="0070C0"/>
                 </a:solidFill>
@@ -26643,7 +26654,7 @@
               <a:defRPr/>
             </a:pPr>
             <a:r>
-              <a:rPr lang="en-US" altLang="ko-KR" sz="2000" b="1" i="1" dirty="0">
+              <a:rPr lang="en-US" altLang="ko-KR" sz="2000" b="1" i="1" dirty="0" smtClean="0">
                 <a:solidFill>
                   <a:srgbClr val="A50021"/>
                 </a:solidFill>
@@ -26659,7 +26670,7 @@
               <a:defRPr/>
             </a:pPr>
             <a:r>
-              <a:rPr lang="en-US" altLang="ko-KR" sz="2000" b="1" dirty="0"/>
+              <a:rPr lang="en-US" altLang="ko-KR" sz="2000" b="1" dirty="0" smtClean="0"/>
               <a:t>Read Text Chapter 3. </a:t>
             </a:r>
           </a:p>
@@ -26671,7 +26682,7 @@
               <a:defRPr/>
             </a:pPr>
             <a:r>
-              <a:rPr lang="en-US" altLang="ko-KR" sz="2000" b="1" dirty="0"/>
+              <a:rPr lang="en-US" altLang="ko-KR" sz="2000" b="1" dirty="0" smtClean="0"/>
               <a:t>Prepare Presentation</a:t>
             </a:r>
           </a:p>
@@ -26679,7 +26690,7 @@
             <a:pPr>
               <a:defRPr/>
             </a:pPr>
-            <a:endParaRPr lang="ko-KR" altLang="en-US" sz="2000" dirty="0"/>
+            <a:endParaRPr lang="ko-KR" altLang="en-US" sz="2000" dirty="0" smtClean="0"/>
           </a:p>
         </p:txBody>
       </p:sp>
@@ -26688,18 +26699,14 @@
   <p:clrMapOvr>
     <a:masterClrMapping/>
   </p:clrMapOvr>
-  <mc:AlternateContent xmlns:mc="http://schemas.openxmlformats.org/markup-compatibility/2006">
-    <mc:Choice xmlns:p159="http://schemas.microsoft.com/office/powerpoint/2015/09/main" Requires="p159">
-      <p:transition spd="slow">
-        <p159:morph option="byChar"/>
-      </p:transition>
-    </mc:Choice>
-    <mc:Fallback>
-      <p:transition spd="slow">
-        <p:fade/>
-      </p:transition>
-    </mc:Fallback>
-  </mc:AlternateContent>
+  <p:transition spd="med"/>
+  <p:timing>
+    <p:tnLst>
+      <p:par>
+        <p:cTn id="1" dur="indefinite" restart="never" nodeType="tmRoot"/>
+      </p:par>
+    </p:tnLst>
+  </p:timing>
 </p:sld>
 </file>
 
@@ -26737,12 +26744,12 @@
           <a:p>
             <a:pPr eaLnBrk="1" hangingPunct="1"/>
             <a:r>
-              <a:rPr lang="en-US" altLang="ko-KR" sz="2400" dirty="0">
+              <a:rPr lang="en-US" altLang="ko-KR" sz="2400" dirty="0" smtClean="0">
                 <a:ea typeface="굴림" panose="020B0600000101010101" pitchFamily="50" charset="-127"/>
               </a:rPr>
               <a:t>Ohm’s Law</a:t>
             </a:r>
-            <a:endParaRPr lang="ko-KR" altLang="en-US" sz="2400" dirty="0"/>
+            <a:endParaRPr lang="ko-KR" altLang="en-US" sz="2400" dirty="0" smtClean="0"/>
           </a:p>
         </p:txBody>
       </p:sp>
@@ -26772,7 +26779,7 @@
                   <a:defRPr/>
                 </a:pPr>
                 <a:r>
-                  <a:rPr lang="en-US" altLang="ko-KR" b="1" dirty="0">
+                  <a:rPr lang="en-US" altLang="ko-KR" b="1" dirty="0" smtClean="0">
                     <a:ea typeface="굴림" pitchFamily="50" charset="-127"/>
                   </a:rPr>
                   <a:t>Ohm’s for </a:t>
@@ -26809,7 +26816,7 @@
                     </m:sSub>
                   </m:oMath>
                 </a14:m>
-                <a:endParaRPr lang="en-US" altLang="ko-KR" b="1" dirty="0">
+                <a:endParaRPr lang="en-US" altLang="ko-KR" b="1" dirty="0" smtClean="0">
                   <a:ea typeface="굴림" pitchFamily="50" charset="-127"/>
                 </a:endParaRPr>
               </a:p>
@@ -26965,7 +26972,7 @@
                     </m:oMath>
                   </m:oMathPara>
                 </a14:m>
-                <a:endParaRPr lang="en-US" altLang="ko-KR" b="1" dirty="0">
+                <a:endParaRPr lang="en-US" altLang="ko-KR" b="1" dirty="0" smtClean="0">
                   <a:ea typeface="굴림" pitchFamily="50" charset="-127"/>
                 </a:endParaRPr>
               </a:p>
@@ -27039,7 +27046,7 @@
                     </m:oMath>
                   </m:oMathPara>
                 </a14:m>
-                <a:endParaRPr lang="en-US" altLang="ko-KR" b="1" dirty="0">
+                <a:endParaRPr lang="en-US" altLang="ko-KR" b="1" dirty="0" smtClean="0">
                   <a:ea typeface="굴림" pitchFamily="50" charset="-127"/>
                 </a:endParaRPr>
               </a:p>
@@ -27048,7 +27055,7 @@
                   <a:defRPr/>
                 </a:pPr>
                 <a:r>
-                  <a:rPr lang="en-US" altLang="ko-KR" b="1" dirty="0">
+                  <a:rPr lang="en-US" altLang="ko-KR" b="1" dirty="0" smtClean="0">
                     <a:ea typeface="굴림" pitchFamily="50" charset="-127"/>
                   </a:rPr>
                   <a:t>for </a:t>
@@ -27085,7 +27092,7 @@
                     </m:sSub>
                   </m:oMath>
                 </a14:m>
-                <a:endParaRPr lang="en-US" altLang="ko-KR" b="1" dirty="0">
+                <a:endParaRPr lang="en-US" altLang="ko-KR" b="1" dirty="0" smtClean="0">
                   <a:ea typeface="굴림" pitchFamily="50" charset="-127"/>
                 </a:endParaRPr>
               </a:p>
@@ -27241,7 +27248,7 @@
                   <a:defRPr/>
                 </a:pPr>
                 <a:r>
-                  <a:rPr lang="en-US" altLang="ko-KR" b="1" dirty="0">
+                  <a:rPr lang="en-US" altLang="ko-KR" b="1" dirty="0" smtClean="0">
                     <a:ea typeface="굴림" pitchFamily="50" charset="-127"/>
                   </a:rPr>
                   <a:t>for </a:t>
@@ -27517,7 +27524,7 @@
                   <a:defRPr/>
                 </a:pPr>
                 <a:r>
-                  <a:rPr lang="en-US" altLang="ko-KR" b="1" dirty="0">
+                  <a:rPr lang="en-US" altLang="ko-KR" b="1" dirty="0" smtClean="0">
                     <a:ea typeface="굴림" pitchFamily="50" charset="-127"/>
                   </a:rPr>
                   <a:t>for </a:t>
@@ -27814,18 +27821,14 @@
   <p:clrMapOvr>
     <a:masterClrMapping/>
   </p:clrMapOvr>
-  <mc:AlternateContent xmlns:mc="http://schemas.openxmlformats.org/markup-compatibility/2006">
-    <mc:Choice xmlns:p159="http://schemas.microsoft.com/office/powerpoint/2015/09/main" Requires="p159">
-      <p:transition spd="slow">
-        <p159:morph option="byChar"/>
-      </p:transition>
-    </mc:Choice>
-    <mc:Fallback>
-      <p:transition spd="slow">
-        <p:fade/>
-      </p:transition>
-    </mc:Fallback>
-  </mc:AlternateContent>
+  <p:transition spd="med"/>
+  <p:timing>
+    <p:tnLst>
+      <p:par>
+        <p:cTn id="1" dur="indefinite" restart="never" nodeType="tmRoot"/>
+      </p:par>
+    </p:tnLst>
+  </p:timing>
 </p:sld>
 </file>
 
@@ -27863,12 +27866,12 @@
           <a:p>
             <a:pPr eaLnBrk="1" hangingPunct="1"/>
             <a:r>
-              <a:rPr lang="en-US" altLang="ko-KR" sz="2400" dirty="0">
+              <a:rPr lang="en-US" altLang="ko-KR" sz="2400" dirty="0" smtClean="0">
                 <a:ea typeface="굴림" panose="020B0600000101010101" pitchFamily="50" charset="-127"/>
               </a:rPr>
               <a:t>Ohm’s Law</a:t>
             </a:r>
-            <a:endParaRPr lang="ko-KR" altLang="en-US" sz="2400" dirty="0"/>
+            <a:endParaRPr lang="ko-KR" altLang="en-US" sz="2400" dirty="0" smtClean="0"/>
           </a:p>
         </p:txBody>
       </p:sp>
@@ -27898,7 +27901,7 @@
               <a:defRPr/>
             </a:pPr>
             <a:r>
-              <a:rPr lang="en-US" altLang="ko-KR" sz="2800" b="1" dirty="0">
+              <a:rPr lang="en-US" altLang="ko-KR" sz="2800" b="1" dirty="0" smtClean="0">
                 <a:solidFill>
                   <a:srgbClr val="0070C0"/>
                 </a:solidFill>
@@ -27999,7 +28002,13 @@
               <a:rPr lang="en-US" altLang="ko-KR" b="1" dirty="0">
                 <a:ea typeface="굴림" charset="-127"/>
               </a:rPr>
-              <a:t>, and the material’s resistivity:</a:t>
+              <a:t>, and the material’s resistivity</a:t>
+            </a:r>
+            <a:r>
+              <a:rPr lang="en-US" altLang="ko-KR" b="1" dirty="0" smtClean="0">
+                <a:ea typeface="굴림" charset="-127"/>
+              </a:rPr>
+              <a:t>:</a:t>
             </a:r>
           </a:p>
           <a:p>
@@ -28050,12 +28059,12 @@
           <a:graphicData uri="http://schemas.openxmlformats.org/presentationml/2006/ole">
             <mc:AlternateContent xmlns:mc="http://schemas.openxmlformats.org/markup-compatibility/2006">
               <mc:Choice xmlns:v="urn:schemas-microsoft-com:vml" Requires="v">
-                <p:oleObj name="Equation" r:id="rId2" imgW="545863" imgH="393529" progId="Equation.DSMT4">
+                <p:oleObj spid="_x0000_s1037" name="Equation" r:id="rId3" imgW="545863" imgH="393529" progId="Equation.DSMT4">
                   <p:embed/>
                 </p:oleObj>
               </mc:Choice>
               <mc:Fallback>
-                <p:oleObj name="Equation" r:id="rId2" imgW="545863" imgH="393529" progId="Equation.DSMT4">
+                <p:oleObj name="Equation" r:id="rId3" imgW="545863" imgH="393529" progId="Equation.DSMT4">
                   <p:embed/>
                   <p:pic>
                     <p:nvPicPr>
@@ -28066,7 +28075,7 @@
                       <p:nvPr/>
                     </p:nvPicPr>
                     <p:blipFill>
-                      <a:blip r:embed="rId3">
+                      <a:blip r:embed="rId4">
                         <a:extLst>
                           <a:ext uri="{28A0092B-C50C-407E-A947-70E740481C1C}">
                             <a14:useLocalDpi xmlns:a14="http://schemas.microsoft.com/office/drawing/2010/main" val="0"/>
@@ -28108,7 +28117,7 @@
           <p:nvPr/>
         </p:nvPicPr>
         <p:blipFill>
-          <a:blip r:embed="rId4" cstate="print">
+          <a:blip r:embed="rId5" cstate="print">
             <a:extLst>
               <a:ext uri="{28A0092B-C50C-407E-A947-70E740481C1C}">
                 <a14:useLocalDpi xmlns:a14="http://schemas.microsoft.com/office/drawing/2010/main" val="0"/>
@@ -28138,7 +28147,7 @@
           <p:nvPr/>
         </p:nvPicPr>
         <p:blipFill>
-          <a:blip r:embed="rId5"/>
+          <a:blip r:embed="rId6"/>
           <a:stretch>
             <a:fillRect/>
           </a:stretch>
@@ -28163,18 +28172,14 @@
   <p:clrMapOvr>
     <a:masterClrMapping/>
   </p:clrMapOvr>
-  <mc:AlternateContent xmlns:mc="http://schemas.openxmlformats.org/markup-compatibility/2006">
-    <mc:Choice xmlns:p159="http://schemas.microsoft.com/office/powerpoint/2015/09/main" Requires="p159">
-      <p:transition spd="slow">
-        <p159:morph option="byChar"/>
-      </p:transition>
-    </mc:Choice>
-    <mc:Fallback>
-      <p:transition spd="slow">
-        <p:fade/>
-      </p:transition>
-    </mc:Fallback>
-  </mc:AlternateContent>
+  <p:transition spd="med"/>
+  <p:timing>
+    <p:tnLst>
+      <p:par>
+        <p:cTn id="1" dur="indefinite" restart="never" nodeType="tmRoot"/>
+      </p:par>
+    </p:tnLst>
+  </p:timing>
 </p:sld>
 </file>
 
@@ -28212,12 +28217,12 @@
           <a:p>
             <a:pPr eaLnBrk="1" hangingPunct="1"/>
             <a:r>
-              <a:rPr lang="en-US" altLang="ko-KR" sz="2400" dirty="0">
+              <a:rPr lang="en-US" altLang="ko-KR" sz="2400" dirty="0" smtClean="0">
                 <a:ea typeface="굴림" panose="020B0600000101010101" pitchFamily="50" charset="-127"/>
               </a:rPr>
               <a:t>Ohm’s Law</a:t>
             </a:r>
-            <a:endParaRPr lang="ko-KR" altLang="en-US" sz="2400" dirty="0"/>
+            <a:endParaRPr lang="ko-KR" altLang="en-US" sz="2400" dirty="0" smtClean="0"/>
           </a:p>
         </p:txBody>
       </p:sp>
@@ -28429,7 +28434,7 @@
               <a:defRPr/>
             </a:pPr>
             <a:r>
-              <a:rPr lang="en-US" altLang="ko-KR" sz="2800" b="1" kern="0" dirty="0">
+              <a:rPr lang="en-US" altLang="ko-KR" sz="2800" b="1" kern="0" dirty="0" smtClean="0">
                 <a:solidFill>
                   <a:srgbClr val="0070C0"/>
                 </a:solidFill>
@@ -28437,7 +28442,7 @@
               </a:rPr>
               <a:t>Resistivity of Common Materials</a:t>
             </a:r>
-            <a:endParaRPr lang="en-US" altLang="ko-KR" sz="2800" b="1" kern="0" dirty="0">
+            <a:endParaRPr lang="en-US" altLang="ko-KR" sz="2800" b="1" kern="0" dirty="0" smtClean="0">
               <a:solidFill>
                 <a:srgbClr val="0070C0"/>
               </a:solidFill>
@@ -28448,7 +28453,7 @@
             <a:pPr eaLnBrk="1" hangingPunct="1">
               <a:defRPr/>
             </a:pPr>
-            <a:endParaRPr lang="en-US" altLang="ko-KR" b="0" kern="0" dirty="0">
+            <a:endParaRPr lang="en-US" altLang="ko-KR" b="0" kern="0" dirty="0" smtClean="0">
               <a:ea typeface="굴림" pitchFamily="50" charset="-127"/>
             </a:endParaRPr>
           </a:p>
@@ -28488,18 +28493,14 @@
   <p:clrMapOvr>
     <a:masterClrMapping/>
   </p:clrMapOvr>
-  <mc:AlternateContent xmlns:mc="http://schemas.openxmlformats.org/markup-compatibility/2006">
-    <mc:Choice xmlns:p159="http://schemas.microsoft.com/office/powerpoint/2015/09/main" Requires="p159">
-      <p:transition spd="slow">
-        <p159:morph option="byChar"/>
-      </p:transition>
-    </mc:Choice>
-    <mc:Fallback>
-      <p:transition spd="slow">
-        <p:fade/>
-      </p:transition>
-    </mc:Fallback>
-  </mc:AlternateContent>
+  <p:transition spd="med"/>
+  <p:timing>
+    <p:tnLst>
+      <p:par>
+        <p:cTn id="1" dur="indefinite" restart="never" nodeType="tmRoot"/>
+      </p:par>
+    </p:tnLst>
+  </p:timing>
 </p:sld>
 </file>
 
@@ -28537,12 +28538,12 @@
           <a:p>
             <a:pPr eaLnBrk="1" hangingPunct="1"/>
             <a:r>
-              <a:rPr lang="en-US" altLang="ko-KR" sz="2400" dirty="0">
+              <a:rPr lang="en-US" altLang="ko-KR" sz="2400" dirty="0" smtClean="0">
                 <a:ea typeface="굴림" panose="020B0600000101010101" pitchFamily="50" charset="-127"/>
               </a:rPr>
               <a:t>Ohm’s Law</a:t>
             </a:r>
-            <a:endParaRPr lang="ko-KR" altLang="en-US" sz="2400" dirty="0"/>
+            <a:endParaRPr lang="ko-KR" altLang="en-US" sz="2400" dirty="0" smtClean="0"/>
           </a:p>
         </p:txBody>
       </p:sp>
@@ -28595,23 +28596,50 @@
               <a:defRPr/>
             </a:pPr>
             <a:r>
+              <a:rPr lang="en-US" altLang="ko-KR" b="1" dirty="0" smtClean="0">
+                <a:ea typeface="굴림" charset="-127"/>
+              </a:rPr>
+              <a:t>To </a:t>
+            </a:r>
+            <a:r>
               <a:rPr lang="en-US" altLang="ko-KR" b="1" dirty="0">
                 <a:ea typeface="굴림" charset="-127"/>
               </a:rPr>
-              <a:t>To indicate the resistance values a series of colored bands is used</a:t>
-            </a:r>
-            <a:r>
-              <a:rPr lang="en-US" altLang="ko-KR" sz="2800" b="1" dirty="0">
+              <a:t>indicate the </a:t>
+            </a:r>
+            <a:r>
+              <a:rPr lang="en-US" altLang="ko-KR" b="1" dirty="0" smtClean="0">
+                <a:ea typeface="굴림" charset="-127"/>
+              </a:rPr>
+              <a:t>resistance values </a:t>
+            </a:r>
+            <a:r>
+              <a:rPr lang="en-US" altLang="ko-KR" b="1" dirty="0">
+                <a:ea typeface="굴림" charset="-127"/>
+              </a:rPr>
+              <a:t>a series of colored bands </a:t>
+            </a:r>
+            <a:r>
+              <a:rPr lang="en-US" altLang="ko-KR" b="1" dirty="0" smtClean="0">
+                <a:ea typeface="굴림" charset="-127"/>
+              </a:rPr>
+              <a:t>is used</a:t>
+            </a:r>
+            <a:r>
+              <a:rPr lang="en-US" altLang="ko-KR" sz="2800" b="1" dirty="0" smtClean="0">
                 <a:ea typeface="굴림" charset="-127"/>
               </a:rPr>
               <a:t>.</a:t>
             </a:r>
+            <a:endParaRPr lang="en-US" altLang="ko-KR" sz="2800" b="1" dirty="0">
+              <a:ea typeface="굴림" charset="-127"/>
+            </a:endParaRPr>
           </a:p>
           <a:p>
             <a:pPr lvl="1">
               <a:defRPr/>
             </a:pPr>
-            <a:endParaRPr lang="en-US" altLang="ko-KR" b="1" dirty="0">
+            <a:endParaRPr lang="en-US" altLang="ko-KR" b="1" dirty="0" smtClean="0">
               <a:ea typeface="굴림" charset="-127"/>
             </a:endParaRPr>
           </a:p>
@@ -28700,18 +28728,14 @@
   <p:clrMapOvr>
     <a:masterClrMapping/>
   </p:clrMapOvr>
-  <mc:AlternateContent xmlns:mc="http://schemas.openxmlformats.org/markup-compatibility/2006">
-    <mc:Choice xmlns:p159="http://schemas.microsoft.com/office/powerpoint/2015/09/main" Requires="p159">
-      <p:transition spd="slow">
-        <p159:morph option="byChar"/>
-      </p:transition>
-    </mc:Choice>
-    <mc:Fallback>
-      <p:transition spd="slow">
-        <p:fade/>
-      </p:transition>
-    </mc:Fallback>
-  </mc:AlternateContent>
+  <p:transition spd="med"/>
+  <p:timing>
+    <p:tnLst>
+      <p:par>
+        <p:cTn id="1" dur="indefinite" restart="never" nodeType="tmRoot"/>
+      </p:par>
+    </p:tnLst>
+  </p:timing>
 </p:sld>
 </file>
 
@@ -28749,12 +28773,12 @@
           <a:p>
             <a:pPr eaLnBrk="1" hangingPunct="1"/>
             <a:r>
-              <a:rPr lang="en-US" altLang="ko-KR" sz="2400" dirty="0">
+              <a:rPr lang="en-US" altLang="ko-KR" sz="2400" dirty="0" smtClean="0">
                 <a:ea typeface="굴림" panose="020B0600000101010101" pitchFamily="50" charset="-127"/>
               </a:rPr>
               <a:t>Ohm’s Law</a:t>
             </a:r>
-            <a:endParaRPr lang="ko-KR" altLang="en-US" sz="2400" dirty="0"/>
+            <a:endParaRPr lang="ko-KR" altLang="en-US" sz="2400" dirty="0" smtClean="0"/>
           </a:p>
         </p:txBody>
       </p:sp>
@@ -28786,7 +28810,7 @@
                   <a:defRPr/>
                 </a:pPr>
                 <a:r>
-                  <a:rPr lang="en-US" altLang="ko-KR" sz="2800" b="1" dirty="0">
+                  <a:rPr lang="en-US" altLang="ko-KR" sz="2800" b="1" dirty="0" smtClean="0">
                     <a:solidFill>
                       <a:srgbClr val="0070C0"/>
                     </a:solidFill>
@@ -28794,13 +28818,19 @@
                   </a:rPr>
                   <a:t>Conductance</a:t>
                 </a:r>
+                <a:endParaRPr lang="en-US" altLang="ko-KR" sz="2800" b="1" dirty="0">
+                  <a:solidFill>
+                    <a:srgbClr val="0070C0"/>
+                  </a:solidFill>
+                  <a:ea typeface="굴림" pitchFamily="50" charset="-127"/>
+                </a:endParaRPr>
               </a:p>
               <a:p>
                 <a:pPr>
                   <a:defRPr/>
                 </a:pPr>
                 <a:r>
-                  <a:rPr lang="en-US" altLang="ko-KR" b="1" dirty="0">
+                  <a:rPr lang="en-US" altLang="ko-KR" b="1" dirty="0" smtClean="0">
                     <a:ea typeface="굴림" charset="-127"/>
                   </a:rPr>
                   <a:t>Is defined as the reciprocal of resistance.</a:t>
@@ -28811,13 +28841,13 @@
                   <a:defRPr/>
                 </a:pPr>
                 <a:r>
-                  <a:rPr lang="en-US" altLang="ko-KR" b="1" dirty="0">
+                  <a:rPr lang="en-US" altLang="ko-KR" b="1" dirty="0" smtClean="0">
                     <a:ea typeface="굴림" charset="-127"/>
                   </a:rPr>
                   <a:t>The symbol of </a:t>
                 </a:r>
                 <a:r>
-                  <a:rPr lang="en-US" altLang="ko-KR" b="1" i="1" dirty="0">
+                  <a:rPr lang="en-US" altLang="ko-KR" b="1" i="1" dirty="0" smtClean="0">
                     <a:solidFill>
                       <a:srgbClr val="A50021"/>
                     </a:solidFill>
@@ -28826,13 +28856,13 @@
                   <a:t>G</a:t>
                 </a:r>
                 <a:r>
-                  <a:rPr lang="en-US" altLang="ko-KR" b="1" dirty="0">
+                  <a:rPr lang="en-US" altLang="ko-KR" b="1" dirty="0" smtClean="0">
                     <a:ea typeface="굴림" charset="-127"/>
                   </a:rPr>
                   <a:t> and the units are </a:t>
                 </a:r>
                 <a:r>
-                  <a:rPr lang="en-US" altLang="ko-KR" b="1" i="1" dirty="0">
+                  <a:rPr lang="en-US" altLang="ko-KR" b="1" i="1" dirty="0" smtClean="0">
                     <a:solidFill>
                       <a:srgbClr val="A50021"/>
                     </a:solidFill>
@@ -28841,7 +28871,7 @@
                   <a:t>Siemens</a:t>
                 </a:r>
                 <a:r>
-                  <a:rPr lang="en-US" altLang="ko-KR" b="1" dirty="0">
+                  <a:rPr lang="en-US" altLang="ko-KR" b="1" dirty="0" smtClean="0">
                     <a:solidFill>
                       <a:srgbClr val="A50021"/>
                     </a:solidFill>
@@ -28850,18 +28880,18 @@
                   <a:t> </a:t>
                 </a:r>
                 <a:r>
-                  <a:rPr lang="en-US" altLang="ko-KR" b="1" dirty="0">
+                  <a:rPr lang="en-US" altLang="ko-KR" b="1" dirty="0" smtClean="0">
                     <a:ea typeface="굴림" charset="-127"/>
                   </a:rPr>
                   <a:t>[S].</a:t>
                 </a:r>
                 <a:br>
-                  <a:rPr lang="en-US" altLang="ko-KR" b="1" dirty="0">
+                  <a:rPr lang="en-US" altLang="ko-KR" b="1" dirty="0" smtClean="0">
                     <a:ea typeface="굴림" charset="-127"/>
                   </a:rPr>
                 </a:br>
                 <a:r>
-                  <a:rPr lang="en-US" altLang="ko-KR" b="1" i="1" dirty="0">
+                  <a:rPr lang="en-US" altLang="ko-KR" b="1" i="1" dirty="0" smtClean="0">
                     <a:solidFill>
                       <a:srgbClr val="A50021"/>
                     </a:solidFill>
@@ -28870,7 +28900,7 @@
                   <a:t>Mho</a:t>
                 </a:r>
                 <a:r>
-                  <a:rPr lang="en-US" altLang="ko-KR" b="1" dirty="0">
+                  <a:rPr lang="en-US" altLang="ko-KR" b="1" dirty="0" smtClean="0">
                     <a:ea typeface="굴림" charset="-127"/>
                   </a:rPr>
                   <a:t>[    ] is used also.</a:t>
@@ -28955,7 +28985,7 @@
                   <a:buNone/>
                   <a:defRPr/>
                 </a:pPr>
-                <a:endParaRPr lang="en-US" altLang="ko-KR" b="1" i="1" dirty="0">
+                <a:endParaRPr lang="en-US" altLang="ko-KR" b="1" i="1" dirty="0" smtClean="0">
                   <a:latin typeface="Cambria Math" panose="02040503050406030204" pitchFamily="18" charset="0"/>
                   <a:ea typeface="굴림" charset="-127"/>
                 </a:endParaRPr>
@@ -29192,18 +29222,14 @@
   <p:clrMapOvr>
     <a:masterClrMapping/>
   </p:clrMapOvr>
-  <mc:AlternateContent xmlns:mc="http://schemas.openxmlformats.org/markup-compatibility/2006">
-    <mc:Choice xmlns:p159="http://schemas.microsoft.com/office/powerpoint/2015/09/main" Requires="p159">
-      <p:transition spd="slow">
-        <p159:morph option="byChar"/>
-      </p:transition>
-    </mc:Choice>
-    <mc:Fallback>
-      <p:transition spd="slow">
-        <p:fade/>
-      </p:transition>
-    </mc:Fallback>
-  </mc:AlternateContent>
+  <p:transition spd="med"/>
+  <p:timing>
+    <p:tnLst>
+      <p:par>
+        <p:cTn id="1" dur="indefinite" restart="never" nodeType="tmRoot"/>
+      </p:par>
+    </p:tnLst>
+  </p:timing>
 </p:sld>
 </file>
 
@@ -29240,12 +29266,12 @@
           <a:lstStyle/>
           <a:p>
             <a:r>
-              <a:rPr lang="en-US" altLang="ko-KR" dirty="0">
+              <a:rPr lang="en-US" altLang="ko-KR" dirty="0" smtClean="0">
                 <a:ea typeface="굴림" panose="020B0600000101010101" pitchFamily="50" charset="-127"/>
               </a:rPr>
               <a:t>Examples </a:t>
             </a:r>
-            <a:endParaRPr lang="ko-KR" altLang="en-US" dirty="0"/>
+            <a:endParaRPr lang="ko-KR" altLang="en-US" dirty="0" smtClean="0"/>
           </a:p>
         </p:txBody>
       </p:sp>
@@ -29275,7 +29301,7 @@
               <a:defRPr/>
             </a:pPr>
             <a:r>
-              <a:rPr lang="en-US" altLang="ko-KR" sz="3200" b="1" dirty="0">
+              <a:rPr lang="en-US" altLang="ko-KR" sz="3200" b="1" dirty="0" smtClean="0">
                 <a:solidFill>
                   <a:srgbClr val="0070C0"/>
                 </a:solidFill>
@@ -29283,7 +29309,7 @@
               </a:rPr>
               <a:t>Example 2.1</a:t>
             </a:r>
-            <a:endParaRPr lang="en-US" altLang="ko-KR" sz="2000" b="1" dirty="0">
+            <a:endParaRPr lang="en-US" altLang="ko-KR" sz="2000" b="1" dirty="0" smtClean="0">
               <a:solidFill>
                 <a:srgbClr val="0070C0"/>
               </a:solidFill>
@@ -29295,7 +29321,7 @@
               <a:defRPr/>
             </a:pPr>
             <a:r>
-              <a:rPr lang="en-US" altLang="ko-KR" b="1" dirty="0">
+              <a:rPr lang="en-US" altLang="ko-KR" b="1" dirty="0" smtClean="0">
                 <a:ea typeface="굴림" pitchFamily="50" charset="-127"/>
               </a:rPr>
               <a:t>Let us determine current and power</a:t>
@@ -29305,7 +29331,7 @@
             <a:pPr>
               <a:defRPr/>
             </a:pPr>
-            <a:endParaRPr lang="en-US" altLang="ko-KR" b="1" dirty="0">
+            <a:endParaRPr lang="en-US" altLang="ko-KR" b="1" dirty="0" smtClean="0">
               <a:ea typeface="굴림" pitchFamily="50" charset="-127"/>
             </a:endParaRPr>
           </a:p>
@@ -29519,7 +29545,7 @@
               <a:defRPr/>
             </a:pPr>
             <a:r>
-              <a:rPr lang="en-US" altLang="ko-KR" sz="3200" b="1" kern="0" dirty="0">
+              <a:rPr lang="en-US" altLang="ko-KR" sz="3200" b="1" kern="0" dirty="0" smtClean="0">
                 <a:solidFill>
                   <a:srgbClr val="0070C0"/>
                 </a:solidFill>
@@ -29527,7 +29553,7 @@
               </a:rPr>
               <a:t>Example 2.2</a:t>
             </a:r>
-            <a:endParaRPr lang="en-US" altLang="ko-KR" sz="2000" b="1" kern="0" dirty="0">
+            <a:endParaRPr lang="en-US" altLang="ko-KR" sz="2000" b="1" kern="0" dirty="0" smtClean="0">
               <a:solidFill>
                 <a:srgbClr val="0070C0"/>
               </a:solidFill>
@@ -29539,7 +29565,7 @@
               <a:defRPr/>
             </a:pPr>
             <a:r>
-              <a:rPr lang="en-US" altLang="ko-KR" b="1" kern="0" dirty="0">
+              <a:rPr lang="en-US" altLang="ko-KR" b="1" kern="0" dirty="0" smtClean="0">
                 <a:ea typeface="굴림" pitchFamily="50" charset="-127"/>
               </a:rPr>
               <a:t>Let us examine voltage and power</a:t>
@@ -29549,7 +29575,7 @@
             <a:pPr>
               <a:defRPr/>
             </a:pPr>
-            <a:endParaRPr lang="en-US" altLang="ko-KR" b="1" kern="0" dirty="0">
+            <a:endParaRPr lang="en-US" altLang="ko-KR" b="1" kern="0" dirty="0" smtClean="0">
               <a:ea typeface="굴림" pitchFamily="50" charset="-127"/>
             </a:endParaRPr>
           </a:p>
@@ -29823,7 +29849,7 @@
               <a:defRPr/>
             </a:pPr>
             <a:r>
-              <a:rPr lang="en-US" altLang="ko-KR" sz="3200" b="1" kern="0" dirty="0">
+              <a:rPr lang="en-US" altLang="ko-KR" sz="3200" b="1" kern="0" dirty="0" smtClean="0">
                 <a:solidFill>
                   <a:srgbClr val="0070C0"/>
                 </a:solidFill>
@@ -29831,7 +29857,7 @@
               </a:rPr>
               <a:t>Example 2.3</a:t>
             </a:r>
-            <a:endParaRPr lang="en-US" altLang="ko-KR" sz="2000" b="1" kern="0" dirty="0">
+            <a:endParaRPr lang="en-US" altLang="ko-KR" sz="2000" b="1" kern="0" dirty="0" smtClean="0">
               <a:solidFill>
                 <a:srgbClr val="0070C0"/>
               </a:solidFill>
@@ -29843,7 +29869,7 @@
               <a:defRPr/>
             </a:pPr>
             <a:r>
-              <a:rPr lang="en-US" altLang="ko-KR" b="1" kern="0" dirty="0">
+              <a:rPr lang="en-US" altLang="ko-KR" b="1" kern="0" dirty="0" smtClean="0">
                 <a:ea typeface="굴림" pitchFamily="50" charset="-127"/>
               </a:rPr>
               <a:t>Let us determine current</a:t>
@@ -29853,7 +29879,7 @@
             <a:pPr>
               <a:defRPr/>
             </a:pPr>
-            <a:endParaRPr lang="en-US" altLang="ko-KR" b="1" kern="0" dirty="0">
+            <a:endParaRPr lang="en-US" altLang="ko-KR" b="1" kern="0" dirty="0" smtClean="0">
               <a:ea typeface="굴림" pitchFamily="50" charset="-127"/>
             </a:endParaRPr>
           </a:p>
@@ -29899,18 +29925,14 @@
   <p:clrMapOvr>
     <a:masterClrMapping/>
   </p:clrMapOvr>
-  <mc:AlternateContent xmlns:mc="http://schemas.openxmlformats.org/markup-compatibility/2006">
-    <mc:Choice xmlns:p159="http://schemas.microsoft.com/office/powerpoint/2015/09/main" Requires="p159">
-      <p:transition spd="slow">
-        <p159:morph option="byChar"/>
-      </p:transition>
-    </mc:Choice>
-    <mc:Fallback>
-      <p:transition spd="slow">
-        <p:fade/>
-      </p:transition>
-    </mc:Fallback>
-  </mc:AlternateContent>
+  <p:transition spd="med"/>
+  <p:timing>
+    <p:tnLst>
+      <p:par>
+        <p:cTn id="1" dur="indefinite" restart="never" nodeType="tmRoot"/>
+      </p:par>
+    </p:tnLst>
+  </p:timing>
 </p:sld>
 </file>
 
